--- a/warner-az-305-2026-comprehensive.pptx
+++ b/warner-az-305-2026-comprehensive.pptx
@@ -5,105 +5,105 @@
     <p:sldMasterId id="2147483648" r:id="rId1"/>
   </p:sldMasterIdLst>
   <p:sldIdLst>
-    <p:sldId id="256" r:id="rId7"/>
-    <p:sldId id="257" r:id="rId8"/>
-    <p:sldId id="258" r:id="rId9"/>
-    <p:sldId id="259" r:id="rId10"/>
-    <p:sldId id="260" r:id="rId11"/>
-    <p:sldId id="261" r:id="rId12"/>
-    <p:sldId id="262" r:id="rId13"/>
-    <p:sldId id="263" r:id="rId14"/>
-    <p:sldId id="264" r:id="rId15"/>
-    <p:sldId id="265" r:id="rId16"/>
-    <p:sldId id="266" r:id="rId17"/>
-    <p:sldId id="267" r:id="rId18"/>
-    <p:sldId id="268" r:id="rId19"/>
-    <p:sldId id="269" r:id="rId20"/>
-    <p:sldId id="270" r:id="rId21"/>
-    <p:sldId id="271" r:id="rId22"/>
-    <p:sldId id="272" r:id="rId23"/>
-    <p:sldId id="273" r:id="rId24"/>
-    <p:sldId id="274" r:id="rId25"/>
-    <p:sldId id="275" r:id="rId26"/>
-    <p:sldId id="276" r:id="rId27"/>
-    <p:sldId id="277" r:id="rId28"/>
-    <p:sldId id="278" r:id="rId29"/>
-    <p:sldId id="279" r:id="rId30"/>
-    <p:sldId id="280" r:id="rId31"/>
-    <p:sldId id="281" r:id="rId32"/>
-    <p:sldId id="282" r:id="rId33"/>
-    <p:sldId id="283" r:id="rId34"/>
-    <p:sldId id="284" r:id="rId35"/>
-    <p:sldId id="285" r:id="rId36"/>
-    <p:sldId id="286" r:id="rId37"/>
-    <p:sldId id="287" r:id="rId38"/>
-    <p:sldId id="288" r:id="rId39"/>
-    <p:sldId id="289" r:id="rId40"/>
-    <p:sldId id="290" r:id="rId41"/>
-    <p:sldId id="291" r:id="rId42"/>
-    <p:sldId id="292" r:id="rId43"/>
-    <p:sldId id="293" r:id="rId44"/>
-    <p:sldId id="294" r:id="rId45"/>
-    <p:sldId id="295" r:id="rId46"/>
-    <p:sldId id="296" r:id="rId47"/>
-    <p:sldId id="297" r:id="rId48"/>
-    <p:sldId id="298" r:id="rId49"/>
-    <p:sldId id="299" r:id="rId50"/>
-    <p:sldId id="300" r:id="rId51"/>
-    <p:sldId id="301" r:id="rId52"/>
-    <p:sldId id="302" r:id="rId53"/>
-    <p:sldId id="303" r:id="rId54"/>
-    <p:sldId id="304" r:id="rId55"/>
-    <p:sldId id="305" r:id="rId56"/>
-    <p:sldId id="306" r:id="rId57"/>
-    <p:sldId id="307" r:id="rId58"/>
-    <p:sldId id="308" r:id="rId59"/>
-    <p:sldId id="309" r:id="rId60"/>
-    <p:sldId id="310" r:id="rId61"/>
-    <p:sldId id="311" r:id="rId62"/>
-    <p:sldId id="312" r:id="rId63"/>
-    <p:sldId id="313" r:id="rId64"/>
-    <p:sldId id="314" r:id="rId65"/>
-    <p:sldId id="315" r:id="rId66"/>
-    <p:sldId id="316" r:id="rId67"/>
-    <p:sldId id="317" r:id="rId68"/>
-    <p:sldId id="318" r:id="rId69"/>
-    <p:sldId id="319" r:id="rId70"/>
-    <p:sldId id="320" r:id="rId71"/>
-    <p:sldId id="321" r:id="rId72"/>
-    <p:sldId id="322" r:id="rId73"/>
-    <p:sldId id="323" r:id="rId74"/>
-    <p:sldId id="324" r:id="rId75"/>
-    <p:sldId id="325" r:id="rId76"/>
-    <p:sldId id="326" r:id="rId77"/>
-    <p:sldId id="327" r:id="rId78"/>
-    <p:sldId id="328" r:id="rId79"/>
-    <p:sldId id="329" r:id="rId80"/>
-    <p:sldId id="330" r:id="rId81"/>
-    <p:sldId id="331" r:id="rId82"/>
-    <p:sldId id="332" r:id="rId83"/>
-    <p:sldId id="333" r:id="rId84"/>
-    <p:sldId id="334" r:id="rId85"/>
-    <p:sldId id="335" r:id="rId86"/>
-    <p:sldId id="336" r:id="rId87"/>
-    <p:sldId id="337" r:id="rId88"/>
-    <p:sldId id="338" r:id="rId89"/>
-    <p:sldId id="339" r:id="rId90"/>
-    <p:sldId id="340" r:id="rId91"/>
-    <p:sldId id="341" r:id="rId92"/>
-    <p:sldId id="342" r:id="rId93"/>
-    <p:sldId id="343" r:id="rId94"/>
-    <p:sldId id="344" r:id="rId95"/>
-    <p:sldId id="345" r:id="rId96"/>
-    <p:sldId id="346" r:id="rId97"/>
-    <p:sldId id="347" r:id="rId98"/>
-    <p:sldId id="348" r:id="rId99"/>
-    <p:sldId id="349" r:id="rId100"/>
-    <p:sldId id="350" r:id="rId101"/>
-    <p:sldId id="351" r:id="rId102"/>
-    <p:sldId id="352" r:id="rId103"/>
+    <p:sldId id="256" r:id="rId2"/>
+    <p:sldId id="257" r:id="rId3"/>
+    <p:sldId id="258" r:id="rId4"/>
+    <p:sldId id="259" r:id="rId5"/>
+    <p:sldId id="260" r:id="rId6"/>
+    <p:sldId id="261" r:id="rId7"/>
+    <p:sldId id="262" r:id="rId8"/>
+    <p:sldId id="263" r:id="rId9"/>
+    <p:sldId id="264" r:id="rId10"/>
+    <p:sldId id="265" r:id="rId11"/>
+    <p:sldId id="266" r:id="rId12"/>
+    <p:sldId id="267" r:id="rId13"/>
+    <p:sldId id="268" r:id="rId14"/>
+    <p:sldId id="269" r:id="rId15"/>
+    <p:sldId id="270" r:id="rId16"/>
+    <p:sldId id="271" r:id="rId17"/>
+    <p:sldId id="272" r:id="rId18"/>
+    <p:sldId id="273" r:id="rId19"/>
+    <p:sldId id="274" r:id="rId20"/>
+    <p:sldId id="275" r:id="rId21"/>
+    <p:sldId id="276" r:id="rId22"/>
+    <p:sldId id="277" r:id="rId23"/>
+    <p:sldId id="278" r:id="rId24"/>
+    <p:sldId id="279" r:id="rId25"/>
+    <p:sldId id="280" r:id="rId26"/>
+    <p:sldId id="281" r:id="rId27"/>
+    <p:sldId id="282" r:id="rId28"/>
+    <p:sldId id="283" r:id="rId29"/>
+    <p:sldId id="284" r:id="rId30"/>
+    <p:sldId id="285" r:id="rId31"/>
+    <p:sldId id="286" r:id="rId32"/>
+    <p:sldId id="287" r:id="rId33"/>
+    <p:sldId id="288" r:id="rId34"/>
+    <p:sldId id="289" r:id="rId35"/>
+    <p:sldId id="290" r:id="rId36"/>
+    <p:sldId id="291" r:id="rId37"/>
+    <p:sldId id="292" r:id="rId38"/>
+    <p:sldId id="293" r:id="rId39"/>
+    <p:sldId id="294" r:id="rId40"/>
+    <p:sldId id="295" r:id="rId41"/>
+    <p:sldId id="296" r:id="rId42"/>
+    <p:sldId id="297" r:id="rId43"/>
+    <p:sldId id="298" r:id="rId44"/>
+    <p:sldId id="299" r:id="rId45"/>
+    <p:sldId id="300" r:id="rId46"/>
+    <p:sldId id="301" r:id="rId47"/>
+    <p:sldId id="302" r:id="rId48"/>
+    <p:sldId id="303" r:id="rId49"/>
+    <p:sldId id="304" r:id="rId50"/>
+    <p:sldId id="305" r:id="rId51"/>
+    <p:sldId id="306" r:id="rId52"/>
+    <p:sldId id="307" r:id="rId53"/>
+    <p:sldId id="308" r:id="rId54"/>
+    <p:sldId id="309" r:id="rId55"/>
+    <p:sldId id="310" r:id="rId56"/>
+    <p:sldId id="311" r:id="rId57"/>
+    <p:sldId id="312" r:id="rId58"/>
+    <p:sldId id="313" r:id="rId59"/>
+    <p:sldId id="314" r:id="rId60"/>
+    <p:sldId id="315" r:id="rId61"/>
+    <p:sldId id="316" r:id="rId62"/>
+    <p:sldId id="317" r:id="rId63"/>
+    <p:sldId id="318" r:id="rId64"/>
+    <p:sldId id="319" r:id="rId65"/>
+    <p:sldId id="320" r:id="rId66"/>
+    <p:sldId id="321" r:id="rId67"/>
+    <p:sldId id="322" r:id="rId68"/>
+    <p:sldId id="323" r:id="rId69"/>
+    <p:sldId id="324" r:id="rId70"/>
+    <p:sldId id="325" r:id="rId71"/>
+    <p:sldId id="326" r:id="rId72"/>
+    <p:sldId id="327" r:id="rId73"/>
+    <p:sldId id="328" r:id="rId74"/>
+    <p:sldId id="329" r:id="rId75"/>
+    <p:sldId id="330" r:id="rId76"/>
+    <p:sldId id="331" r:id="rId77"/>
+    <p:sldId id="332" r:id="rId78"/>
+    <p:sldId id="333" r:id="rId79"/>
+    <p:sldId id="334" r:id="rId80"/>
+    <p:sldId id="335" r:id="rId81"/>
+    <p:sldId id="336" r:id="rId82"/>
+    <p:sldId id="337" r:id="rId83"/>
+    <p:sldId id="338" r:id="rId84"/>
+    <p:sldId id="339" r:id="rId85"/>
+    <p:sldId id="340" r:id="rId86"/>
+    <p:sldId id="341" r:id="rId87"/>
+    <p:sldId id="342" r:id="rId88"/>
+    <p:sldId id="343" r:id="rId89"/>
+    <p:sldId id="344" r:id="rId90"/>
+    <p:sldId id="345" r:id="rId91"/>
+    <p:sldId id="346" r:id="rId92"/>
+    <p:sldId id="347" r:id="rId93"/>
+    <p:sldId id="348" r:id="rId94"/>
+    <p:sldId id="349" r:id="rId95"/>
+    <p:sldId id="350" r:id="rId96"/>
+    <p:sldId id="351" r:id="rId97"/>
+    <p:sldId id="352" r:id="rId98"/>
   </p:sldIdLst>
-  <p:sldSz cx="12191695" cy="6858000" type="screen4x3"/>
+  <p:sldSz cx="12192000" cy="6858000"/>
   <p:notesSz cx="6858000" cy="9144000"/>
   <p:defaultTextStyle>
     <a:defPPr>
@@ -200,6 +200,22 @@
       </a:defRPr>
     </a:lvl9pPr>
   </p:defaultTextStyle>
+  <p:extLst>
+    <p:ext uri="{EFAFB233-063F-42B5-8137-9DF3F51BA10A}">
+      <p15:sldGuideLst xmlns:p15="http://schemas.microsoft.com/office/powerpoint/2012/main">
+        <p15:guide id="1" orient="horz" pos="2160">
+          <p15:clr>
+            <a:srgbClr val="A4A3A4"/>
+          </p15:clr>
+        </p15:guide>
+        <p15:guide id="2" pos="2880">
+          <p15:clr>
+            <a:srgbClr val="A4A3A4"/>
+          </p15:clr>
+        </p15:guide>
+      </p15:sldGuideLst>
+    </p:ext>
+  </p:extLst>
 </p:presentation>
 </file>
 
@@ -241,10 +257,9 @@
           <a:lstStyle/>
           <a:p>
             <a:r>
-              <a:rPr lang="en-US" smtClean="0"/>
+              <a:rPr lang="en-US"/>
               <a:t>Click to edit Master title style</a:t>
             </a:r>
-            <a:endParaRPr lang="en-US"/>
           </a:p>
         </p:txBody>
       </p:sp>
@@ -360,10 +375,9 @@
           </a:lstStyle>
           <a:p>
             <a:r>
-              <a:rPr lang="en-US" smtClean="0"/>
+              <a:rPr lang="en-US"/>
               <a:t>Click to edit Master subtitle style</a:t>
             </a:r>
-            <a:endParaRPr lang="en-US"/>
           </a:p>
         </p:txBody>
       </p:sp>
@@ -384,7 +398,7 @@
           <a:p>
             <a:fld id="{5BCAD085-E8A6-8845-BD4E-CB4CCA059FC4}" type="datetimeFigureOut">
               <a:rPr lang="en-US" smtClean="0"/>
-              <a:t>1/27/13</a:t>
+              <a:t>Thu, 1/29/2026</a:t>
             </a:fld>
             <a:endParaRPr lang="en-US"/>
           </a:p>
@@ -478,10 +492,9 @@
           <a:lstStyle/>
           <a:p>
             <a:r>
-              <a:rPr lang="en-US" smtClean="0"/>
+              <a:rPr lang="en-US"/>
               <a:t>Click to edit Master title style</a:t>
             </a:r>
-            <a:endParaRPr lang="en-US"/>
           </a:p>
         </p:txBody>
       </p:sp>
@@ -502,38 +515,37 @@
           <a:p>
             <a:pPr lvl="0"/>
             <a:r>
-              <a:rPr lang="en-US" smtClean="0"/>
+              <a:rPr lang="en-US"/>
               <a:t>Click to edit Master text styles</a:t>
             </a:r>
           </a:p>
           <a:p>
             <a:pPr lvl="1"/>
             <a:r>
-              <a:rPr lang="en-US" smtClean="0"/>
+              <a:rPr lang="en-US"/>
               <a:t>Second level</a:t>
             </a:r>
           </a:p>
           <a:p>
             <a:pPr lvl="2"/>
             <a:r>
-              <a:rPr lang="en-US" smtClean="0"/>
+              <a:rPr lang="en-US"/>
               <a:t>Third level</a:t>
             </a:r>
           </a:p>
           <a:p>
             <a:pPr lvl="3"/>
             <a:r>
-              <a:rPr lang="en-US" smtClean="0"/>
+              <a:rPr lang="en-US"/>
               <a:t>Fourth level</a:t>
             </a:r>
           </a:p>
           <a:p>
             <a:pPr lvl="4"/>
             <a:r>
-              <a:rPr lang="en-US" smtClean="0"/>
+              <a:rPr lang="en-US"/>
               <a:t>Fifth level</a:t>
             </a:r>
-            <a:endParaRPr lang="en-US"/>
           </a:p>
         </p:txBody>
       </p:sp>
@@ -554,7 +566,7 @@
           <a:p>
             <a:fld id="{5BCAD085-E8A6-8845-BD4E-CB4CCA059FC4}" type="datetimeFigureOut">
               <a:rPr lang="en-US" smtClean="0"/>
-              <a:t>1/27/13</a:t>
+              <a:t>Thu, 1/29/2026</a:t>
             </a:fld>
             <a:endParaRPr lang="en-US"/>
           </a:p>
@@ -653,10 +665,9 @@
           <a:lstStyle/>
           <a:p>
             <a:r>
-              <a:rPr lang="en-US" smtClean="0"/>
+              <a:rPr lang="en-US"/>
               <a:t>Click to edit Master title style</a:t>
             </a:r>
-            <a:endParaRPr lang="en-US"/>
           </a:p>
         </p:txBody>
       </p:sp>
@@ -682,38 +693,37 @@
           <a:p>
             <a:pPr lvl="0"/>
             <a:r>
-              <a:rPr lang="en-US" smtClean="0"/>
+              <a:rPr lang="en-US"/>
               <a:t>Click to edit Master text styles</a:t>
             </a:r>
           </a:p>
           <a:p>
             <a:pPr lvl="1"/>
             <a:r>
-              <a:rPr lang="en-US" smtClean="0"/>
+              <a:rPr lang="en-US"/>
               <a:t>Second level</a:t>
             </a:r>
           </a:p>
           <a:p>
             <a:pPr lvl="2"/>
             <a:r>
-              <a:rPr lang="en-US" smtClean="0"/>
+              <a:rPr lang="en-US"/>
               <a:t>Third level</a:t>
             </a:r>
           </a:p>
           <a:p>
             <a:pPr lvl="3"/>
             <a:r>
-              <a:rPr lang="en-US" smtClean="0"/>
+              <a:rPr lang="en-US"/>
               <a:t>Fourth level</a:t>
             </a:r>
           </a:p>
           <a:p>
             <a:pPr lvl="4"/>
             <a:r>
-              <a:rPr lang="en-US" smtClean="0"/>
+              <a:rPr lang="en-US"/>
               <a:t>Fifth level</a:t>
             </a:r>
-            <a:endParaRPr lang="en-US"/>
           </a:p>
         </p:txBody>
       </p:sp>
@@ -734,7 +744,7 @@
           <a:p>
             <a:fld id="{5BCAD085-E8A6-8845-BD4E-CB4CCA059FC4}" type="datetimeFigureOut">
               <a:rPr lang="en-US" smtClean="0"/>
-              <a:t>1/27/13</a:t>
+              <a:t>Thu, 1/29/2026</a:t>
             </a:fld>
             <a:endParaRPr lang="en-US"/>
           </a:p>
@@ -828,10 +838,9 @@
           <a:lstStyle/>
           <a:p>
             <a:r>
-              <a:rPr lang="en-US" smtClean="0"/>
+              <a:rPr lang="en-US"/>
               <a:t>Click to edit Master title style</a:t>
             </a:r>
-            <a:endParaRPr lang="en-US"/>
           </a:p>
         </p:txBody>
       </p:sp>
@@ -852,38 +861,37 @@
           <a:p>
             <a:pPr lvl="0"/>
             <a:r>
-              <a:rPr lang="en-US" smtClean="0"/>
+              <a:rPr lang="en-US"/>
               <a:t>Click to edit Master text styles</a:t>
             </a:r>
           </a:p>
           <a:p>
             <a:pPr lvl="1"/>
             <a:r>
-              <a:rPr lang="en-US" smtClean="0"/>
+              <a:rPr lang="en-US"/>
               <a:t>Second level</a:t>
             </a:r>
           </a:p>
           <a:p>
             <a:pPr lvl="2"/>
             <a:r>
-              <a:rPr lang="en-US" smtClean="0"/>
+              <a:rPr lang="en-US"/>
               <a:t>Third level</a:t>
             </a:r>
           </a:p>
           <a:p>
             <a:pPr lvl="3"/>
             <a:r>
-              <a:rPr lang="en-US" smtClean="0"/>
+              <a:rPr lang="en-US"/>
               <a:t>Fourth level</a:t>
             </a:r>
           </a:p>
           <a:p>
             <a:pPr lvl="4"/>
             <a:r>
-              <a:rPr lang="en-US" smtClean="0"/>
+              <a:rPr lang="en-US"/>
               <a:t>Fifth level</a:t>
             </a:r>
-            <a:endParaRPr lang="en-US"/>
           </a:p>
         </p:txBody>
       </p:sp>
@@ -904,7 +912,7 @@
           <a:p>
             <a:fld id="{5BCAD085-E8A6-8845-BD4E-CB4CCA059FC4}" type="datetimeFigureOut">
               <a:rPr lang="en-US" smtClean="0"/>
-              <a:t>1/27/13</a:t>
+              <a:t>Thu, 1/29/2026</a:t>
             </a:fld>
             <a:endParaRPr lang="en-US"/>
           </a:p>
@@ -1007,10 +1015,9 @@
           </a:lstStyle>
           <a:p>
             <a:r>
-              <a:rPr lang="en-US" smtClean="0"/>
+              <a:rPr lang="en-US"/>
               <a:t>Click to edit Master title style</a:t>
             </a:r>
-            <a:endParaRPr lang="en-US"/>
           </a:p>
         </p:txBody>
       </p:sp>
@@ -1127,7 +1134,7 @@
           <a:p>
             <a:pPr lvl="0"/>
             <a:r>
-              <a:rPr lang="en-US" smtClean="0"/>
+              <a:rPr lang="en-US"/>
               <a:t>Click to edit Master text styles</a:t>
             </a:r>
           </a:p>
@@ -1150,7 +1157,7 @@
           <a:p>
             <a:fld id="{5BCAD085-E8A6-8845-BD4E-CB4CCA059FC4}" type="datetimeFigureOut">
               <a:rPr lang="en-US" smtClean="0"/>
-              <a:t>1/27/13</a:t>
+              <a:t>Thu, 1/29/2026</a:t>
             </a:fld>
             <a:endParaRPr lang="en-US"/>
           </a:p>
@@ -1244,10 +1251,9 @@
           <a:lstStyle/>
           <a:p>
             <a:r>
-              <a:rPr lang="en-US" smtClean="0"/>
+              <a:rPr lang="en-US"/>
               <a:t>Click to edit Master title style</a:t>
             </a:r>
-            <a:endParaRPr lang="en-US"/>
           </a:p>
         </p:txBody>
       </p:sp>
@@ -1301,38 +1307,37 @@
           <a:p>
             <a:pPr lvl="0"/>
             <a:r>
-              <a:rPr lang="en-US" smtClean="0"/>
+              <a:rPr lang="en-US"/>
               <a:t>Click to edit Master text styles</a:t>
             </a:r>
           </a:p>
           <a:p>
             <a:pPr lvl="1"/>
             <a:r>
-              <a:rPr lang="en-US" smtClean="0"/>
+              <a:rPr lang="en-US"/>
               <a:t>Second level</a:t>
             </a:r>
           </a:p>
           <a:p>
             <a:pPr lvl="2"/>
             <a:r>
-              <a:rPr lang="en-US" smtClean="0"/>
+              <a:rPr lang="en-US"/>
               <a:t>Third level</a:t>
             </a:r>
           </a:p>
           <a:p>
             <a:pPr lvl="3"/>
             <a:r>
-              <a:rPr lang="en-US" smtClean="0"/>
+              <a:rPr lang="en-US"/>
               <a:t>Fourth level</a:t>
             </a:r>
           </a:p>
           <a:p>
             <a:pPr lvl="4"/>
             <a:r>
-              <a:rPr lang="en-US" smtClean="0"/>
+              <a:rPr lang="en-US"/>
               <a:t>Fifth level</a:t>
             </a:r>
-            <a:endParaRPr lang="en-US"/>
           </a:p>
         </p:txBody>
       </p:sp>
@@ -1386,38 +1391,37 @@
           <a:p>
             <a:pPr lvl="0"/>
             <a:r>
-              <a:rPr lang="en-US" smtClean="0"/>
+              <a:rPr lang="en-US"/>
               <a:t>Click to edit Master text styles</a:t>
             </a:r>
           </a:p>
           <a:p>
             <a:pPr lvl="1"/>
             <a:r>
-              <a:rPr lang="en-US" smtClean="0"/>
+              <a:rPr lang="en-US"/>
               <a:t>Second level</a:t>
             </a:r>
           </a:p>
           <a:p>
             <a:pPr lvl="2"/>
             <a:r>
-              <a:rPr lang="en-US" smtClean="0"/>
+              <a:rPr lang="en-US"/>
               <a:t>Third level</a:t>
             </a:r>
           </a:p>
           <a:p>
             <a:pPr lvl="3"/>
             <a:r>
-              <a:rPr lang="en-US" smtClean="0"/>
+              <a:rPr lang="en-US"/>
               <a:t>Fourth level</a:t>
             </a:r>
           </a:p>
           <a:p>
             <a:pPr lvl="4"/>
             <a:r>
-              <a:rPr lang="en-US" smtClean="0"/>
+              <a:rPr lang="en-US"/>
               <a:t>Fifth level</a:t>
             </a:r>
-            <a:endParaRPr lang="en-US"/>
           </a:p>
         </p:txBody>
       </p:sp>
@@ -1438,7 +1442,7 @@
           <a:p>
             <a:fld id="{5BCAD085-E8A6-8845-BD4E-CB4CCA059FC4}" type="datetimeFigureOut">
               <a:rPr lang="en-US" smtClean="0"/>
-              <a:t>1/27/13</a:t>
+              <a:t>Thu, 1/29/2026</a:t>
             </a:fld>
             <a:endParaRPr lang="en-US"/>
           </a:p>
@@ -1536,10 +1540,9 @@
           </a:lstStyle>
           <a:p>
             <a:r>
-              <a:rPr lang="en-US" smtClean="0"/>
+              <a:rPr lang="en-US"/>
               <a:t>Click to edit Master title style</a:t>
             </a:r>
-            <a:endParaRPr lang="en-US"/>
           </a:p>
         </p:txBody>
       </p:sp>
@@ -1602,7 +1605,7 @@
           <a:p>
             <a:pPr lvl="0"/>
             <a:r>
-              <a:rPr lang="en-US" smtClean="0"/>
+              <a:rPr lang="en-US"/>
               <a:t>Click to edit Master text styles</a:t>
             </a:r>
           </a:p>
@@ -1658,38 +1661,37 @@
           <a:p>
             <a:pPr lvl="0"/>
             <a:r>
-              <a:rPr lang="en-US" smtClean="0"/>
+              <a:rPr lang="en-US"/>
               <a:t>Click to edit Master text styles</a:t>
             </a:r>
           </a:p>
           <a:p>
             <a:pPr lvl="1"/>
             <a:r>
-              <a:rPr lang="en-US" smtClean="0"/>
+              <a:rPr lang="en-US"/>
               <a:t>Second level</a:t>
             </a:r>
           </a:p>
           <a:p>
             <a:pPr lvl="2"/>
             <a:r>
-              <a:rPr lang="en-US" smtClean="0"/>
+              <a:rPr lang="en-US"/>
               <a:t>Third level</a:t>
             </a:r>
           </a:p>
           <a:p>
             <a:pPr lvl="3"/>
             <a:r>
-              <a:rPr lang="en-US" smtClean="0"/>
+              <a:rPr lang="en-US"/>
               <a:t>Fourth level</a:t>
             </a:r>
           </a:p>
           <a:p>
             <a:pPr lvl="4"/>
             <a:r>
-              <a:rPr lang="en-US" smtClean="0"/>
+              <a:rPr lang="en-US"/>
               <a:t>Fifth level</a:t>
             </a:r>
-            <a:endParaRPr lang="en-US"/>
           </a:p>
         </p:txBody>
       </p:sp>
@@ -1752,7 +1754,7 @@
           <a:p>
             <a:pPr lvl="0"/>
             <a:r>
-              <a:rPr lang="en-US" smtClean="0"/>
+              <a:rPr lang="en-US"/>
               <a:t>Click to edit Master text styles</a:t>
             </a:r>
           </a:p>
@@ -1808,38 +1810,37 @@
           <a:p>
             <a:pPr lvl="0"/>
             <a:r>
-              <a:rPr lang="en-US" smtClean="0"/>
+              <a:rPr lang="en-US"/>
               <a:t>Click to edit Master text styles</a:t>
             </a:r>
           </a:p>
           <a:p>
             <a:pPr lvl="1"/>
             <a:r>
-              <a:rPr lang="en-US" smtClean="0"/>
+              <a:rPr lang="en-US"/>
               <a:t>Second level</a:t>
             </a:r>
           </a:p>
           <a:p>
             <a:pPr lvl="2"/>
             <a:r>
-              <a:rPr lang="en-US" smtClean="0"/>
+              <a:rPr lang="en-US"/>
               <a:t>Third level</a:t>
             </a:r>
           </a:p>
           <a:p>
             <a:pPr lvl="3"/>
             <a:r>
-              <a:rPr lang="en-US" smtClean="0"/>
+              <a:rPr lang="en-US"/>
               <a:t>Fourth level</a:t>
             </a:r>
           </a:p>
           <a:p>
             <a:pPr lvl="4"/>
             <a:r>
-              <a:rPr lang="en-US" smtClean="0"/>
+              <a:rPr lang="en-US"/>
               <a:t>Fifth level</a:t>
             </a:r>
-            <a:endParaRPr lang="en-US"/>
           </a:p>
         </p:txBody>
       </p:sp>
@@ -1860,7 +1861,7 @@
           <a:p>
             <a:fld id="{5BCAD085-E8A6-8845-BD4E-CB4CCA059FC4}" type="datetimeFigureOut">
               <a:rPr lang="en-US" smtClean="0"/>
-              <a:t>1/27/13</a:t>
+              <a:t>Thu, 1/29/2026</a:t>
             </a:fld>
             <a:endParaRPr lang="en-US"/>
           </a:p>
@@ -1954,10 +1955,9 @@
           <a:lstStyle/>
           <a:p>
             <a:r>
-              <a:rPr lang="en-US" smtClean="0"/>
+              <a:rPr lang="en-US"/>
               <a:t>Click to edit Master title style</a:t>
             </a:r>
-            <a:endParaRPr lang="en-US"/>
           </a:p>
         </p:txBody>
       </p:sp>
@@ -1978,7 +1978,7 @@
           <a:p>
             <a:fld id="{5BCAD085-E8A6-8845-BD4E-CB4CCA059FC4}" type="datetimeFigureOut">
               <a:rPr lang="en-US" smtClean="0"/>
-              <a:t>1/27/13</a:t>
+              <a:t>Thu, 1/29/2026</a:t>
             </a:fld>
             <a:endParaRPr lang="en-US"/>
           </a:p>
@@ -2073,7 +2073,7 @@
           <a:p>
             <a:fld id="{5BCAD085-E8A6-8845-BD4E-CB4CCA059FC4}" type="datetimeFigureOut">
               <a:rPr lang="en-US" smtClean="0"/>
-              <a:t>1/27/13</a:t>
+              <a:t>Thu, 1/29/2026</a:t>
             </a:fld>
             <a:endParaRPr lang="en-US"/>
           </a:p>
@@ -2176,10 +2176,9 @@
           </a:lstStyle>
           <a:p>
             <a:r>
-              <a:rPr lang="en-US" smtClean="0"/>
+              <a:rPr lang="en-US"/>
               <a:t>Click to edit Master title style</a:t>
             </a:r>
-            <a:endParaRPr lang="en-US"/>
           </a:p>
         </p:txBody>
       </p:sp>
@@ -2233,38 +2232,37 @@
           <a:p>
             <a:pPr lvl="0"/>
             <a:r>
-              <a:rPr lang="en-US" smtClean="0"/>
+              <a:rPr lang="en-US"/>
               <a:t>Click to edit Master text styles</a:t>
             </a:r>
           </a:p>
           <a:p>
             <a:pPr lvl="1"/>
             <a:r>
-              <a:rPr lang="en-US" smtClean="0"/>
+              <a:rPr lang="en-US"/>
               <a:t>Second level</a:t>
             </a:r>
           </a:p>
           <a:p>
             <a:pPr lvl="2"/>
             <a:r>
-              <a:rPr lang="en-US" smtClean="0"/>
+              <a:rPr lang="en-US"/>
               <a:t>Third level</a:t>
             </a:r>
           </a:p>
           <a:p>
             <a:pPr lvl="3"/>
             <a:r>
-              <a:rPr lang="en-US" smtClean="0"/>
+              <a:rPr lang="en-US"/>
               <a:t>Fourth level</a:t>
             </a:r>
           </a:p>
           <a:p>
             <a:pPr lvl="4"/>
             <a:r>
-              <a:rPr lang="en-US" smtClean="0"/>
+              <a:rPr lang="en-US"/>
               <a:t>Fifth level</a:t>
             </a:r>
-            <a:endParaRPr lang="en-US"/>
           </a:p>
         </p:txBody>
       </p:sp>
@@ -2327,7 +2325,7 @@
           <a:p>
             <a:pPr lvl="0"/>
             <a:r>
-              <a:rPr lang="en-US" smtClean="0"/>
+              <a:rPr lang="en-US"/>
               <a:t>Click to edit Master text styles</a:t>
             </a:r>
           </a:p>
@@ -2350,7 +2348,7 @@
           <a:p>
             <a:fld id="{5BCAD085-E8A6-8845-BD4E-CB4CCA059FC4}" type="datetimeFigureOut">
               <a:rPr lang="en-US" smtClean="0"/>
-              <a:t>1/27/13</a:t>
+              <a:t>Thu, 1/29/2026</a:t>
             </a:fld>
             <a:endParaRPr lang="en-US"/>
           </a:p>
@@ -2453,10 +2451,9 @@
           </a:lstStyle>
           <a:p>
             <a:r>
-              <a:rPr lang="en-US" smtClean="0"/>
+              <a:rPr lang="en-US"/>
               <a:t>Click to edit Master title style</a:t>
             </a:r>
-            <a:endParaRPr lang="en-US"/>
           </a:p>
         </p:txBody>
       </p:sp>
@@ -2580,7 +2577,7 @@
           <a:p>
             <a:pPr lvl="0"/>
             <a:r>
-              <a:rPr lang="en-US" smtClean="0"/>
+              <a:rPr lang="en-US"/>
               <a:t>Click to edit Master text styles</a:t>
             </a:r>
           </a:p>
@@ -2603,7 +2600,7 @@
           <a:p>
             <a:fld id="{5BCAD085-E8A6-8845-BD4E-CB4CCA059FC4}" type="datetimeFigureOut">
               <a:rPr lang="en-US" smtClean="0"/>
-              <a:t>1/27/13</a:t>
+              <a:t>Thu, 1/29/2026</a:t>
             </a:fld>
             <a:endParaRPr lang="en-US"/>
           </a:p>
@@ -2712,10 +2709,9 @@
           <a:lstStyle/>
           <a:p>
             <a:r>
-              <a:rPr lang="en-US" smtClean="0"/>
+              <a:rPr lang="en-US"/>
               <a:t>Click to edit Master title style</a:t>
             </a:r>
-            <a:endParaRPr lang="en-US"/>
           </a:p>
         </p:txBody>
       </p:sp>
@@ -2746,38 +2742,37 @@
           <a:p>
             <a:pPr lvl="0"/>
             <a:r>
-              <a:rPr lang="en-US" smtClean="0"/>
+              <a:rPr lang="en-US"/>
               <a:t>Click to edit Master text styles</a:t>
             </a:r>
           </a:p>
           <a:p>
             <a:pPr lvl="1"/>
             <a:r>
-              <a:rPr lang="en-US" smtClean="0"/>
+              <a:rPr lang="en-US"/>
               <a:t>Second level</a:t>
             </a:r>
           </a:p>
           <a:p>
             <a:pPr lvl="2"/>
             <a:r>
-              <a:rPr lang="en-US" smtClean="0"/>
+              <a:rPr lang="en-US"/>
               <a:t>Third level</a:t>
             </a:r>
           </a:p>
           <a:p>
             <a:pPr lvl="3"/>
             <a:r>
-              <a:rPr lang="en-US" smtClean="0"/>
+              <a:rPr lang="en-US"/>
               <a:t>Fourth level</a:t>
             </a:r>
           </a:p>
           <a:p>
             <a:pPr lvl="4"/>
             <a:r>
-              <a:rPr lang="en-US" smtClean="0"/>
+              <a:rPr lang="en-US"/>
               <a:t>Fifth level</a:t>
             </a:r>
-            <a:endParaRPr lang="en-US"/>
           </a:p>
         </p:txBody>
       </p:sp>
@@ -2816,7 +2811,7 @@
           <a:p>
             <a:fld id="{5BCAD085-E8A6-8845-BD4E-CB4CCA059FC4}" type="datetimeFigureOut">
               <a:rPr lang="en-US" smtClean="0"/>
-              <a:t>1/27/13</a:t>
+              <a:t>Thu, 1/29/2026</a:t>
             </a:fld>
             <a:endParaRPr lang="en-US"/>
           </a:p>
@@ -3175,7 +3170,7 @@
 </file>
 
 <file path=ppt/slides/slide1.xml><?xml version="1.0" encoding="utf-8"?>
-<p:sld xmlns:a="http://schemas.openxmlformats.org/drawingml/2006/main" xmlns:p="http://schemas.openxmlformats.org/presentationml/2006/main" xmlns:r="http://schemas.openxmlformats.org/officeDocument/2006/relationships">
+<p:sld xmlns:a="http://schemas.openxmlformats.org/drawingml/2006/main" xmlns:r="http://schemas.openxmlformats.org/officeDocument/2006/relationships" xmlns:p="http://schemas.openxmlformats.org/presentationml/2006/main">
   <p:cSld>
     <p:spTree>
       <p:nvGrpSpPr>
@@ -3183,7 +3178,14 @@
         <p:cNvGrpSpPr/>
         <p:nvPr/>
       </p:nvGrpSpPr>
-      <p:grpSpPr/>
+      <p:grpSpPr>
+        <a:xfrm>
+          <a:off x="0" y="0"/>
+          <a:ext cx="0" cy="0"/>
+          <a:chOff x="0" y="0"/>
+          <a:chExt cx="0" cy="0"/>
+        </a:xfrm>
+      </p:grpSpPr>
       <p:sp>
         <p:nvSpPr>
           <p:cNvPr id="2" name="Rectangle 1"/>
@@ -3224,6 +3226,7 @@
           <a:lstStyle/>
           <a:p>
             <a:pPr algn="ctr"/>
+            <a:endParaRPr/>
           </a:p>
         </p:txBody>
       </p:sp>
@@ -3267,6 +3270,7 @@
           <a:lstStyle/>
           <a:p>
             <a:pPr algn="ctr"/>
+            <a:endParaRPr/>
           </a:p>
         </p:txBody>
       </p:sp>
@@ -3463,7 +3467,7 @@
 </file>
 
 <file path=ppt/slides/slide10.xml><?xml version="1.0" encoding="utf-8"?>
-<p:sld xmlns:a="http://schemas.openxmlformats.org/drawingml/2006/main" xmlns:p="http://schemas.openxmlformats.org/presentationml/2006/main" xmlns:r="http://schemas.openxmlformats.org/officeDocument/2006/relationships">
+<p:sld xmlns:a="http://schemas.openxmlformats.org/drawingml/2006/main" xmlns:r="http://schemas.openxmlformats.org/officeDocument/2006/relationships" xmlns:p="http://schemas.openxmlformats.org/presentationml/2006/main">
   <p:cSld>
     <p:spTree>
       <p:nvGrpSpPr>
@@ -3471,7 +3475,14 @@
         <p:cNvGrpSpPr/>
         <p:nvPr/>
       </p:nvGrpSpPr>
-      <p:grpSpPr/>
+      <p:grpSpPr>
+        <a:xfrm>
+          <a:off x="0" y="0"/>
+          <a:ext cx="0" cy="0"/>
+          <a:chOff x="0" y="0"/>
+          <a:chExt cx="0" cy="0"/>
+        </a:xfrm>
+      </p:grpSpPr>
       <p:sp>
         <p:nvSpPr>
           <p:cNvPr id="2" name="Rectangle 1"/>
@@ -3512,6 +3523,7 @@
           <a:lstStyle/>
           <a:p>
             <a:pPr algn="ctr"/>
+            <a:endParaRPr/>
           </a:p>
         </p:txBody>
       </p:sp>
@@ -3731,7 +3743,7 @@
 </file>
 
 <file path=ppt/slides/slide11.xml><?xml version="1.0" encoding="utf-8"?>
-<p:sld xmlns:a="http://schemas.openxmlformats.org/drawingml/2006/main" xmlns:p="http://schemas.openxmlformats.org/presentationml/2006/main" xmlns:r="http://schemas.openxmlformats.org/officeDocument/2006/relationships">
+<p:sld xmlns:a="http://schemas.openxmlformats.org/drawingml/2006/main" xmlns:r="http://schemas.openxmlformats.org/officeDocument/2006/relationships" xmlns:p="http://schemas.openxmlformats.org/presentationml/2006/main">
   <p:cSld>
     <p:spTree>
       <p:nvGrpSpPr>
@@ -3739,7 +3751,14 @@
         <p:cNvGrpSpPr/>
         <p:nvPr/>
       </p:nvGrpSpPr>
-      <p:grpSpPr/>
+      <p:grpSpPr>
+        <a:xfrm>
+          <a:off x="0" y="0"/>
+          <a:ext cx="0" cy="0"/>
+          <a:chOff x="0" y="0"/>
+          <a:chExt cx="0" cy="0"/>
+        </a:xfrm>
+      </p:grpSpPr>
       <p:sp>
         <p:nvSpPr>
           <p:cNvPr id="2" name="Rectangle 1"/>
@@ -3780,6 +3799,7 @@
           <a:lstStyle/>
           <a:p>
             <a:pPr algn="ctr"/>
+            <a:endParaRPr/>
           </a:p>
         </p:txBody>
       </p:sp>
@@ -4093,7 +4113,7 @@
 </file>
 
 <file path=ppt/slides/slide12.xml><?xml version="1.0" encoding="utf-8"?>
-<p:sld xmlns:a="http://schemas.openxmlformats.org/drawingml/2006/main" xmlns:p="http://schemas.openxmlformats.org/presentationml/2006/main" xmlns:r="http://schemas.openxmlformats.org/officeDocument/2006/relationships">
+<p:sld xmlns:a="http://schemas.openxmlformats.org/drawingml/2006/main" xmlns:r="http://schemas.openxmlformats.org/officeDocument/2006/relationships" xmlns:p="http://schemas.openxmlformats.org/presentationml/2006/main">
   <p:cSld>
     <p:spTree>
       <p:nvGrpSpPr>
@@ -4101,7 +4121,14 @@
         <p:cNvGrpSpPr/>
         <p:nvPr/>
       </p:nvGrpSpPr>
-      <p:grpSpPr/>
+      <p:grpSpPr>
+        <a:xfrm>
+          <a:off x="0" y="0"/>
+          <a:ext cx="0" cy="0"/>
+          <a:chOff x="0" y="0"/>
+          <a:chExt cx="0" cy="0"/>
+        </a:xfrm>
+      </p:grpSpPr>
       <p:sp>
         <p:nvSpPr>
           <p:cNvPr id="2" name="Rectangle 1"/>
@@ -4142,6 +4169,7 @@
           <a:lstStyle/>
           <a:p>
             <a:pPr algn="ctr"/>
+            <a:endParaRPr/>
           </a:p>
         </p:txBody>
       </p:sp>
@@ -4272,9 +4300,27 @@
                 <a:tableStyleId>{5C22544A-7EE6-4342-B048-85BDC9FD1C3A}</a:tableStyleId>
               </a:tblPr>
               <a:tblGrid>
-                <a:gridCol w="2560320"/>
-                <a:gridCol w="3474720"/>
-                <a:gridCol w="4572000"/>
+                <a:gridCol w="2560320">
+                  <a:extLst>
+                    <a:ext uri="{9D8B030D-6E8A-4147-A177-3AD203B41FA5}">
+                      <a16:colId xmlns:a16="http://schemas.microsoft.com/office/drawing/2014/main" val="20000"/>
+                    </a:ext>
+                  </a:extLst>
+                </a:gridCol>
+                <a:gridCol w="3474720">
+                  <a:extLst>
+                    <a:ext uri="{9D8B030D-6E8A-4147-A177-3AD203B41FA5}">
+                      <a16:colId xmlns:a16="http://schemas.microsoft.com/office/drawing/2014/main" val="20001"/>
+                    </a:ext>
+                  </a:extLst>
+                </a:gridCol>
+                <a:gridCol w="4572000">
+                  <a:extLst>
+                    <a:ext uri="{9D8B030D-6E8A-4147-A177-3AD203B41FA5}">
+                      <a16:colId xmlns:a16="http://schemas.microsoft.com/office/drawing/2014/main" val="20002"/>
+                    </a:ext>
+                  </a:extLst>
+                </a:gridCol>
               </a:tblGrid>
               <a:tr h="411480">
                 <a:tc>
@@ -4367,6 +4413,11 @@
                     </a:solidFill>
                   </a:tcPr>
                 </a:tc>
+                <a:extLst>
+                  <a:ext uri="{0D108BD9-81ED-4DB2-BD59-A6C34878D82A}">
+                    <a16:rowId xmlns:a16="http://schemas.microsoft.com/office/drawing/2014/main" val="10000"/>
+                  </a:ext>
+                </a:extLst>
               </a:tr>
               <a:tr h="411480">
                 <a:tc>
@@ -4459,6 +4510,11 @@
                     </a:solidFill>
                   </a:tcPr>
                 </a:tc>
+                <a:extLst>
+                  <a:ext uri="{0D108BD9-81ED-4DB2-BD59-A6C34878D82A}">
+                    <a16:rowId xmlns:a16="http://schemas.microsoft.com/office/drawing/2014/main" val="10001"/>
+                  </a:ext>
+                </a:extLst>
               </a:tr>
               <a:tr h="411480">
                 <a:tc>
@@ -4551,6 +4607,11 @@
                     </a:solidFill>
                   </a:tcPr>
                 </a:tc>
+                <a:extLst>
+                  <a:ext uri="{0D108BD9-81ED-4DB2-BD59-A6C34878D82A}">
+                    <a16:rowId xmlns:a16="http://schemas.microsoft.com/office/drawing/2014/main" val="10002"/>
+                  </a:ext>
+                </a:extLst>
               </a:tr>
               <a:tr h="411480">
                 <a:tc>
@@ -4643,6 +4704,11 @@
                     </a:solidFill>
                   </a:tcPr>
                 </a:tc>
+                <a:extLst>
+                  <a:ext uri="{0D108BD9-81ED-4DB2-BD59-A6C34878D82A}">
+                    <a16:rowId xmlns:a16="http://schemas.microsoft.com/office/drawing/2014/main" val="10003"/>
+                  </a:ext>
+                </a:extLst>
               </a:tr>
               <a:tr h="411480">
                 <a:tc>
@@ -4735,6 +4801,11 @@
                     </a:solidFill>
                   </a:tcPr>
                 </a:tc>
+                <a:extLst>
+                  <a:ext uri="{0D108BD9-81ED-4DB2-BD59-A6C34878D82A}">
+                    <a16:rowId xmlns:a16="http://schemas.microsoft.com/office/drawing/2014/main" val="10004"/>
+                  </a:ext>
+                </a:extLst>
               </a:tr>
               <a:tr h="411480">
                 <a:tc>
@@ -4827,6 +4898,11 @@
                     </a:solidFill>
                   </a:tcPr>
                 </a:tc>
+                <a:extLst>
+                  <a:ext uri="{0D108BD9-81ED-4DB2-BD59-A6C34878D82A}">
+                    <a16:rowId xmlns:a16="http://schemas.microsoft.com/office/drawing/2014/main" val="10005"/>
+                  </a:ext>
+                </a:extLst>
               </a:tr>
               <a:tr h="411480">
                 <a:tc>
@@ -4919,6 +4995,11 @@
                     </a:solidFill>
                   </a:tcPr>
                 </a:tc>
+                <a:extLst>
+                  <a:ext uri="{0D108BD9-81ED-4DB2-BD59-A6C34878D82A}">
+                    <a16:rowId xmlns:a16="http://schemas.microsoft.com/office/drawing/2014/main" val="10006"/>
+                  </a:ext>
+                </a:extLst>
               </a:tr>
             </a:tbl>
           </a:graphicData>
@@ -4933,7 +5014,7 @@
 </file>
 
 <file path=ppt/slides/slide13.xml><?xml version="1.0" encoding="utf-8"?>
-<p:sld xmlns:a="http://schemas.openxmlformats.org/drawingml/2006/main" xmlns:p="http://schemas.openxmlformats.org/presentationml/2006/main" xmlns:r="http://schemas.openxmlformats.org/officeDocument/2006/relationships">
+<p:sld xmlns:a="http://schemas.openxmlformats.org/drawingml/2006/main" xmlns:r="http://schemas.openxmlformats.org/officeDocument/2006/relationships" xmlns:p="http://schemas.openxmlformats.org/presentationml/2006/main">
   <p:cSld>
     <p:spTree>
       <p:nvGrpSpPr>
@@ -4941,7 +5022,14 @@
         <p:cNvGrpSpPr/>
         <p:nvPr/>
       </p:nvGrpSpPr>
-      <p:grpSpPr/>
+      <p:grpSpPr>
+        <a:xfrm>
+          <a:off x="0" y="0"/>
+          <a:ext cx="0" cy="0"/>
+          <a:chOff x="0" y="0"/>
+          <a:chExt cx="0" cy="0"/>
+        </a:xfrm>
+      </p:grpSpPr>
       <p:sp>
         <p:nvSpPr>
           <p:cNvPr id="2" name="Rectangle 1"/>
@@ -4982,6 +5070,7 @@
           <a:lstStyle/>
           <a:p>
             <a:pPr algn="ctr"/>
+            <a:endParaRPr/>
           </a:p>
         </p:txBody>
       </p:sp>
@@ -5112,11 +5201,41 @@
                 <a:tableStyleId>{5C22544A-7EE6-4342-B048-85BDC9FD1C3A}</a:tableStyleId>
               </a:tblPr>
               <a:tblGrid>
-                <a:gridCol w="2011680"/>
-                <a:gridCol w="3017520"/>
-                <a:gridCol w="2011680"/>
-                <a:gridCol w="1371600"/>
-                <a:gridCol w="2286000"/>
+                <a:gridCol w="2011680">
+                  <a:extLst>
+                    <a:ext uri="{9D8B030D-6E8A-4147-A177-3AD203B41FA5}">
+                      <a16:colId xmlns:a16="http://schemas.microsoft.com/office/drawing/2014/main" val="20000"/>
+                    </a:ext>
+                  </a:extLst>
+                </a:gridCol>
+                <a:gridCol w="3017520">
+                  <a:extLst>
+                    <a:ext uri="{9D8B030D-6E8A-4147-A177-3AD203B41FA5}">
+                      <a16:colId xmlns:a16="http://schemas.microsoft.com/office/drawing/2014/main" val="20001"/>
+                    </a:ext>
+                  </a:extLst>
+                </a:gridCol>
+                <a:gridCol w="2011680">
+                  <a:extLst>
+                    <a:ext uri="{9D8B030D-6E8A-4147-A177-3AD203B41FA5}">
+                      <a16:colId xmlns:a16="http://schemas.microsoft.com/office/drawing/2014/main" val="20002"/>
+                    </a:ext>
+                  </a:extLst>
+                </a:gridCol>
+                <a:gridCol w="1371600">
+                  <a:extLst>
+                    <a:ext uri="{9D8B030D-6E8A-4147-A177-3AD203B41FA5}">
+                      <a16:colId xmlns:a16="http://schemas.microsoft.com/office/drawing/2014/main" val="20003"/>
+                    </a:ext>
+                  </a:extLst>
+                </a:gridCol>
+                <a:gridCol w="2286000">
+                  <a:extLst>
+                    <a:ext uri="{9D8B030D-6E8A-4147-A177-3AD203B41FA5}">
+                      <a16:colId xmlns:a16="http://schemas.microsoft.com/office/drawing/2014/main" val="20004"/>
+                    </a:ext>
+                  </a:extLst>
+                </a:gridCol>
               </a:tblGrid>
               <a:tr h="411480">
                 <a:tc>
@@ -5269,6 +5388,11 @@
                     </a:solidFill>
                   </a:tcPr>
                 </a:tc>
+                <a:extLst>
+                  <a:ext uri="{0D108BD9-81ED-4DB2-BD59-A6C34878D82A}">
+                    <a16:rowId xmlns:a16="http://schemas.microsoft.com/office/drawing/2014/main" val="10000"/>
+                  </a:ext>
+                </a:extLst>
               </a:tr>
               <a:tr h="411480">
                 <a:tc>
@@ -5421,6 +5545,11 @@
                     </a:solidFill>
                   </a:tcPr>
                 </a:tc>
+                <a:extLst>
+                  <a:ext uri="{0D108BD9-81ED-4DB2-BD59-A6C34878D82A}">
+                    <a16:rowId xmlns:a16="http://schemas.microsoft.com/office/drawing/2014/main" val="10001"/>
+                  </a:ext>
+                </a:extLst>
               </a:tr>
               <a:tr h="411480">
                 <a:tc>
@@ -5573,6 +5702,11 @@
                     </a:solidFill>
                   </a:tcPr>
                 </a:tc>
+                <a:extLst>
+                  <a:ext uri="{0D108BD9-81ED-4DB2-BD59-A6C34878D82A}">
+                    <a16:rowId xmlns:a16="http://schemas.microsoft.com/office/drawing/2014/main" val="10002"/>
+                  </a:ext>
+                </a:extLst>
               </a:tr>
               <a:tr h="411480">
                 <a:tc>
@@ -5725,6 +5859,11 @@
                     </a:solidFill>
                   </a:tcPr>
                 </a:tc>
+                <a:extLst>
+                  <a:ext uri="{0D108BD9-81ED-4DB2-BD59-A6C34878D82A}">
+                    <a16:rowId xmlns:a16="http://schemas.microsoft.com/office/drawing/2014/main" val="10003"/>
+                  </a:ext>
+                </a:extLst>
               </a:tr>
             </a:tbl>
           </a:graphicData>
@@ -5775,7 +5914,7 @@
 </file>
 
 <file path=ppt/slides/slide14.xml><?xml version="1.0" encoding="utf-8"?>
-<p:sld xmlns:a="http://schemas.openxmlformats.org/drawingml/2006/main" xmlns:p="http://schemas.openxmlformats.org/presentationml/2006/main" xmlns:r="http://schemas.openxmlformats.org/officeDocument/2006/relationships">
+<p:sld xmlns:a="http://schemas.openxmlformats.org/drawingml/2006/main" xmlns:r="http://schemas.openxmlformats.org/officeDocument/2006/relationships" xmlns:p="http://schemas.openxmlformats.org/presentationml/2006/main">
   <p:cSld>
     <p:spTree>
       <p:nvGrpSpPr>
@@ -5783,7 +5922,14 @@
         <p:cNvGrpSpPr/>
         <p:nvPr/>
       </p:nvGrpSpPr>
-      <p:grpSpPr/>
+      <p:grpSpPr>
+        <a:xfrm>
+          <a:off x="0" y="0"/>
+          <a:ext cx="0" cy="0"/>
+          <a:chOff x="0" y="0"/>
+          <a:chExt cx="0" cy="0"/>
+        </a:xfrm>
+      </p:grpSpPr>
       <p:sp>
         <p:nvSpPr>
           <p:cNvPr id="2" name="Rectangle 1"/>
@@ -5824,6 +5970,7 @@
           <a:lstStyle/>
           <a:p>
             <a:pPr algn="ctr"/>
+            <a:endParaRPr/>
           </a:p>
         </p:txBody>
       </p:sp>
@@ -6207,7 +6354,7 @@
 </file>
 
 <file path=ppt/slides/slide15.xml><?xml version="1.0" encoding="utf-8"?>
-<p:sld xmlns:a="http://schemas.openxmlformats.org/drawingml/2006/main" xmlns:p="http://schemas.openxmlformats.org/presentationml/2006/main" xmlns:r="http://schemas.openxmlformats.org/officeDocument/2006/relationships">
+<p:sld xmlns:a="http://schemas.openxmlformats.org/drawingml/2006/main" xmlns:r="http://schemas.openxmlformats.org/officeDocument/2006/relationships" xmlns:p="http://schemas.openxmlformats.org/presentationml/2006/main">
   <p:cSld>
     <p:spTree>
       <p:nvGrpSpPr>
@@ -6215,7 +6362,14 @@
         <p:cNvGrpSpPr/>
         <p:nvPr/>
       </p:nvGrpSpPr>
-      <p:grpSpPr/>
+      <p:grpSpPr>
+        <a:xfrm>
+          <a:off x="0" y="0"/>
+          <a:ext cx="0" cy="0"/>
+          <a:chOff x="0" y="0"/>
+          <a:chExt cx="0" cy="0"/>
+        </a:xfrm>
+      </p:grpSpPr>
       <p:sp>
         <p:nvSpPr>
           <p:cNvPr id="2" name="Rectangle 1"/>
@@ -6256,6 +6410,7 @@
           <a:lstStyle/>
           <a:p>
             <a:pPr algn="ctr"/>
+            <a:endParaRPr/>
           </a:p>
         </p:txBody>
       </p:sp>
@@ -6422,9 +6577,27 @@
                 <a:tableStyleId>{5C22544A-7EE6-4342-B048-85BDC9FD1C3A}</a:tableStyleId>
               </a:tblPr>
               <a:tblGrid>
-                <a:gridCol w="1828800"/>
-                <a:gridCol w="4389120"/>
-                <a:gridCol w="4389120"/>
+                <a:gridCol w="1828800">
+                  <a:extLst>
+                    <a:ext uri="{9D8B030D-6E8A-4147-A177-3AD203B41FA5}">
+                      <a16:colId xmlns:a16="http://schemas.microsoft.com/office/drawing/2014/main" val="20000"/>
+                    </a:ext>
+                  </a:extLst>
+                </a:gridCol>
+                <a:gridCol w="4389120">
+                  <a:extLst>
+                    <a:ext uri="{9D8B030D-6E8A-4147-A177-3AD203B41FA5}">
+                      <a16:colId xmlns:a16="http://schemas.microsoft.com/office/drawing/2014/main" val="20001"/>
+                    </a:ext>
+                  </a:extLst>
+                </a:gridCol>
+                <a:gridCol w="4389120">
+                  <a:extLst>
+                    <a:ext uri="{9D8B030D-6E8A-4147-A177-3AD203B41FA5}">
+                      <a16:colId xmlns:a16="http://schemas.microsoft.com/office/drawing/2014/main" val="20002"/>
+                    </a:ext>
+                  </a:extLst>
+                </a:gridCol>
               </a:tblGrid>
               <a:tr h="411480">
                 <a:tc>
@@ -6517,6 +6690,11 @@
                     </a:solidFill>
                   </a:tcPr>
                 </a:tc>
+                <a:extLst>
+                  <a:ext uri="{0D108BD9-81ED-4DB2-BD59-A6C34878D82A}">
+                    <a16:rowId xmlns:a16="http://schemas.microsoft.com/office/drawing/2014/main" val="10000"/>
+                  </a:ext>
+                </a:extLst>
               </a:tr>
               <a:tr h="411480">
                 <a:tc>
@@ -6609,6 +6787,11 @@
                     </a:solidFill>
                   </a:tcPr>
                 </a:tc>
+                <a:extLst>
+                  <a:ext uri="{0D108BD9-81ED-4DB2-BD59-A6C34878D82A}">
+                    <a16:rowId xmlns:a16="http://schemas.microsoft.com/office/drawing/2014/main" val="10001"/>
+                  </a:ext>
+                </a:extLst>
               </a:tr>
               <a:tr h="411480">
                 <a:tc>
@@ -6701,6 +6884,11 @@
                     </a:solidFill>
                   </a:tcPr>
                 </a:tc>
+                <a:extLst>
+                  <a:ext uri="{0D108BD9-81ED-4DB2-BD59-A6C34878D82A}">
+                    <a16:rowId xmlns:a16="http://schemas.microsoft.com/office/drawing/2014/main" val="10002"/>
+                  </a:ext>
+                </a:extLst>
               </a:tr>
               <a:tr h="411480">
                 <a:tc>
@@ -6793,6 +6981,11 @@
                     </a:solidFill>
                   </a:tcPr>
                 </a:tc>
+                <a:extLst>
+                  <a:ext uri="{0D108BD9-81ED-4DB2-BD59-A6C34878D82A}">
+                    <a16:rowId xmlns:a16="http://schemas.microsoft.com/office/drawing/2014/main" val="10003"/>
+                  </a:ext>
+                </a:extLst>
               </a:tr>
               <a:tr h="411480">
                 <a:tc>
@@ -6885,6 +7078,11 @@
                     </a:solidFill>
                   </a:tcPr>
                 </a:tc>
+                <a:extLst>
+                  <a:ext uri="{0D108BD9-81ED-4DB2-BD59-A6C34878D82A}">
+                    <a16:rowId xmlns:a16="http://schemas.microsoft.com/office/drawing/2014/main" val="10004"/>
+                  </a:ext>
+                </a:extLst>
               </a:tr>
               <a:tr h="411480">
                 <a:tc>
@@ -6977,6 +7175,11 @@
                     </a:solidFill>
                   </a:tcPr>
                 </a:tc>
+                <a:extLst>
+                  <a:ext uri="{0D108BD9-81ED-4DB2-BD59-A6C34878D82A}">
+                    <a16:rowId xmlns:a16="http://schemas.microsoft.com/office/drawing/2014/main" val="10005"/>
+                  </a:ext>
+                </a:extLst>
               </a:tr>
               <a:tr h="411480">
                 <a:tc>
@@ -7069,6 +7272,11 @@
                     </a:solidFill>
                   </a:tcPr>
                 </a:tc>
+                <a:extLst>
+                  <a:ext uri="{0D108BD9-81ED-4DB2-BD59-A6C34878D82A}">
+                    <a16:rowId xmlns:a16="http://schemas.microsoft.com/office/drawing/2014/main" val="10006"/>
+                  </a:ext>
+                </a:extLst>
               </a:tr>
             </a:tbl>
           </a:graphicData>
@@ -7083,7 +7291,7 @@
 </file>
 
 <file path=ppt/slides/slide16.xml><?xml version="1.0" encoding="utf-8"?>
-<p:sld xmlns:a="http://schemas.openxmlformats.org/drawingml/2006/main" xmlns:p="http://schemas.openxmlformats.org/presentationml/2006/main" xmlns:r="http://schemas.openxmlformats.org/officeDocument/2006/relationships">
+<p:sld xmlns:a="http://schemas.openxmlformats.org/drawingml/2006/main" xmlns:r="http://schemas.openxmlformats.org/officeDocument/2006/relationships" xmlns:p="http://schemas.openxmlformats.org/presentationml/2006/main">
   <p:cSld>
     <p:spTree>
       <p:nvGrpSpPr>
@@ -7091,7 +7299,14 @@
         <p:cNvGrpSpPr/>
         <p:nvPr/>
       </p:nvGrpSpPr>
-      <p:grpSpPr/>
+      <p:grpSpPr>
+        <a:xfrm>
+          <a:off x="0" y="0"/>
+          <a:ext cx="0" cy="0"/>
+          <a:chOff x="0" y="0"/>
+          <a:chExt cx="0" cy="0"/>
+        </a:xfrm>
+      </p:grpSpPr>
       <p:sp>
         <p:nvSpPr>
           <p:cNvPr id="2" name="Rectangle 1"/>
@@ -7132,6 +7347,7 @@
           <a:lstStyle/>
           <a:p>
             <a:pPr algn="ctr"/>
+            <a:endParaRPr/>
           </a:p>
         </p:txBody>
       </p:sp>
@@ -7479,7 +7695,7 @@
 </file>
 
 <file path=ppt/slides/slide17.xml><?xml version="1.0" encoding="utf-8"?>
-<p:sld xmlns:a="http://schemas.openxmlformats.org/drawingml/2006/main" xmlns:p="http://schemas.openxmlformats.org/presentationml/2006/main" xmlns:r="http://schemas.openxmlformats.org/officeDocument/2006/relationships">
+<p:sld xmlns:a="http://schemas.openxmlformats.org/drawingml/2006/main" xmlns:r="http://schemas.openxmlformats.org/officeDocument/2006/relationships" xmlns:p="http://schemas.openxmlformats.org/presentationml/2006/main">
   <p:cSld>
     <p:spTree>
       <p:nvGrpSpPr>
@@ -7487,7 +7703,14 @@
         <p:cNvGrpSpPr/>
         <p:nvPr/>
       </p:nvGrpSpPr>
-      <p:grpSpPr/>
+      <p:grpSpPr>
+        <a:xfrm>
+          <a:off x="0" y="0"/>
+          <a:ext cx="0" cy="0"/>
+          <a:chOff x="0" y="0"/>
+          <a:chExt cx="0" cy="0"/>
+        </a:xfrm>
+      </p:grpSpPr>
       <p:sp>
         <p:nvSpPr>
           <p:cNvPr id="2" name="Rectangle 1"/>
@@ -7528,6 +7751,7 @@
           <a:lstStyle/>
           <a:p>
             <a:pPr algn="ctr"/>
+            <a:endParaRPr/>
           </a:p>
         </p:txBody>
       </p:sp>
@@ -7875,7 +8099,7 @@
 </file>
 
 <file path=ppt/slides/slide18.xml><?xml version="1.0" encoding="utf-8"?>
-<p:sld xmlns:a="http://schemas.openxmlformats.org/drawingml/2006/main" xmlns:p="http://schemas.openxmlformats.org/presentationml/2006/main" xmlns:r="http://schemas.openxmlformats.org/officeDocument/2006/relationships">
+<p:sld xmlns:a="http://schemas.openxmlformats.org/drawingml/2006/main" xmlns:r="http://schemas.openxmlformats.org/officeDocument/2006/relationships" xmlns:p="http://schemas.openxmlformats.org/presentationml/2006/main">
   <p:cSld>
     <p:spTree>
       <p:nvGrpSpPr>
@@ -7883,7 +8107,14 @@
         <p:cNvGrpSpPr/>
         <p:nvPr/>
       </p:nvGrpSpPr>
-      <p:grpSpPr/>
+      <p:grpSpPr>
+        <a:xfrm>
+          <a:off x="0" y="0"/>
+          <a:ext cx="0" cy="0"/>
+          <a:chOff x="0" y="0"/>
+          <a:chExt cx="0" cy="0"/>
+        </a:xfrm>
+      </p:grpSpPr>
       <p:sp>
         <p:nvSpPr>
           <p:cNvPr id="2" name="Rectangle 1"/>
@@ -7924,6 +8155,7 @@
           <a:lstStyle/>
           <a:p>
             <a:pPr algn="ctr"/>
+            <a:endParaRPr/>
           </a:p>
         </p:txBody>
       </p:sp>
@@ -8477,7 +8709,7 @@
 </file>
 
 <file path=ppt/slides/slide19.xml><?xml version="1.0" encoding="utf-8"?>
-<p:sld xmlns:a="http://schemas.openxmlformats.org/drawingml/2006/main" xmlns:p="http://schemas.openxmlformats.org/presentationml/2006/main" xmlns:r="http://schemas.openxmlformats.org/officeDocument/2006/relationships">
+<p:sld xmlns:a="http://schemas.openxmlformats.org/drawingml/2006/main" xmlns:r="http://schemas.openxmlformats.org/officeDocument/2006/relationships" xmlns:p="http://schemas.openxmlformats.org/presentationml/2006/main">
   <p:cSld>
     <p:spTree>
       <p:nvGrpSpPr>
@@ -8485,7 +8717,14 @@
         <p:cNvGrpSpPr/>
         <p:nvPr/>
       </p:nvGrpSpPr>
-      <p:grpSpPr/>
+      <p:grpSpPr>
+        <a:xfrm>
+          <a:off x="0" y="0"/>
+          <a:ext cx="0" cy="0"/>
+          <a:chOff x="0" y="0"/>
+          <a:chExt cx="0" cy="0"/>
+        </a:xfrm>
+      </p:grpSpPr>
       <p:sp>
         <p:nvSpPr>
           <p:cNvPr id="2" name="Rectangle 1"/>
@@ -8526,6 +8765,7 @@
           <a:lstStyle/>
           <a:p>
             <a:pPr algn="ctr"/>
+            <a:endParaRPr/>
           </a:p>
         </p:txBody>
       </p:sp>
@@ -8656,9 +8896,27 @@
                 <a:tableStyleId>{5C22544A-7EE6-4342-B048-85BDC9FD1C3A}</a:tableStyleId>
               </a:tblPr>
               <a:tblGrid>
-                <a:gridCol w="2286000"/>
-                <a:gridCol w="4114800"/>
-                <a:gridCol w="4114800"/>
+                <a:gridCol w="2286000">
+                  <a:extLst>
+                    <a:ext uri="{9D8B030D-6E8A-4147-A177-3AD203B41FA5}">
+                      <a16:colId xmlns:a16="http://schemas.microsoft.com/office/drawing/2014/main" val="20000"/>
+                    </a:ext>
+                  </a:extLst>
+                </a:gridCol>
+                <a:gridCol w="4114800">
+                  <a:extLst>
+                    <a:ext uri="{9D8B030D-6E8A-4147-A177-3AD203B41FA5}">
+                      <a16:colId xmlns:a16="http://schemas.microsoft.com/office/drawing/2014/main" val="20001"/>
+                    </a:ext>
+                  </a:extLst>
+                </a:gridCol>
+                <a:gridCol w="4114800">
+                  <a:extLst>
+                    <a:ext uri="{9D8B030D-6E8A-4147-A177-3AD203B41FA5}">
+                      <a16:colId xmlns:a16="http://schemas.microsoft.com/office/drawing/2014/main" val="20002"/>
+                    </a:ext>
+                  </a:extLst>
+                </a:gridCol>
               </a:tblGrid>
               <a:tr h="411480">
                 <a:tc>
@@ -8751,6 +9009,11 @@
                     </a:solidFill>
                   </a:tcPr>
                 </a:tc>
+                <a:extLst>
+                  <a:ext uri="{0D108BD9-81ED-4DB2-BD59-A6C34878D82A}">
+                    <a16:rowId xmlns:a16="http://schemas.microsoft.com/office/drawing/2014/main" val="10000"/>
+                  </a:ext>
+                </a:extLst>
               </a:tr>
               <a:tr h="411480">
                 <a:tc>
@@ -8843,6 +9106,11 @@
                     </a:solidFill>
                   </a:tcPr>
                 </a:tc>
+                <a:extLst>
+                  <a:ext uri="{0D108BD9-81ED-4DB2-BD59-A6C34878D82A}">
+                    <a16:rowId xmlns:a16="http://schemas.microsoft.com/office/drawing/2014/main" val="10001"/>
+                  </a:ext>
+                </a:extLst>
               </a:tr>
               <a:tr h="411480">
                 <a:tc>
@@ -8935,6 +9203,11 @@
                     </a:solidFill>
                   </a:tcPr>
                 </a:tc>
+                <a:extLst>
+                  <a:ext uri="{0D108BD9-81ED-4DB2-BD59-A6C34878D82A}">
+                    <a16:rowId xmlns:a16="http://schemas.microsoft.com/office/drawing/2014/main" val="10002"/>
+                  </a:ext>
+                </a:extLst>
               </a:tr>
               <a:tr h="411480">
                 <a:tc>
@@ -9027,6 +9300,11 @@
                     </a:solidFill>
                   </a:tcPr>
                 </a:tc>
+                <a:extLst>
+                  <a:ext uri="{0D108BD9-81ED-4DB2-BD59-A6C34878D82A}">
+                    <a16:rowId xmlns:a16="http://schemas.microsoft.com/office/drawing/2014/main" val="10003"/>
+                  </a:ext>
+                </a:extLst>
               </a:tr>
               <a:tr h="411480">
                 <a:tc>
@@ -9119,6 +9397,11 @@
                     </a:solidFill>
                   </a:tcPr>
                 </a:tc>
+                <a:extLst>
+                  <a:ext uri="{0D108BD9-81ED-4DB2-BD59-A6C34878D82A}">
+                    <a16:rowId xmlns:a16="http://schemas.microsoft.com/office/drawing/2014/main" val="10004"/>
+                  </a:ext>
+                </a:extLst>
               </a:tr>
               <a:tr h="411480">
                 <a:tc>
@@ -9211,6 +9494,11 @@
                     </a:solidFill>
                   </a:tcPr>
                 </a:tc>
+                <a:extLst>
+                  <a:ext uri="{0D108BD9-81ED-4DB2-BD59-A6C34878D82A}">
+                    <a16:rowId xmlns:a16="http://schemas.microsoft.com/office/drawing/2014/main" val="10005"/>
+                  </a:ext>
+                </a:extLst>
               </a:tr>
               <a:tr h="411480">
                 <a:tc>
@@ -9303,6 +9591,11 @@
                     </a:solidFill>
                   </a:tcPr>
                 </a:tc>
+                <a:extLst>
+                  <a:ext uri="{0D108BD9-81ED-4DB2-BD59-A6C34878D82A}">
+                    <a16:rowId xmlns:a16="http://schemas.microsoft.com/office/drawing/2014/main" val="10006"/>
+                  </a:ext>
+                </a:extLst>
               </a:tr>
               <a:tr h="411480">
                 <a:tc>
@@ -9395,6 +9688,11 @@
                     </a:solidFill>
                   </a:tcPr>
                 </a:tc>
+                <a:extLst>
+                  <a:ext uri="{0D108BD9-81ED-4DB2-BD59-A6C34878D82A}">
+                    <a16:rowId xmlns:a16="http://schemas.microsoft.com/office/drawing/2014/main" val="10007"/>
+                  </a:ext>
+                </a:extLst>
               </a:tr>
             </a:tbl>
           </a:graphicData>
@@ -9445,7 +9743,7 @@
 </file>
 
 <file path=ppt/slides/slide2.xml><?xml version="1.0" encoding="utf-8"?>
-<p:sld xmlns:a="http://schemas.openxmlformats.org/drawingml/2006/main" xmlns:p="http://schemas.openxmlformats.org/presentationml/2006/main" xmlns:r="http://schemas.openxmlformats.org/officeDocument/2006/relationships">
+<p:sld xmlns:a="http://schemas.openxmlformats.org/drawingml/2006/main" xmlns:r="http://schemas.openxmlformats.org/officeDocument/2006/relationships" xmlns:p="http://schemas.openxmlformats.org/presentationml/2006/main">
   <p:cSld>
     <p:spTree>
       <p:nvGrpSpPr>
@@ -9453,7 +9751,14 @@
         <p:cNvGrpSpPr/>
         <p:nvPr/>
       </p:nvGrpSpPr>
-      <p:grpSpPr/>
+      <p:grpSpPr>
+        <a:xfrm>
+          <a:off x="0" y="0"/>
+          <a:ext cx="0" cy="0"/>
+          <a:chOff x="0" y="0"/>
+          <a:chExt cx="0" cy="0"/>
+        </a:xfrm>
+      </p:grpSpPr>
       <p:sp>
         <p:nvSpPr>
           <p:cNvPr id="2" name="Rectangle 1"/>
@@ -9494,6 +9799,7 @@
           <a:lstStyle/>
           <a:p>
             <a:pPr algn="ctr"/>
+            <a:endParaRPr/>
           </a:p>
         </p:txBody>
       </p:sp>
@@ -9875,7 +10181,7 @@
 </file>
 
 <file path=ppt/slides/slide20.xml><?xml version="1.0" encoding="utf-8"?>
-<p:sld xmlns:a="http://schemas.openxmlformats.org/drawingml/2006/main" xmlns:p="http://schemas.openxmlformats.org/presentationml/2006/main" xmlns:r="http://schemas.openxmlformats.org/officeDocument/2006/relationships">
+<p:sld xmlns:a="http://schemas.openxmlformats.org/drawingml/2006/main" xmlns:r="http://schemas.openxmlformats.org/officeDocument/2006/relationships" xmlns:p="http://schemas.openxmlformats.org/presentationml/2006/main">
   <p:cSld>
     <p:spTree>
       <p:nvGrpSpPr>
@@ -9883,7 +10189,14 @@
         <p:cNvGrpSpPr/>
         <p:nvPr/>
       </p:nvGrpSpPr>
-      <p:grpSpPr/>
+      <p:grpSpPr>
+        <a:xfrm>
+          <a:off x="0" y="0"/>
+          <a:ext cx="0" cy="0"/>
+          <a:chOff x="0" y="0"/>
+          <a:chExt cx="0" cy="0"/>
+        </a:xfrm>
+      </p:grpSpPr>
       <p:sp>
         <p:nvSpPr>
           <p:cNvPr id="2" name="Rectangle 1"/>
@@ -9924,6 +10237,7 @@
           <a:lstStyle/>
           <a:p>
             <a:pPr algn="ctr"/>
+            <a:endParaRPr/>
           </a:p>
         </p:txBody>
       </p:sp>
@@ -10054,9 +10368,27 @@
                 <a:tableStyleId>{5C22544A-7EE6-4342-B048-85BDC9FD1C3A}</a:tableStyleId>
               </a:tblPr>
               <a:tblGrid>
-                <a:gridCol w="2560320"/>
-                <a:gridCol w="3200400"/>
-                <a:gridCol w="4754880"/>
+                <a:gridCol w="2560320">
+                  <a:extLst>
+                    <a:ext uri="{9D8B030D-6E8A-4147-A177-3AD203B41FA5}">
+                      <a16:colId xmlns:a16="http://schemas.microsoft.com/office/drawing/2014/main" val="20000"/>
+                    </a:ext>
+                  </a:extLst>
+                </a:gridCol>
+                <a:gridCol w="3200400">
+                  <a:extLst>
+                    <a:ext uri="{9D8B030D-6E8A-4147-A177-3AD203B41FA5}">
+                      <a16:colId xmlns:a16="http://schemas.microsoft.com/office/drawing/2014/main" val="20001"/>
+                    </a:ext>
+                  </a:extLst>
+                </a:gridCol>
+                <a:gridCol w="4754880">
+                  <a:extLst>
+                    <a:ext uri="{9D8B030D-6E8A-4147-A177-3AD203B41FA5}">
+                      <a16:colId xmlns:a16="http://schemas.microsoft.com/office/drawing/2014/main" val="20002"/>
+                    </a:ext>
+                  </a:extLst>
+                </a:gridCol>
               </a:tblGrid>
               <a:tr h="411480">
                 <a:tc>
@@ -10149,6 +10481,11 @@
                     </a:solidFill>
                   </a:tcPr>
                 </a:tc>
+                <a:extLst>
+                  <a:ext uri="{0D108BD9-81ED-4DB2-BD59-A6C34878D82A}">
+                    <a16:rowId xmlns:a16="http://schemas.microsoft.com/office/drawing/2014/main" val="10000"/>
+                  </a:ext>
+                </a:extLst>
               </a:tr>
               <a:tr h="411480">
                 <a:tc>
@@ -10241,6 +10578,11 @@
                     </a:solidFill>
                   </a:tcPr>
                 </a:tc>
+                <a:extLst>
+                  <a:ext uri="{0D108BD9-81ED-4DB2-BD59-A6C34878D82A}">
+                    <a16:rowId xmlns:a16="http://schemas.microsoft.com/office/drawing/2014/main" val="10001"/>
+                  </a:ext>
+                </a:extLst>
               </a:tr>
               <a:tr h="411480">
                 <a:tc>
@@ -10333,6 +10675,11 @@
                     </a:solidFill>
                   </a:tcPr>
                 </a:tc>
+                <a:extLst>
+                  <a:ext uri="{0D108BD9-81ED-4DB2-BD59-A6C34878D82A}">
+                    <a16:rowId xmlns:a16="http://schemas.microsoft.com/office/drawing/2014/main" val="10002"/>
+                  </a:ext>
+                </a:extLst>
               </a:tr>
               <a:tr h="411480">
                 <a:tc>
@@ -10425,6 +10772,11 @@
                     </a:solidFill>
                   </a:tcPr>
                 </a:tc>
+                <a:extLst>
+                  <a:ext uri="{0D108BD9-81ED-4DB2-BD59-A6C34878D82A}">
+                    <a16:rowId xmlns:a16="http://schemas.microsoft.com/office/drawing/2014/main" val="10003"/>
+                  </a:ext>
+                </a:extLst>
               </a:tr>
               <a:tr h="411480">
                 <a:tc>
@@ -10517,6 +10869,11 @@
                     </a:solidFill>
                   </a:tcPr>
                 </a:tc>
+                <a:extLst>
+                  <a:ext uri="{0D108BD9-81ED-4DB2-BD59-A6C34878D82A}">
+                    <a16:rowId xmlns:a16="http://schemas.microsoft.com/office/drawing/2014/main" val="10004"/>
+                  </a:ext>
+                </a:extLst>
               </a:tr>
               <a:tr h="411480">
                 <a:tc>
@@ -10609,6 +10966,11 @@
                     </a:solidFill>
                   </a:tcPr>
                 </a:tc>
+                <a:extLst>
+                  <a:ext uri="{0D108BD9-81ED-4DB2-BD59-A6C34878D82A}">
+                    <a16:rowId xmlns:a16="http://schemas.microsoft.com/office/drawing/2014/main" val="10005"/>
+                  </a:ext>
+                </a:extLst>
               </a:tr>
               <a:tr h="411480">
                 <a:tc>
@@ -10701,6 +11063,11 @@
                     </a:solidFill>
                   </a:tcPr>
                 </a:tc>
+                <a:extLst>
+                  <a:ext uri="{0D108BD9-81ED-4DB2-BD59-A6C34878D82A}">
+                    <a16:rowId xmlns:a16="http://schemas.microsoft.com/office/drawing/2014/main" val="10006"/>
+                  </a:ext>
+                </a:extLst>
               </a:tr>
               <a:tr h="411480">
                 <a:tc>
@@ -10793,6 +11160,11 @@
                     </a:solidFill>
                   </a:tcPr>
                 </a:tc>
+                <a:extLst>
+                  <a:ext uri="{0D108BD9-81ED-4DB2-BD59-A6C34878D82A}">
+                    <a16:rowId xmlns:a16="http://schemas.microsoft.com/office/drawing/2014/main" val="10007"/>
+                  </a:ext>
+                </a:extLst>
               </a:tr>
             </a:tbl>
           </a:graphicData>
@@ -10807,7 +11179,7 @@
 </file>
 
 <file path=ppt/slides/slide21.xml><?xml version="1.0" encoding="utf-8"?>
-<p:sld xmlns:a="http://schemas.openxmlformats.org/drawingml/2006/main" xmlns:p="http://schemas.openxmlformats.org/presentationml/2006/main" xmlns:r="http://schemas.openxmlformats.org/officeDocument/2006/relationships">
+<p:sld xmlns:a="http://schemas.openxmlformats.org/drawingml/2006/main" xmlns:r="http://schemas.openxmlformats.org/officeDocument/2006/relationships" xmlns:p="http://schemas.openxmlformats.org/presentationml/2006/main">
   <p:cSld>
     <p:spTree>
       <p:nvGrpSpPr>
@@ -10815,7 +11187,14 @@
         <p:cNvGrpSpPr/>
         <p:nvPr/>
       </p:nvGrpSpPr>
-      <p:grpSpPr/>
+      <p:grpSpPr>
+        <a:xfrm>
+          <a:off x="0" y="0"/>
+          <a:ext cx="0" cy="0"/>
+          <a:chOff x="0" y="0"/>
+          <a:chExt cx="0" cy="0"/>
+        </a:xfrm>
+      </p:grpSpPr>
       <p:sp>
         <p:nvSpPr>
           <p:cNvPr id="2" name="Rectangle 1"/>
@@ -10856,6 +11235,7 @@
           <a:lstStyle/>
           <a:p>
             <a:pPr algn="ctr"/>
+            <a:endParaRPr/>
           </a:p>
         </p:txBody>
       </p:sp>
@@ -11203,7 +11583,7 @@
 </file>
 
 <file path=ppt/slides/slide22.xml><?xml version="1.0" encoding="utf-8"?>
-<p:sld xmlns:a="http://schemas.openxmlformats.org/drawingml/2006/main" xmlns:p="http://schemas.openxmlformats.org/presentationml/2006/main" xmlns:r="http://schemas.openxmlformats.org/officeDocument/2006/relationships">
+<p:sld xmlns:a="http://schemas.openxmlformats.org/drawingml/2006/main" xmlns:r="http://schemas.openxmlformats.org/officeDocument/2006/relationships" xmlns:p="http://schemas.openxmlformats.org/presentationml/2006/main">
   <p:cSld>
     <p:spTree>
       <p:nvGrpSpPr>
@@ -11211,7 +11591,14 @@
         <p:cNvGrpSpPr/>
         <p:nvPr/>
       </p:nvGrpSpPr>
-      <p:grpSpPr/>
+      <p:grpSpPr>
+        <a:xfrm>
+          <a:off x="0" y="0"/>
+          <a:ext cx="0" cy="0"/>
+          <a:chOff x="0" y="0"/>
+          <a:chExt cx="0" cy="0"/>
+        </a:xfrm>
+      </p:grpSpPr>
       <p:sp>
         <p:nvSpPr>
           <p:cNvPr id="2" name="Rectangle 1"/>
@@ -11252,6 +11639,7 @@
           <a:lstStyle/>
           <a:p>
             <a:pPr algn="ctr"/>
+            <a:endParaRPr/>
           </a:p>
         </p:txBody>
       </p:sp>
@@ -11633,7 +12021,7 @@
 </file>
 
 <file path=ppt/slides/slide23.xml><?xml version="1.0" encoding="utf-8"?>
-<p:sld xmlns:a="http://schemas.openxmlformats.org/drawingml/2006/main" xmlns:p="http://schemas.openxmlformats.org/presentationml/2006/main" xmlns:r="http://schemas.openxmlformats.org/officeDocument/2006/relationships">
+<p:sld xmlns:a="http://schemas.openxmlformats.org/drawingml/2006/main" xmlns:r="http://schemas.openxmlformats.org/officeDocument/2006/relationships" xmlns:p="http://schemas.openxmlformats.org/presentationml/2006/main">
   <p:cSld>
     <p:spTree>
       <p:nvGrpSpPr>
@@ -11641,7 +12029,14 @@
         <p:cNvGrpSpPr/>
         <p:nvPr/>
       </p:nvGrpSpPr>
-      <p:grpSpPr/>
+      <p:grpSpPr>
+        <a:xfrm>
+          <a:off x="0" y="0"/>
+          <a:ext cx="0" cy="0"/>
+          <a:chOff x="0" y="0"/>
+          <a:chExt cx="0" cy="0"/>
+        </a:xfrm>
+      </p:grpSpPr>
       <p:sp>
         <p:nvSpPr>
           <p:cNvPr id="2" name="Rectangle 1"/>
@@ -11682,6 +12077,7 @@
           <a:lstStyle/>
           <a:p>
             <a:pPr algn="ctr"/>
+            <a:endParaRPr/>
           </a:p>
         </p:txBody>
       </p:sp>
@@ -12065,7 +12461,7 @@
 </file>
 
 <file path=ppt/slides/slide24.xml><?xml version="1.0" encoding="utf-8"?>
-<p:sld xmlns:a="http://schemas.openxmlformats.org/drawingml/2006/main" xmlns:p="http://schemas.openxmlformats.org/presentationml/2006/main" xmlns:r="http://schemas.openxmlformats.org/officeDocument/2006/relationships">
+<p:sld xmlns:a="http://schemas.openxmlformats.org/drawingml/2006/main" xmlns:r="http://schemas.openxmlformats.org/officeDocument/2006/relationships" xmlns:p="http://schemas.openxmlformats.org/presentationml/2006/main">
   <p:cSld>
     <p:spTree>
       <p:nvGrpSpPr>
@@ -12073,7 +12469,14 @@
         <p:cNvGrpSpPr/>
         <p:nvPr/>
       </p:nvGrpSpPr>
-      <p:grpSpPr/>
+      <p:grpSpPr>
+        <a:xfrm>
+          <a:off x="0" y="0"/>
+          <a:ext cx="0" cy="0"/>
+          <a:chOff x="0" y="0"/>
+          <a:chExt cx="0" cy="0"/>
+        </a:xfrm>
+      </p:grpSpPr>
       <p:sp>
         <p:nvSpPr>
           <p:cNvPr id="2" name="Rectangle 1"/>
@@ -12114,6 +12517,7 @@
           <a:lstStyle/>
           <a:p>
             <a:pPr algn="ctr"/>
+            <a:endParaRPr/>
           </a:p>
         </p:txBody>
       </p:sp>
@@ -12495,7 +12899,7 @@
 </file>
 
 <file path=ppt/slides/slide25.xml><?xml version="1.0" encoding="utf-8"?>
-<p:sld xmlns:a="http://schemas.openxmlformats.org/drawingml/2006/main" xmlns:p="http://schemas.openxmlformats.org/presentationml/2006/main" xmlns:r="http://schemas.openxmlformats.org/officeDocument/2006/relationships">
+<p:sld xmlns:a="http://schemas.openxmlformats.org/drawingml/2006/main" xmlns:r="http://schemas.openxmlformats.org/officeDocument/2006/relationships" xmlns:p="http://schemas.openxmlformats.org/presentationml/2006/main">
   <p:cSld>
     <p:spTree>
       <p:nvGrpSpPr>
@@ -12503,7 +12907,14 @@
         <p:cNvGrpSpPr/>
         <p:nvPr/>
       </p:nvGrpSpPr>
-      <p:grpSpPr/>
+      <p:grpSpPr>
+        <a:xfrm>
+          <a:off x="0" y="0"/>
+          <a:ext cx="0" cy="0"/>
+          <a:chOff x="0" y="0"/>
+          <a:chExt cx="0" cy="0"/>
+        </a:xfrm>
+      </p:grpSpPr>
       <p:sp>
         <p:nvSpPr>
           <p:cNvPr id="2" name="Rectangle 1"/>
@@ -12544,6 +12955,7 @@
           <a:lstStyle/>
           <a:p>
             <a:pPr algn="ctr"/>
+            <a:endParaRPr/>
           </a:p>
         </p:txBody>
       </p:sp>
@@ -12695,6 +13107,7 @@
           <a:lstStyle/>
           <a:p>
             <a:pPr algn="ctr"/>
+            <a:endParaRPr/>
           </a:p>
         </p:txBody>
       </p:sp>
@@ -12902,7 +13315,7 @@
 </file>
 
 <file path=ppt/slides/slide26.xml><?xml version="1.0" encoding="utf-8"?>
-<p:sld xmlns:a="http://schemas.openxmlformats.org/drawingml/2006/main" xmlns:p="http://schemas.openxmlformats.org/presentationml/2006/main" xmlns:r="http://schemas.openxmlformats.org/officeDocument/2006/relationships">
+<p:sld xmlns:a="http://schemas.openxmlformats.org/drawingml/2006/main" xmlns:r="http://schemas.openxmlformats.org/officeDocument/2006/relationships" xmlns:p="http://schemas.openxmlformats.org/presentationml/2006/main">
   <p:cSld>
     <p:spTree>
       <p:nvGrpSpPr>
@@ -12910,7 +13323,14 @@
         <p:cNvGrpSpPr/>
         <p:nvPr/>
       </p:nvGrpSpPr>
-      <p:grpSpPr/>
+      <p:grpSpPr>
+        <a:xfrm>
+          <a:off x="0" y="0"/>
+          <a:ext cx="0" cy="0"/>
+          <a:chOff x="0" y="0"/>
+          <a:chExt cx="0" cy="0"/>
+        </a:xfrm>
+      </p:grpSpPr>
       <p:sp>
         <p:nvSpPr>
           <p:cNvPr id="2" name="Rectangle 1"/>
@@ -12951,6 +13371,7 @@
           <a:lstStyle/>
           <a:p>
             <a:pPr algn="ctr"/>
+            <a:endParaRPr/>
           </a:p>
         </p:txBody>
       </p:sp>
@@ -12994,6 +13415,7 @@
           <a:lstStyle/>
           <a:p>
             <a:pPr algn="ctr"/>
+            <a:endParaRPr/>
           </a:p>
         </p:txBody>
       </p:sp>
@@ -13302,7 +13724,7 @@
 </file>
 
 <file path=ppt/slides/slide27.xml><?xml version="1.0" encoding="utf-8"?>
-<p:sld xmlns:a="http://schemas.openxmlformats.org/drawingml/2006/main" xmlns:p="http://schemas.openxmlformats.org/presentationml/2006/main" xmlns:r="http://schemas.openxmlformats.org/officeDocument/2006/relationships">
+<p:sld xmlns:a="http://schemas.openxmlformats.org/drawingml/2006/main" xmlns:r="http://schemas.openxmlformats.org/officeDocument/2006/relationships" xmlns:p="http://schemas.openxmlformats.org/presentationml/2006/main">
   <p:cSld>
     <p:spTree>
       <p:nvGrpSpPr>
@@ -13310,7 +13732,14 @@
         <p:cNvGrpSpPr/>
         <p:nvPr/>
       </p:nvGrpSpPr>
-      <p:grpSpPr/>
+      <p:grpSpPr>
+        <a:xfrm>
+          <a:off x="0" y="0"/>
+          <a:ext cx="0" cy="0"/>
+          <a:chOff x="0" y="0"/>
+          <a:chExt cx="0" cy="0"/>
+        </a:xfrm>
+      </p:grpSpPr>
       <p:sp>
         <p:nvSpPr>
           <p:cNvPr id="2" name="Rectangle 1"/>
@@ -13351,6 +13780,7 @@
           <a:lstStyle/>
           <a:p>
             <a:pPr algn="ctr"/>
+            <a:endParaRPr/>
           </a:p>
         </p:txBody>
       </p:sp>
@@ -13596,7 +14026,7 @@
 </file>
 
 <file path=ppt/slides/slide28.xml><?xml version="1.0" encoding="utf-8"?>
-<p:sld xmlns:a="http://schemas.openxmlformats.org/drawingml/2006/main" xmlns:p="http://schemas.openxmlformats.org/presentationml/2006/main" xmlns:r="http://schemas.openxmlformats.org/officeDocument/2006/relationships">
+<p:sld xmlns:a="http://schemas.openxmlformats.org/drawingml/2006/main" xmlns:r="http://schemas.openxmlformats.org/officeDocument/2006/relationships" xmlns:p="http://schemas.openxmlformats.org/presentationml/2006/main">
   <p:cSld>
     <p:spTree>
       <p:nvGrpSpPr>
@@ -13604,7 +14034,14 @@
         <p:cNvGrpSpPr/>
         <p:nvPr/>
       </p:nvGrpSpPr>
-      <p:grpSpPr/>
+      <p:grpSpPr>
+        <a:xfrm>
+          <a:off x="0" y="0"/>
+          <a:ext cx="0" cy="0"/>
+          <a:chOff x="0" y="0"/>
+          <a:chExt cx="0" cy="0"/>
+        </a:xfrm>
+      </p:grpSpPr>
       <p:sp>
         <p:nvSpPr>
           <p:cNvPr id="2" name="Rectangle 1"/>
@@ -13645,6 +14082,7 @@
           <a:lstStyle/>
           <a:p>
             <a:pPr algn="ctr"/>
+            <a:endParaRPr/>
           </a:p>
         </p:txBody>
       </p:sp>
@@ -13720,7 +14158,7 @@
           </a:fontRef>
         </p:style>
         <p:txBody>
-          <a:bodyPr rtlCol="0" anchor="ctr" wrap="square"/>
+          <a:bodyPr wrap="square" rtlCol="0" anchor="ctr"/>
           <a:lstStyle/>
           <a:p>
             <a:pPr algn="ctr">
@@ -13821,7 +14259,7 @@
 </file>
 
 <file path=ppt/slides/slide29.xml><?xml version="1.0" encoding="utf-8"?>
-<p:sld xmlns:a="http://schemas.openxmlformats.org/drawingml/2006/main" xmlns:p="http://schemas.openxmlformats.org/presentationml/2006/main" xmlns:r="http://schemas.openxmlformats.org/officeDocument/2006/relationships">
+<p:sld xmlns:a="http://schemas.openxmlformats.org/drawingml/2006/main" xmlns:r="http://schemas.openxmlformats.org/officeDocument/2006/relationships" xmlns:p="http://schemas.openxmlformats.org/presentationml/2006/main">
   <p:cSld>
     <p:spTree>
       <p:nvGrpSpPr>
@@ -13829,7 +14267,14 @@
         <p:cNvGrpSpPr/>
         <p:nvPr/>
       </p:nvGrpSpPr>
-      <p:grpSpPr/>
+      <p:grpSpPr>
+        <a:xfrm>
+          <a:off x="0" y="0"/>
+          <a:ext cx="0" cy="0"/>
+          <a:chOff x="0" y="0"/>
+          <a:chExt cx="0" cy="0"/>
+        </a:xfrm>
+      </p:grpSpPr>
       <p:sp>
         <p:nvSpPr>
           <p:cNvPr id="2" name="Rectangle 1"/>
@@ -13870,6 +14315,7 @@
           <a:lstStyle/>
           <a:p>
             <a:pPr algn="ctr"/>
+            <a:endParaRPr/>
           </a:p>
         </p:txBody>
       </p:sp>
@@ -14089,7 +14535,7 @@
 </file>
 
 <file path=ppt/slides/slide3.xml><?xml version="1.0" encoding="utf-8"?>
-<p:sld xmlns:a="http://schemas.openxmlformats.org/drawingml/2006/main" xmlns:p="http://schemas.openxmlformats.org/presentationml/2006/main" xmlns:r="http://schemas.openxmlformats.org/officeDocument/2006/relationships">
+<p:sld xmlns:a="http://schemas.openxmlformats.org/drawingml/2006/main" xmlns:r="http://schemas.openxmlformats.org/officeDocument/2006/relationships" xmlns:p="http://schemas.openxmlformats.org/presentationml/2006/main">
   <p:cSld>
     <p:spTree>
       <p:nvGrpSpPr>
@@ -14097,7 +14543,14 @@
         <p:cNvGrpSpPr/>
         <p:nvPr/>
       </p:nvGrpSpPr>
-      <p:grpSpPr/>
+      <p:grpSpPr>
+        <a:xfrm>
+          <a:off x="0" y="0"/>
+          <a:ext cx="0" cy="0"/>
+          <a:chOff x="0" y="0"/>
+          <a:chExt cx="0" cy="0"/>
+        </a:xfrm>
+      </p:grpSpPr>
       <p:sp>
         <p:nvSpPr>
           <p:cNvPr id="2" name="Rectangle 1"/>
@@ -14138,6 +14591,7 @@
           <a:lstStyle/>
           <a:p>
             <a:pPr algn="ctr"/>
+            <a:endParaRPr/>
           </a:p>
         </p:txBody>
       </p:sp>
@@ -14451,7 +14905,7 @@
 </file>
 
 <file path=ppt/slides/slide30.xml><?xml version="1.0" encoding="utf-8"?>
-<p:sld xmlns:a="http://schemas.openxmlformats.org/drawingml/2006/main" xmlns:p="http://schemas.openxmlformats.org/presentationml/2006/main" xmlns:r="http://schemas.openxmlformats.org/officeDocument/2006/relationships">
+<p:sld xmlns:a="http://schemas.openxmlformats.org/drawingml/2006/main" xmlns:r="http://schemas.openxmlformats.org/officeDocument/2006/relationships" xmlns:p="http://schemas.openxmlformats.org/presentationml/2006/main">
   <p:cSld>
     <p:spTree>
       <p:nvGrpSpPr>
@@ -14459,7 +14913,14 @@
         <p:cNvGrpSpPr/>
         <p:nvPr/>
       </p:nvGrpSpPr>
-      <p:grpSpPr/>
+      <p:grpSpPr>
+        <a:xfrm>
+          <a:off x="0" y="0"/>
+          <a:ext cx="0" cy="0"/>
+          <a:chOff x="0" y="0"/>
+          <a:chExt cx="0" cy="0"/>
+        </a:xfrm>
+      </p:grpSpPr>
       <p:sp>
         <p:nvSpPr>
           <p:cNvPr id="2" name="Rectangle 1"/>
@@ -14500,6 +14961,7 @@
           <a:lstStyle/>
           <a:p>
             <a:pPr algn="ctr"/>
+            <a:endParaRPr/>
           </a:p>
         </p:txBody>
       </p:sp>
@@ -14630,9 +15092,27 @@
                 <a:tableStyleId>{5C22544A-7EE6-4342-B048-85BDC9FD1C3A}</a:tableStyleId>
               </a:tblPr>
               <a:tblGrid>
-                <a:gridCol w="2286000"/>
-                <a:gridCol w="3200400"/>
-                <a:gridCol w="5029200"/>
+                <a:gridCol w="2286000">
+                  <a:extLst>
+                    <a:ext uri="{9D8B030D-6E8A-4147-A177-3AD203B41FA5}">
+                      <a16:colId xmlns:a16="http://schemas.microsoft.com/office/drawing/2014/main" val="20000"/>
+                    </a:ext>
+                  </a:extLst>
+                </a:gridCol>
+                <a:gridCol w="3200400">
+                  <a:extLst>
+                    <a:ext uri="{9D8B030D-6E8A-4147-A177-3AD203B41FA5}">
+                      <a16:colId xmlns:a16="http://schemas.microsoft.com/office/drawing/2014/main" val="20001"/>
+                    </a:ext>
+                  </a:extLst>
+                </a:gridCol>
+                <a:gridCol w="5029200">
+                  <a:extLst>
+                    <a:ext uri="{9D8B030D-6E8A-4147-A177-3AD203B41FA5}">
+                      <a16:colId xmlns:a16="http://schemas.microsoft.com/office/drawing/2014/main" val="20002"/>
+                    </a:ext>
+                  </a:extLst>
+                </a:gridCol>
               </a:tblGrid>
               <a:tr h="411480">
                 <a:tc>
@@ -14725,6 +15205,11 @@
                     </a:solidFill>
                   </a:tcPr>
                 </a:tc>
+                <a:extLst>
+                  <a:ext uri="{0D108BD9-81ED-4DB2-BD59-A6C34878D82A}">
+                    <a16:rowId xmlns:a16="http://schemas.microsoft.com/office/drawing/2014/main" val="10000"/>
+                  </a:ext>
+                </a:extLst>
               </a:tr>
               <a:tr h="411480">
                 <a:tc>
@@ -14817,6 +15302,11 @@
                     </a:solidFill>
                   </a:tcPr>
                 </a:tc>
+                <a:extLst>
+                  <a:ext uri="{0D108BD9-81ED-4DB2-BD59-A6C34878D82A}">
+                    <a16:rowId xmlns:a16="http://schemas.microsoft.com/office/drawing/2014/main" val="10001"/>
+                  </a:ext>
+                </a:extLst>
               </a:tr>
               <a:tr h="411480">
                 <a:tc>
@@ -14909,6 +15399,11 @@
                     </a:solidFill>
                   </a:tcPr>
                 </a:tc>
+                <a:extLst>
+                  <a:ext uri="{0D108BD9-81ED-4DB2-BD59-A6C34878D82A}">
+                    <a16:rowId xmlns:a16="http://schemas.microsoft.com/office/drawing/2014/main" val="10002"/>
+                  </a:ext>
+                </a:extLst>
               </a:tr>
               <a:tr h="411480">
                 <a:tc>
@@ -15001,6 +15496,11 @@
                     </a:solidFill>
                   </a:tcPr>
                 </a:tc>
+                <a:extLst>
+                  <a:ext uri="{0D108BD9-81ED-4DB2-BD59-A6C34878D82A}">
+                    <a16:rowId xmlns:a16="http://schemas.microsoft.com/office/drawing/2014/main" val="10003"/>
+                  </a:ext>
+                </a:extLst>
               </a:tr>
               <a:tr h="411480">
                 <a:tc>
@@ -15093,6 +15593,11 @@
                     </a:solidFill>
                   </a:tcPr>
                 </a:tc>
+                <a:extLst>
+                  <a:ext uri="{0D108BD9-81ED-4DB2-BD59-A6C34878D82A}">
+                    <a16:rowId xmlns:a16="http://schemas.microsoft.com/office/drawing/2014/main" val="10004"/>
+                  </a:ext>
+                </a:extLst>
               </a:tr>
               <a:tr h="411480">
                 <a:tc>
@@ -15185,6 +15690,11 @@
                     </a:solidFill>
                   </a:tcPr>
                 </a:tc>
+                <a:extLst>
+                  <a:ext uri="{0D108BD9-81ED-4DB2-BD59-A6C34878D82A}">
+                    <a16:rowId xmlns:a16="http://schemas.microsoft.com/office/drawing/2014/main" val="10005"/>
+                  </a:ext>
+                </a:extLst>
               </a:tr>
               <a:tr h="411480">
                 <a:tc>
@@ -15277,6 +15787,11 @@
                     </a:solidFill>
                   </a:tcPr>
                 </a:tc>
+                <a:extLst>
+                  <a:ext uri="{0D108BD9-81ED-4DB2-BD59-A6C34878D82A}">
+                    <a16:rowId xmlns:a16="http://schemas.microsoft.com/office/drawing/2014/main" val="10006"/>
+                  </a:ext>
+                </a:extLst>
               </a:tr>
               <a:tr h="411480">
                 <a:tc>
@@ -15369,6 +15884,11 @@
                     </a:solidFill>
                   </a:tcPr>
                 </a:tc>
+                <a:extLst>
+                  <a:ext uri="{0D108BD9-81ED-4DB2-BD59-A6C34878D82A}">
+                    <a16:rowId xmlns:a16="http://schemas.microsoft.com/office/drawing/2014/main" val="10007"/>
+                  </a:ext>
+                </a:extLst>
               </a:tr>
               <a:tr h="411480">
                 <a:tc>
@@ -15461,6 +15981,11 @@
                     </a:solidFill>
                   </a:tcPr>
                 </a:tc>
+                <a:extLst>
+                  <a:ext uri="{0D108BD9-81ED-4DB2-BD59-A6C34878D82A}">
+                    <a16:rowId xmlns:a16="http://schemas.microsoft.com/office/drawing/2014/main" val="10008"/>
+                  </a:ext>
+                </a:extLst>
               </a:tr>
               <a:tr h="411480">
                 <a:tc>
@@ -15553,6 +16078,11 @@
                     </a:solidFill>
                   </a:tcPr>
                 </a:tc>
+                <a:extLst>
+                  <a:ext uri="{0D108BD9-81ED-4DB2-BD59-A6C34878D82A}">
+                    <a16:rowId xmlns:a16="http://schemas.microsoft.com/office/drawing/2014/main" val="10009"/>
+                  </a:ext>
+                </a:extLst>
               </a:tr>
             </a:tbl>
           </a:graphicData>
@@ -15567,7 +16097,7 @@
 </file>
 
 <file path=ppt/slides/slide31.xml><?xml version="1.0" encoding="utf-8"?>
-<p:sld xmlns:a="http://schemas.openxmlformats.org/drawingml/2006/main" xmlns:p="http://schemas.openxmlformats.org/presentationml/2006/main" xmlns:r="http://schemas.openxmlformats.org/officeDocument/2006/relationships">
+<p:sld xmlns:a="http://schemas.openxmlformats.org/drawingml/2006/main" xmlns:r="http://schemas.openxmlformats.org/officeDocument/2006/relationships" xmlns:p="http://schemas.openxmlformats.org/presentationml/2006/main">
   <p:cSld>
     <p:spTree>
       <p:nvGrpSpPr>
@@ -15575,7 +16105,14 @@
         <p:cNvGrpSpPr/>
         <p:nvPr/>
       </p:nvGrpSpPr>
-      <p:grpSpPr/>
+      <p:grpSpPr>
+        <a:xfrm>
+          <a:off x="0" y="0"/>
+          <a:ext cx="0" cy="0"/>
+          <a:chOff x="0" y="0"/>
+          <a:chExt cx="0" cy="0"/>
+        </a:xfrm>
+      </p:grpSpPr>
       <p:sp>
         <p:nvSpPr>
           <p:cNvPr id="2" name="Rectangle 1"/>
@@ -15616,6 +16153,7 @@
           <a:lstStyle/>
           <a:p>
             <a:pPr algn="ctr"/>
+            <a:endParaRPr/>
           </a:p>
         </p:txBody>
       </p:sp>
@@ -15746,11 +16284,41 @@
                 <a:tableStyleId>{5C22544A-7EE6-4342-B048-85BDC9FD1C3A}</a:tableStyleId>
               </a:tblPr>
               <a:tblGrid>
-                <a:gridCol w="1371600"/>
-                <a:gridCol w="914400"/>
-                <a:gridCol w="2743200"/>
-                <a:gridCol w="3200400"/>
-                <a:gridCol w="2286000"/>
+                <a:gridCol w="1371600">
+                  <a:extLst>
+                    <a:ext uri="{9D8B030D-6E8A-4147-A177-3AD203B41FA5}">
+                      <a16:colId xmlns:a16="http://schemas.microsoft.com/office/drawing/2014/main" val="20000"/>
+                    </a:ext>
+                  </a:extLst>
+                </a:gridCol>
+                <a:gridCol w="914400">
+                  <a:extLst>
+                    <a:ext uri="{9D8B030D-6E8A-4147-A177-3AD203B41FA5}">
+                      <a16:colId xmlns:a16="http://schemas.microsoft.com/office/drawing/2014/main" val="20001"/>
+                    </a:ext>
+                  </a:extLst>
+                </a:gridCol>
+                <a:gridCol w="2743200">
+                  <a:extLst>
+                    <a:ext uri="{9D8B030D-6E8A-4147-A177-3AD203B41FA5}">
+                      <a16:colId xmlns:a16="http://schemas.microsoft.com/office/drawing/2014/main" val="20002"/>
+                    </a:ext>
+                  </a:extLst>
+                </a:gridCol>
+                <a:gridCol w="3200400">
+                  <a:extLst>
+                    <a:ext uri="{9D8B030D-6E8A-4147-A177-3AD203B41FA5}">
+                      <a16:colId xmlns:a16="http://schemas.microsoft.com/office/drawing/2014/main" val="20003"/>
+                    </a:ext>
+                  </a:extLst>
+                </a:gridCol>
+                <a:gridCol w="2286000">
+                  <a:extLst>
+                    <a:ext uri="{9D8B030D-6E8A-4147-A177-3AD203B41FA5}">
+                      <a16:colId xmlns:a16="http://schemas.microsoft.com/office/drawing/2014/main" val="20004"/>
+                    </a:ext>
+                  </a:extLst>
+                </a:gridCol>
               </a:tblGrid>
               <a:tr h="411480">
                 <a:tc>
@@ -15903,6 +16471,11 @@
                     </a:solidFill>
                   </a:tcPr>
                 </a:tc>
+                <a:extLst>
+                  <a:ext uri="{0D108BD9-81ED-4DB2-BD59-A6C34878D82A}">
+                    <a16:rowId xmlns:a16="http://schemas.microsoft.com/office/drawing/2014/main" val="10000"/>
+                  </a:ext>
+                </a:extLst>
               </a:tr>
               <a:tr h="411480">
                 <a:tc>
@@ -16055,6 +16628,11 @@
                     </a:solidFill>
                   </a:tcPr>
                 </a:tc>
+                <a:extLst>
+                  <a:ext uri="{0D108BD9-81ED-4DB2-BD59-A6C34878D82A}">
+                    <a16:rowId xmlns:a16="http://schemas.microsoft.com/office/drawing/2014/main" val="10001"/>
+                  </a:ext>
+                </a:extLst>
               </a:tr>
               <a:tr h="411480">
                 <a:tc>
@@ -16207,6 +16785,11 @@
                     </a:solidFill>
                   </a:tcPr>
                 </a:tc>
+                <a:extLst>
+                  <a:ext uri="{0D108BD9-81ED-4DB2-BD59-A6C34878D82A}">
+                    <a16:rowId xmlns:a16="http://schemas.microsoft.com/office/drawing/2014/main" val="10002"/>
+                  </a:ext>
+                </a:extLst>
               </a:tr>
               <a:tr h="411480">
                 <a:tc>
@@ -16359,6 +16942,11 @@
                     </a:solidFill>
                   </a:tcPr>
                 </a:tc>
+                <a:extLst>
+                  <a:ext uri="{0D108BD9-81ED-4DB2-BD59-A6C34878D82A}">
+                    <a16:rowId xmlns:a16="http://schemas.microsoft.com/office/drawing/2014/main" val="10003"/>
+                  </a:ext>
+                </a:extLst>
               </a:tr>
               <a:tr h="411480">
                 <a:tc>
@@ -16511,6 +17099,11 @@
                     </a:solidFill>
                   </a:tcPr>
                 </a:tc>
+                <a:extLst>
+                  <a:ext uri="{0D108BD9-81ED-4DB2-BD59-A6C34878D82A}">
+                    <a16:rowId xmlns:a16="http://schemas.microsoft.com/office/drawing/2014/main" val="10004"/>
+                  </a:ext>
+                </a:extLst>
               </a:tr>
               <a:tr h="411480">
                 <a:tc>
@@ -16663,6 +17256,11 @@
                     </a:solidFill>
                   </a:tcPr>
                 </a:tc>
+                <a:extLst>
+                  <a:ext uri="{0D108BD9-81ED-4DB2-BD59-A6C34878D82A}">
+                    <a16:rowId xmlns:a16="http://schemas.microsoft.com/office/drawing/2014/main" val="10005"/>
+                  </a:ext>
+                </a:extLst>
               </a:tr>
               <a:tr h="411480">
                 <a:tc>
@@ -16815,6 +17413,11 @@
                     </a:solidFill>
                   </a:tcPr>
                 </a:tc>
+                <a:extLst>
+                  <a:ext uri="{0D108BD9-81ED-4DB2-BD59-A6C34878D82A}">
+                    <a16:rowId xmlns:a16="http://schemas.microsoft.com/office/drawing/2014/main" val="10006"/>
+                  </a:ext>
+                </a:extLst>
               </a:tr>
             </a:tbl>
           </a:graphicData>
@@ -16829,7 +17432,7 @@
 </file>
 
 <file path=ppt/slides/slide32.xml><?xml version="1.0" encoding="utf-8"?>
-<p:sld xmlns:a="http://schemas.openxmlformats.org/drawingml/2006/main" xmlns:p="http://schemas.openxmlformats.org/presentationml/2006/main" xmlns:r="http://schemas.openxmlformats.org/officeDocument/2006/relationships">
+<p:sld xmlns:a="http://schemas.openxmlformats.org/drawingml/2006/main" xmlns:r="http://schemas.openxmlformats.org/officeDocument/2006/relationships" xmlns:p="http://schemas.openxmlformats.org/presentationml/2006/main">
   <p:cSld>
     <p:spTree>
       <p:nvGrpSpPr>
@@ -16837,7 +17440,14 @@
         <p:cNvGrpSpPr/>
         <p:nvPr/>
       </p:nvGrpSpPr>
-      <p:grpSpPr/>
+      <p:grpSpPr>
+        <a:xfrm>
+          <a:off x="0" y="0"/>
+          <a:ext cx="0" cy="0"/>
+          <a:chOff x="0" y="0"/>
+          <a:chExt cx="0" cy="0"/>
+        </a:xfrm>
+      </p:grpSpPr>
       <p:sp>
         <p:nvSpPr>
           <p:cNvPr id="2" name="Rectangle 1"/>
@@ -16878,6 +17488,7 @@
           <a:lstStyle/>
           <a:p>
             <a:pPr algn="ctr"/>
+            <a:endParaRPr/>
           </a:p>
         </p:txBody>
       </p:sp>
@@ -17008,11 +17619,41 @@
                 <a:tableStyleId>{5C22544A-7EE6-4342-B048-85BDC9FD1C3A}</a:tableStyleId>
               </a:tblPr>
               <a:tblGrid>
-                <a:gridCol w="1371600"/>
-                <a:gridCol w="2560320"/>
-                <a:gridCol w="1828800"/>
-                <a:gridCol w="2286000"/>
-                <a:gridCol w="2286000"/>
+                <a:gridCol w="1371600">
+                  <a:extLst>
+                    <a:ext uri="{9D8B030D-6E8A-4147-A177-3AD203B41FA5}">
+                      <a16:colId xmlns:a16="http://schemas.microsoft.com/office/drawing/2014/main" val="20000"/>
+                    </a:ext>
+                  </a:extLst>
+                </a:gridCol>
+                <a:gridCol w="2560320">
+                  <a:extLst>
+                    <a:ext uri="{9D8B030D-6E8A-4147-A177-3AD203B41FA5}">
+                      <a16:colId xmlns:a16="http://schemas.microsoft.com/office/drawing/2014/main" val="20001"/>
+                    </a:ext>
+                  </a:extLst>
+                </a:gridCol>
+                <a:gridCol w="1828800">
+                  <a:extLst>
+                    <a:ext uri="{9D8B030D-6E8A-4147-A177-3AD203B41FA5}">
+                      <a16:colId xmlns:a16="http://schemas.microsoft.com/office/drawing/2014/main" val="20002"/>
+                    </a:ext>
+                  </a:extLst>
+                </a:gridCol>
+                <a:gridCol w="2286000">
+                  <a:extLst>
+                    <a:ext uri="{9D8B030D-6E8A-4147-A177-3AD203B41FA5}">
+                      <a16:colId xmlns:a16="http://schemas.microsoft.com/office/drawing/2014/main" val="20003"/>
+                    </a:ext>
+                  </a:extLst>
+                </a:gridCol>
+                <a:gridCol w="2286000">
+                  <a:extLst>
+                    <a:ext uri="{9D8B030D-6E8A-4147-A177-3AD203B41FA5}">
+                      <a16:colId xmlns:a16="http://schemas.microsoft.com/office/drawing/2014/main" val="20004"/>
+                    </a:ext>
+                  </a:extLst>
+                </a:gridCol>
               </a:tblGrid>
               <a:tr h="411480">
                 <a:tc>
@@ -17165,6 +17806,11 @@
                     </a:solidFill>
                   </a:tcPr>
                 </a:tc>
+                <a:extLst>
+                  <a:ext uri="{0D108BD9-81ED-4DB2-BD59-A6C34878D82A}">
+                    <a16:rowId xmlns:a16="http://schemas.microsoft.com/office/drawing/2014/main" val="10000"/>
+                  </a:ext>
+                </a:extLst>
               </a:tr>
               <a:tr h="411480">
                 <a:tc>
@@ -17317,6 +17963,11 @@
                     </a:solidFill>
                   </a:tcPr>
                 </a:tc>
+                <a:extLst>
+                  <a:ext uri="{0D108BD9-81ED-4DB2-BD59-A6C34878D82A}">
+                    <a16:rowId xmlns:a16="http://schemas.microsoft.com/office/drawing/2014/main" val="10001"/>
+                  </a:ext>
+                </a:extLst>
               </a:tr>
               <a:tr h="411480">
                 <a:tc>
@@ -17469,6 +18120,11 @@
                     </a:solidFill>
                   </a:tcPr>
                 </a:tc>
+                <a:extLst>
+                  <a:ext uri="{0D108BD9-81ED-4DB2-BD59-A6C34878D82A}">
+                    <a16:rowId xmlns:a16="http://schemas.microsoft.com/office/drawing/2014/main" val="10002"/>
+                  </a:ext>
+                </a:extLst>
               </a:tr>
               <a:tr h="411480">
                 <a:tc>
@@ -17621,6 +18277,11 @@
                     </a:solidFill>
                   </a:tcPr>
                 </a:tc>
+                <a:extLst>
+                  <a:ext uri="{0D108BD9-81ED-4DB2-BD59-A6C34878D82A}">
+                    <a16:rowId xmlns:a16="http://schemas.microsoft.com/office/drawing/2014/main" val="10003"/>
+                  </a:ext>
+                </a:extLst>
               </a:tr>
               <a:tr h="411480">
                 <a:tc>
@@ -17773,6 +18434,11 @@
                     </a:solidFill>
                   </a:tcPr>
                 </a:tc>
+                <a:extLst>
+                  <a:ext uri="{0D108BD9-81ED-4DB2-BD59-A6C34878D82A}">
+                    <a16:rowId xmlns:a16="http://schemas.microsoft.com/office/drawing/2014/main" val="10004"/>
+                  </a:ext>
+                </a:extLst>
               </a:tr>
             </a:tbl>
           </a:graphicData>
@@ -17831,7 +18497,7 @@
 </file>
 
 <file path=ppt/slides/slide33.xml><?xml version="1.0" encoding="utf-8"?>
-<p:sld xmlns:a="http://schemas.openxmlformats.org/drawingml/2006/main" xmlns:p="http://schemas.openxmlformats.org/presentationml/2006/main" xmlns:r="http://schemas.openxmlformats.org/officeDocument/2006/relationships">
+<p:sld xmlns:a="http://schemas.openxmlformats.org/drawingml/2006/main" xmlns:r="http://schemas.openxmlformats.org/officeDocument/2006/relationships" xmlns:p="http://schemas.openxmlformats.org/presentationml/2006/main">
   <p:cSld>
     <p:spTree>
       <p:nvGrpSpPr>
@@ -17839,7 +18505,14 @@
         <p:cNvGrpSpPr/>
         <p:nvPr/>
       </p:nvGrpSpPr>
-      <p:grpSpPr/>
+      <p:grpSpPr>
+        <a:xfrm>
+          <a:off x="0" y="0"/>
+          <a:ext cx="0" cy="0"/>
+          <a:chOff x="0" y="0"/>
+          <a:chExt cx="0" cy="0"/>
+        </a:xfrm>
+      </p:grpSpPr>
       <p:sp>
         <p:nvSpPr>
           <p:cNvPr id="2" name="Rectangle 1"/>
@@ -17880,6 +18553,7 @@
           <a:lstStyle/>
           <a:p>
             <a:pPr algn="ctr"/>
+            <a:endParaRPr/>
           </a:p>
         </p:txBody>
       </p:sp>
@@ -18261,7 +18935,7 @@
 </file>
 
 <file path=ppt/slides/slide34.xml><?xml version="1.0" encoding="utf-8"?>
-<p:sld xmlns:a="http://schemas.openxmlformats.org/drawingml/2006/main" xmlns:p="http://schemas.openxmlformats.org/presentationml/2006/main" xmlns:r="http://schemas.openxmlformats.org/officeDocument/2006/relationships">
+<p:sld xmlns:a="http://schemas.openxmlformats.org/drawingml/2006/main" xmlns:r="http://schemas.openxmlformats.org/officeDocument/2006/relationships" xmlns:p="http://schemas.openxmlformats.org/presentationml/2006/main">
   <p:cSld>
     <p:spTree>
       <p:nvGrpSpPr>
@@ -18269,7 +18943,14 @@
         <p:cNvGrpSpPr/>
         <p:nvPr/>
       </p:nvGrpSpPr>
-      <p:grpSpPr/>
+      <p:grpSpPr>
+        <a:xfrm>
+          <a:off x="0" y="0"/>
+          <a:ext cx="0" cy="0"/>
+          <a:chOff x="0" y="0"/>
+          <a:chExt cx="0" cy="0"/>
+        </a:xfrm>
+      </p:grpSpPr>
       <p:sp>
         <p:nvSpPr>
           <p:cNvPr id="2" name="Rectangle 1"/>
@@ -18310,6 +18991,7 @@
           <a:lstStyle/>
           <a:p>
             <a:pPr algn="ctr"/>
+            <a:endParaRPr/>
           </a:p>
         </p:txBody>
       </p:sp>
@@ -18440,10 +19122,34 @@
                 <a:tableStyleId>{5C22544A-7EE6-4342-B048-85BDC9FD1C3A}</a:tableStyleId>
               </a:tblPr>
               <a:tblGrid>
-                <a:gridCol w="2103120"/>
-                <a:gridCol w="2743200"/>
-                <a:gridCol w="2743200"/>
-                <a:gridCol w="2926080"/>
+                <a:gridCol w="2103120">
+                  <a:extLst>
+                    <a:ext uri="{9D8B030D-6E8A-4147-A177-3AD203B41FA5}">
+                      <a16:colId xmlns:a16="http://schemas.microsoft.com/office/drawing/2014/main" val="20000"/>
+                    </a:ext>
+                  </a:extLst>
+                </a:gridCol>
+                <a:gridCol w="2743200">
+                  <a:extLst>
+                    <a:ext uri="{9D8B030D-6E8A-4147-A177-3AD203B41FA5}">
+                      <a16:colId xmlns:a16="http://schemas.microsoft.com/office/drawing/2014/main" val="20001"/>
+                    </a:ext>
+                  </a:extLst>
+                </a:gridCol>
+                <a:gridCol w="2743200">
+                  <a:extLst>
+                    <a:ext uri="{9D8B030D-6E8A-4147-A177-3AD203B41FA5}">
+                      <a16:colId xmlns:a16="http://schemas.microsoft.com/office/drawing/2014/main" val="20002"/>
+                    </a:ext>
+                  </a:extLst>
+                </a:gridCol>
+                <a:gridCol w="2926080">
+                  <a:extLst>
+                    <a:ext uri="{9D8B030D-6E8A-4147-A177-3AD203B41FA5}">
+                      <a16:colId xmlns:a16="http://schemas.microsoft.com/office/drawing/2014/main" val="20003"/>
+                    </a:ext>
+                  </a:extLst>
+                </a:gridCol>
               </a:tblGrid>
               <a:tr h="411480">
                 <a:tc>
@@ -18566,6 +19272,11 @@
                     </a:solidFill>
                   </a:tcPr>
                 </a:tc>
+                <a:extLst>
+                  <a:ext uri="{0D108BD9-81ED-4DB2-BD59-A6C34878D82A}">
+                    <a16:rowId xmlns:a16="http://schemas.microsoft.com/office/drawing/2014/main" val="10000"/>
+                  </a:ext>
+                </a:extLst>
               </a:tr>
               <a:tr h="411480">
                 <a:tc>
@@ -18688,6 +19399,11 @@
                     </a:solidFill>
                   </a:tcPr>
                 </a:tc>
+                <a:extLst>
+                  <a:ext uri="{0D108BD9-81ED-4DB2-BD59-A6C34878D82A}">
+                    <a16:rowId xmlns:a16="http://schemas.microsoft.com/office/drawing/2014/main" val="10001"/>
+                  </a:ext>
+                </a:extLst>
               </a:tr>
               <a:tr h="411480">
                 <a:tc>
@@ -18810,6 +19526,11 @@
                     </a:solidFill>
                   </a:tcPr>
                 </a:tc>
+                <a:extLst>
+                  <a:ext uri="{0D108BD9-81ED-4DB2-BD59-A6C34878D82A}">
+                    <a16:rowId xmlns:a16="http://schemas.microsoft.com/office/drawing/2014/main" val="10002"/>
+                  </a:ext>
+                </a:extLst>
               </a:tr>
               <a:tr h="411480">
                 <a:tc>
@@ -18932,6 +19653,11 @@
                     </a:solidFill>
                   </a:tcPr>
                 </a:tc>
+                <a:extLst>
+                  <a:ext uri="{0D108BD9-81ED-4DB2-BD59-A6C34878D82A}">
+                    <a16:rowId xmlns:a16="http://schemas.microsoft.com/office/drawing/2014/main" val="10003"/>
+                  </a:ext>
+                </a:extLst>
               </a:tr>
               <a:tr h="411480">
                 <a:tc>
@@ -19054,6 +19780,11 @@
                     </a:solidFill>
                   </a:tcPr>
                 </a:tc>
+                <a:extLst>
+                  <a:ext uri="{0D108BD9-81ED-4DB2-BD59-A6C34878D82A}">
+                    <a16:rowId xmlns:a16="http://schemas.microsoft.com/office/drawing/2014/main" val="10004"/>
+                  </a:ext>
+                </a:extLst>
               </a:tr>
               <a:tr h="411480">
                 <a:tc>
@@ -19176,6 +19907,11 @@
                     </a:solidFill>
                   </a:tcPr>
                 </a:tc>
+                <a:extLst>
+                  <a:ext uri="{0D108BD9-81ED-4DB2-BD59-A6C34878D82A}">
+                    <a16:rowId xmlns:a16="http://schemas.microsoft.com/office/drawing/2014/main" val="10005"/>
+                  </a:ext>
+                </a:extLst>
               </a:tr>
               <a:tr h="411480">
                 <a:tc>
@@ -19298,6 +20034,11 @@
                     </a:solidFill>
                   </a:tcPr>
                 </a:tc>
+                <a:extLst>
+                  <a:ext uri="{0D108BD9-81ED-4DB2-BD59-A6C34878D82A}">
+                    <a16:rowId xmlns:a16="http://schemas.microsoft.com/office/drawing/2014/main" val="10006"/>
+                  </a:ext>
+                </a:extLst>
               </a:tr>
               <a:tr h="411480">
                 <a:tc>
@@ -19420,6 +20161,11 @@
                     </a:solidFill>
                   </a:tcPr>
                 </a:tc>
+                <a:extLst>
+                  <a:ext uri="{0D108BD9-81ED-4DB2-BD59-A6C34878D82A}">
+                    <a16:rowId xmlns:a16="http://schemas.microsoft.com/office/drawing/2014/main" val="10007"/>
+                  </a:ext>
+                </a:extLst>
               </a:tr>
               <a:tr h="411480">
                 <a:tc>
@@ -19542,6 +20288,11 @@
                     </a:solidFill>
                   </a:tcPr>
                 </a:tc>
+                <a:extLst>
+                  <a:ext uri="{0D108BD9-81ED-4DB2-BD59-A6C34878D82A}">
+                    <a16:rowId xmlns:a16="http://schemas.microsoft.com/office/drawing/2014/main" val="10008"/>
+                  </a:ext>
+                </a:extLst>
               </a:tr>
             </a:tbl>
           </a:graphicData>
@@ -19556,7 +20307,7 @@
 </file>
 
 <file path=ppt/slides/slide35.xml><?xml version="1.0" encoding="utf-8"?>
-<p:sld xmlns:a="http://schemas.openxmlformats.org/drawingml/2006/main" xmlns:p="http://schemas.openxmlformats.org/presentationml/2006/main" xmlns:r="http://schemas.openxmlformats.org/officeDocument/2006/relationships">
+<p:sld xmlns:a="http://schemas.openxmlformats.org/drawingml/2006/main" xmlns:r="http://schemas.openxmlformats.org/officeDocument/2006/relationships" xmlns:p="http://schemas.openxmlformats.org/presentationml/2006/main">
   <p:cSld>
     <p:spTree>
       <p:nvGrpSpPr>
@@ -19564,7 +20315,14 @@
         <p:cNvGrpSpPr/>
         <p:nvPr/>
       </p:nvGrpSpPr>
-      <p:grpSpPr/>
+      <p:grpSpPr>
+        <a:xfrm>
+          <a:off x="0" y="0"/>
+          <a:ext cx="0" cy="0"/>
+          <a:chOff x="0" y="0"/>
+          <a:chExt cx="0" cy="0"/>
+        </a:xfrm>
+      </p:grpSpPr>
       <p:sp>
         <p:nvSpPr>
           <p:cNvPr id="2" name="Rectangle 1"/>
@@ -19605,6 +20363,7 @@
           <a:lstStyle/>
           <a:p>
             <a:pPr algn="ctr"/>
+            <a:endParaRPr/>
           </a:p>
         </p:txBody>
       </p:sp>
@@ -19952,7 +20711,7 @@
 </file>
 
 <file path=ppt/slides/slide36.xml><?xml version="1.0" encoding="utf-8"?>
-<p:sld xmlns:a="http://schemas.openxmlformats.org/drawingml/2006/main" xmlns:p="http://schemas.openxmlformats.org/presentationml/2006/main" xmlns:r="http://schemas.openxmlformats.org/officeDocument/2006/relationships">
+<p:sld xmlns:a="http://schemas.openxmlformats.org/drawingml/2006/main" xmlns:r="http://schemas.openxmlformats.org/officeDocument/2006/relationships" xmlns:p="http://schemas.openxmlformats.org/presentationml/2006/main">
   <p:cSld>
     <p:spTree>
       <p:nvGrpSpPr>
@@ -19960,7 +20719,14 @@
         <p:cNvGrpSpPr/>
         <p:nvPr/>
       </p:nvGrpSpPr>
-      <p:grpSpPr/>
+      <p:grpSpPr>
+        <a:xfrm>
+          <a:off x="0" y="0"/>
+          <a:ext cx="0" cy="0"/>
+          <a:chOff x="0" y="0"/>
+          <a:chExt cx="0" cy="0"/>
+        </a:xfrm>
+      </p:grpSpPr>
       <p:sp>
         <p:nvSpPr>
           <p:cNvPr id="2" name="Rectangle 1"/>
@@ -20001,6 +20767,7 @@
           <a:lstStyle/>
           <a:p>
             <a:pPr algn="ctr"/>
+            <a:endParaRPr/>
           </a:p>
         </p:txBody>
       </p:sp>
@@ -20384,7 +21151,7 @@
 </file>
 
 <file path=ppt/slides/slide37.xml><?xml version="1.0" encoding="utf-8"?>
-<p:sld xmlns:a="http://schemas.openxmlformats.org/drawingml/2006/main" xmlns:p="http://schemas.openxmlformats.org/presentationml/2006/main" xmlns:r="http://schemas.openxmlformats.org/officeDocument/2006/relationships">
+<p:sld xmlns:a="http://schemas.openxmlformats.org/drawingml/2006/main" xmlns:r="http://schemas.openxmlformats.org/officeDocument/2006/relationships" xmlns:p="http://schemas.openxmlformats.org/presentationml/2006/main">
   <p:cSld>
     <p:spTree>
       <p:nvGrpSpPr>
@@ -20392,7 +21159,14 @@
         <p:cNvGrpSpPr/>
         <p:nvPr/>
       </p:nvGrpSpPr>
-      <p:grpSpPr/>
+      <p:grpSpPr>
+        <a:xfrm>
+          <a:off x="0" y="0"/>
+          <a:ext cx="0" cy="0"/>
+          <a:chOff x="0" y="0"/>
+          <a:chExt cx="0" cy="0"/>
+        </a:xfrm>
+      </p:grpSpPr>
       <p:sp>
         <p:nvSpPr>
           <p:cNvPr id="2" name="Rectangle 1"/>
@@ -20433,6 +21207,7 @@
           <a:lstStyle/>
           <a:p>
             <a:pPr algn="ctr"/>
+            <a:endParaRPr/>
           </a:p>
         </p:txBody>
       </p:sp>
@@ -20563,11 +21338,41 @@
                 <a:tableStyleId>{5C22544A-7EE6-4342-B048-85BDC9FD1C3A}</a:tableStyleId>
               </a:tblPr>
               <a:tblGrid>
-                <a:gridCol w="1828800"/>
-                <a:gridCol w="2743200"/>
-                <a:gridCol w="1371600"/>
-                <a:gridCol w="1371600"/>
-                <a:gridCol w="3200400"/>
+                <a:gridCol w="1828800">
+                  <a:extLst>
+                    <a:ext uri="{9D8B030D-6E8A-4147-A177-3AD203B41FA5}">
+                      <a16:colId xmlns:a16="http://schemas.microsoft.com/office/drawing/2014/main" val="20000"/>
+                    </a:ext>
+                  </a:extLst>
+                </a:gridCol>
+                <a:gridCol w="2743200">
+                  <a:extLst>
+                    <a:ext uri="{9D8B030D-6E8A-4147-A177-3AD203B41FA5}">
+                      <a16:colId xmlns:a16="http://schemas.microsoft.com/office/drawing/2014/main" val="20001"/>
+                    </a:ext>
+                  </a:extLst>
+                </a:gridCol>
+                <a:gridCol w="1371600">
+                  <a:extLst>
+                    <a:ext uri="{9D8B030D-6E8A-4147-A177-3AD203B41FA5}">
+                      <a16:colId xmlns:a16="http://schemas.microsoft.com/office/drawing/2014/main" val="20002"/>
+                    </a:ext>
+                  </a:extLst>
+                </a:gridCol>
+                <a:gridCol w="1371600">
+                  <a:extLst>
+                    <a:ext uri="{9D8B030D-6E8A-4147-A177-3AD203B41FA5}">
+                      <a16:colId xmlns:a16="http://schemas.microsoft.com/office/drawing/2014/main" val="20003"/>
+                    </a:ext>
+                  </a:extLst>
+                </a:gridCol>
+                <a:gridCol w="3200400">
+                  <a:extLst>
+                    <a:ext uri="{9D8B030D-6E8A-4147-A177-3AD203B41FA5}">
+                      <a16:colId xmlns:a16="http://schemas.microsoft.com/office/drawing/2014/main" val="20004"/>
+                    </a:ext>
+                  </a:extLst>
+                </a:gridCol>
               </a:tblGrid>
               <a:tr h="411480">
                 <a:tc>
@@ -20720,6 +21525,11 @@
                     </a:solidFill>
                   </a:tcPr>
                 </a:tc>
+                <a:extLst>
+                  <a:ext uri="{0D108BD9-81ED-4DB2-BD59-A6C34878D82A}">
+                    <a16:rowId xmlns:a16="http://schemas.microsoft.com/office/drawing/2014/main" val="10000"/>
+                  </a:ext>
+                </a:extLst>
               </a:tr>
               <a:tr h="411480">
                 <a:tc>
@@ -20872,6 +21682,11 @@
                     </a:solidFill>
                   </a:tcPr>
                 </a:tc>
+                <a:extLst>
+                  <a:ext uri="{0D108BD9-81ED-4DB2-BD59-A6C34878D82A}">
+                    <a16:rowId xmlns:a16="http://schemas.microsoft.com/office/drawing/2014/main" val="10001"/>
+                  </a:ext>
+                </a:extLst>
               </a:tr>
               <a:tr h="411480">
                 <a:tc>
@@ -21024,6 +21839,11 @@
                     </a:solidFill>
                   </a:tcPr>
                 </a:tc>
+                <a:extLst>
+                  <a:ext uri="{0D108BD9-81ED-4DB2-BD59-A6C34878D82A}">
+                    <a16:rowId xmlns:a16="http://schemas.microsoft.com/office/drawing/2014/main" val="10002"/>
+                  </a:ext>
+                </a:extLst>
               </a:tr>
               <a:tr h="411480">
                 <a:tc>
@@ -21176,6 +21996,11 @@
                     </a:solidFill>
                   </a:tcPr>
                 </a:tc>
+                <a:extLst>
+                  <a:ext uri="{0D108BD9-81ED-4DB2-BD59-A6C34878D82A}">
+                    <a16:rowId xmlns:a16="http://schemas.microsoft.com/office/drawing/2014/main" val="10003"/>
+                  </a:ext>
+                </a:extLst>
               </a:tr>
               <a:tr h="411480">
                 <a:tc>
@@ -21328,6 +22153,11 @@
                     </a:solidFill>
                   </a:tcPr>
                 </a:tc>
+                <a:extLst>
+                  <a:ext uri="{0D108BD9-81ED-4DB2-BD59-A6C34878D82A}">
+                    <a16:rowId xmlns:a16="http://schemas.microsoft.com/office/drawing/2014/main" val="10004"/>
+                  </a:ext>
+                </a:extLst>
               </a:tr>
               <a:tr h="411480">
                 <a:tc>
@@ -21480,6 +22310,11 @@
                     </a:solidFill>
                   </a:tcPr>
                 </a:tc>
+                <a:extLst>
+                  <a:ext uri="{0D108BD9-81ED-4DB2-BD59-A6C34878D82A}">
+                    <a16:rowId xmlns:a16="http://schemas.microsoft.com/office/drawing/2014/main" val="10005"/>
+                  </a:ext>
+                </a:extLst>
               </a:tr>
             </a:tbl>
           </a:graphicData>
@@ -21530,7 +22365,7 @@
 </file>
 
 <file path=ppt/slides/slide38.xml><?xml version="1.0" encoding="utf-8"?>
-<p:sld xmlns:a="http://schemas.openxmlformats.org/drawingml/2006/main" xmlns:p="http://schemas.openxmlformats.org/presentationml/2006/main" xmlns:r="http://schemas.openxmlformats.org/officeDocument/2006/relationships">
+<p:sld xmlns:a="http://schemas.openxmlformats.org/drawingml/2006/main" xmlns:r="http://schemas.openxmlformats.org/officeDocument/2006/relationships" xmlns:p="http://schemas.openxmlformats.org/presentationml/2006/main">
   <p:cSld>
     <p:spTree>
       <p:nvGrpSpPr>
@@ -21538,7 +22373,14 @@
         <p:cNvGrpSpPr/>
         <p:nvPr/>
       </p:nvGrpSpPr>
-      <p:grpSpPr/>
+      <p:grpSpPr>
+        <a:xfrm>
+          <a:off x="0" y="0"/>
+          <a:ext cx="0" cy="0"/>
+          <a:chOff x="0" y="0"/>
+          <a:chExt cx="0" cy="0"/>
+        </a:xfrm>
+      </p:grpSpPr>
       <p:sp>
         <p:nvSpPr>
           <p:cNvPr id="2" name="Rectangle 1"/>
@@ -21579,6 +22421,7 @@
           <a:lstStyle/>
           <a:p>
             <a:pPr algn="ctr"/>
+            <a:endParaRPr/>
           </a:p>
         </p:txBody>
       </p:sp>
@@ -21962,7 +22805,7 @@
 </file>
 
 <file path=ppt/slides/slide39.xml><?xml version="1.0" encoding="utf-8"?>
-<p:sld xmlns:a="http://schemas.openxmlformats.org/drawingml/2006/main" xmlns:p="http://schemas.openxmlformats.org/presentationml/2006/main" xmlns:r="http://schemas.openxmlformats.org/officeDocument/2006/relationships">
+<p:sld xmlns:a="http://schemas.openxmlformats.org/drawingml/2006/main" xmlns:r="http://schemas.openxmlformats.org/officeDocument/2006/relationships" xmlns:p="http://schemas.openxmlformats.org/presentationml/2006/main">
   <p:cSld>
     <p:spTree>
       <p:nvGrpSpPr>
@@ -21970,7 +22813,14 @@
         <p:cNvGrpSpPr/>
         <p:nvPr/>
       </p:nvGrpSpPr>
-      <p:grpSpPr/>
+      <p:grpSpPr>
+        <a:xfrm>
+          <a:off x="0" y="0"/>
+          <a:ext cx="0" cy="0"/>
+          <a:chOff x="0" y="0"/>
+          <a:chExt cx="0" cy="0"/>
+        </a:xfrm>
+      </p:grpSpPr>
       <p:sp>
         <p:nvSpPr>
           <p:cNvPr id="2" name="Rectangle 1"/>
@@ -22011,6 +22861,7 @@
           <a:lstStyle/>
           <a:p>
             <a:pPr algn="ctr"/>
+            <a:endParaRPr/>
           </a:p>
         </p:txBody>
       </p:sp>
@@ -22141,9 +22992,27 @@
                 <a:tableStyleId>{5C22544A-7EE6-4342-B048-85BDC9FD1C3A}</a:tableStyleId>
               </a:tblPr>
               <a:tblGrid>
-                <a:gridCol w="2286000"/>
-                <a:gridCol w="2743200"/>
-                <a:gridCol w="5486400"/>
+                <a:gridCol w="2286000">
+                  <a:extLst>
+                    <a:ext uri="{9D8B030D-6E8A-4147-A177-3AD203B41FA5}">
+                      <a16:colId xmlns:a16="http://schemas.microsoft.com/office/drawing/2014/main" val="20000"/>
+                    </a:ext>
+                  </a:extLst>
+                </a:gridCol>
+                <a:gridCol w="2743200">
+                  <a:extLst>
+                    <a:ext uri="{9D8B030D-6E8A-4147-A177-3AD203B41FA5}">
+                      <a16:colId xmlns:a16="http://schemas.microsoft.com/office/drawing/2014/main" val="20001"/>
+                    </a:ext>
+                  </a:extLst>
+                </a:gridCol>
+                <a:gridCol w="5486400">
+                  <a:extLst>
+                    <a:ext uri="{9D8B030D-6E8A-4147-A177-3AD203B41FA5}">
+                      <a16:colId xmlns:a16="http://schemas.microsoft.com/office/drawing/2014/main" val="20002"/>
+                    </a:ext>
+                  </a:extLst>
+                </a:gridCol>
               </a:tblGrid>
               <a:tr h="411480">
                 <a:tc>
@@ -22236,6 +23105,11 @@
                     </a:solidFill>
                   </a:tcPr>
                 </a:tc>
+                <a:extLst>
+                  <a:ext uri="{0D108BD9-81ED-4DB2-BD59-A6C34878D82A}">
+                    <a16:rowId xmlns:a16="http://schemas.microsoft.com/office/drawing/2014/main" val="10000"/>
+                  </a:ext>
+                </a:extLst>
               </a:tr>
               <a:tr h="411480">
                 <a:tc>
@@ -22328,6 +23202,11 @@
                     </a:solidFill>
                   </a:tcPr>
                 </a:tc>
+                <a:extLst>
+                  <a:ext uri="{0D108BD9-81ED-4DB2-BD59-A6C34878D82A}">
+                    <a16:rowId xmlns:a16="http://schemas.microsoft.com/office/drawing/2014/main" val="10001"/>
+                  </a:ext>
+                </a:extLst>
               </a:tr>
               <a:tr h="411480">
                 <a:tc>
@@ -22420,6 +23299,11 @@
                     </a:solidFill>
                   </a:tcPr>
                 </a:tc>
+                <a:extLst>
+                  <a:ext uri="{0D108BD9-81ED-4DB2-BD59-A6C34878D82A}">
+                    <a16:rowId xmlns:a16="http://schemas.microsoft.com/office/drawing/2014/main" val="10002"/>
+                  </a:ext>
+                </a:extLst>
               </a:tr>
               <a:tr h="411480">
                 <a:tc>
@@ -22512,6 +23396,11 @@
                     </a:solidFill>
                   </a:tcPr>
                 </a:tc>
+                <a:extLst>
+                  <a:ext uri="{0D108BD9-81ED-4DB2-BD59-A6C34878D82A}">
+                    <a16:rowId xmlns:a16="http://schemas.microsoft.com/office/drawing/2014/main" val="10003"/>
+                  </a:ext>
+                </a:extLst>
               </a:tr>
               <a:tr h="411480">
                 <a:tc>
@@ -22604,6 +23493,11 @@
                     </a:solidFill>
                   </a:tcPr>
                 </a:tc>
+                <a:extLst>
+                  <a:ext uri="{0D108BD9-81ED-4DB2-BD59-A6C34878D82A}">
+                    <a16:rowId xmlns:a16="http://schemas.microsoft.com/office/drawing/2014/main" val="10004"/>
+                  </a:ext>
+                </a:extLst>
               </a:tr>
               <a:tr h="411480">
                 <a:tc>
@@ -22696,6 +23590,11 @@
                     </a:solidFill>
                   </a:tcPr>
                 </a:tc>
+                <a:extLst>
+                  <a:ext uri="{0D108BD9-81ED-4DB2-BD59-A6C34878D82A}">
+                    <a16:rowId xmlns:a16="http://schemas.microsoft.com/office/drawing/2014/main" val="10005"/>
+                  </a:ext>
+                </a:extLst>
               </a:tr>
               <a:tr h="411480">
                 <a:tc>
@@ -22788,6 +23687,11 @@
                     </a:solidFill>
                   </a:tcPr>
                 </a:tc>
+                <a:extLst>
+                  <a:ext uri="{0D108BD9-81ED-4DB2-BD59-A6C34878D82A}">
+                    <a16:rowId xmlns:a16="http://schemas.microsoft.com/office/drawing/2014/main" val="10006"/>
+                  </a:ext>
+                </a:extLst>
               </a:tr>
             </a:tbl>
           </a:graphicData>
@@ -22802,7 +23706,7 @@
 </file>
 
 <file path=ppt/slides/slide4.xml><?xml version="1.0" encoding="utf-8"?>
-<p:sld xmlns:a="http://schemas.openxmlformats.org/drawingml/2006/main" xmlns:p="http://schemas.openxmlformats.org/presentationml/2006/main" xmlns:r="http://schemas.openxmlformats.org/officeDocument/2006/relationships">
+<p:sld xmlns:a="http://schemas.openxmlformats.org/drawingml/2006/main" xmlns:r="http://schemas.openxmlformats.org/officeDocument/2006/relationships" xmlns:p="http://schemas.openxmlformats.org/presentationml/2006/main">
   <p:cSld>
     <p:spTree>
       <p:nvGrpSpPr>
@@ -22810,7 +23714,14 @@
         <p:cNvGrpSpPr/>
         <p:nvPr/>
       </p:nvGrpSpPr>
-      <p:grpSpPr/>
+      <p:grpSpPr>
+        <a:xfrm>
+          <a:off x="0" y="0"/>
+          <a:ext cx="0" cy="0"/>
+          <a:chOff x="0" y="0"/>
+          <a:chExt cx="0" cy="0"/>
+        </a:xfrm>
+      </p:grpSpPr>
       <p:sp>
         <p:nvSpPr>
           <p:cNvPr id="2" name="Rectangle 1"/>
@@ -22851,6 +23762,7 @@
           <a:lstStyle/>
           <a:p>
             <a:pPr algn="ctr"/>
+            <a:endParaRPr/>
           </a:p>
         </p:txBody>
       </p:sp>
@@ -23017,8 +23929,20 @@
                 <a:tableStyleId>{5C22544A-7EE6-4342-B048-85BDC9FD1C3A}</a:tableStyleId>
               </a:tblPr>
               <a:tblGrid>
-                <a:gridCol w="2743200"/>
-                <a:gridCol w="7315200"/>
+                <a:gridCol w="2743200">
+                  <a:extLst>
+                    <a:ext uri="{9D8B030D-6E8A-4147-A177-3AD203B41FA5}">
+                      <a16:colId xmlns:a16="http://schemas.microsoft.com/office/drawing/2014/main" val="20000"/>
+                    </a:ext>
+                  </a:extLst>
+                </a:gridCol>
+                <a:gridCol w="7315200">
+                  <a:extLst>
+                    <a:ext uri="{9D8B030D-6E8A-4147-A177-3AD203B41FA5}">
+                      <a16:colId xmlns:a16="http://schemas.microsoft.com/office/drawing/2014/main" val="20001"/>
+                    </a:ext>
+                  </a:extLst>
+                </a:gridCol>
               </a:tblGrid>
               <a:tr h="411480">
                 <a:tc>
@@ -23081,6 +24005,11 @@
                     </a:solidFill>
                   </a:tcPr>
                 </a:tc>
+                <a:extLst>
+                  <a:ext uri="{0D108BD9-81ED-4DB2-BD59-A6C34878D82A}">
+                    <a16:rowId xmlns:a16="http://schemas.microsoft.com/office/drawing/2014/main" val="10000"/>
+                  </a:ext>
+                </a:extLst>
               </a:tr>
               <a:tr h="411480">
                 <a:tc>
@@ -23143,6 +24072,11 @@
                     </a:solidFill>
                   </a:tcPr>
                 </a:tc>
+                <a:extLst>
+                  <a:ext uri="{0D108BD9-81ED-4DB2-BD59-A6C34878D82A}">
+                    <a16:rowId xmlns:a16="http://schemas.microsoft.com/office/drawing/2014/main" val="10001"/>
+                  </a:ext>
+                </a:extLst>
               </a:tr>
               <a:tr h="411480">
                 <a:tc>
@@ -23205,6 +24139,11 @@
                     </a:solidFill>
                   </a:tcPr>
                 </a:tc>
+                <a:extLst>
+                  <a:ext uri="{0D108BD9-81ED-4DB2-BD59-A6C34878D82A}">
+                    <a16:rowId xmlns:a16="http://schemas.microsoft.com/office/drawing/2014/main" val="10002"/>
+                  </a:ext>
+                </a:extLst>
               </a:tr>
               <a:tr h="411480">
                 <a:tc>
@@ -23267,6 +24206,11 @@
                     </a:solidFill>
                   </a:tcPr>
                 </a:tc>
+                <a:extLst>
+                  <a:ext uri="{0D108BD9-81ED-4DB2-BD59-A6C34878D82A}">
+                    <a16:rowId xmlns:a16="http://schemas.microsoft.com/office/drawing/2014/main" val="10003"/>
+                  </a:ext>
+                </a:extLst>
               </a:tr>
               <a:tr h="411480">
                 <a:tc>
@@ -23329,6 +24273,11 @@
                     </a:solidFill>
                   </a:tcPr>
                 </a:tc>
+                <a:extLst>
+                  <a:ext uri="{0D108BD9-81ED-4DB2-BD59-A6C34878D82A}">
+                    <a16:rowId xmlns:a16="http://schemas.microsoft.com/office/drawing/2014/main" val="10004"/>
+                  </a:ext>
+                </a:extLst>
               </a:tr>
               <a:tr h="411480">
                 <a:tc>
@@ -23391,6 +24340,11 @@
                     </a:solidFill>
                   </a:tcPr>
                 </a:tc>
+                <a:extLst>
+                  <a:ext uri="{0D108BD9-81ED-4DB2-BD59-A6C34878D82A}">
+                    <a16:rowId xmlns:a16="http://schemas.microsoft.com/office/drawing/2014/main" val="10005"/>
+                  </a:ext>
+                </a:extLst>
               </a:tr>
               <a:tr h="411480">
                 <a:tc>
@@ -23453,6 +24407,11 @@
                     </a:solidFill>
                   </a:tcPr>
                 </a:tc>
+                <a:extLst>
+                  <a:ext uri="{0D108BD9-81ED-4DB2-BD59-A6C34878D82A}">
+                    <a16:rowId xmlns:a16="http://schemas.microsoft.com/office/drawing/2014/main" val="10006"/>
+                  </a:ext>
+                </a:extLst>
               </a:tr>
               <a:tr h="411480">
                 <a:tc>
@@ -23515,6 +24474,11 @@
                     </a:solidFill>
                   </a:tcPr>
                 </a:tc>
+                <a:extLst>
+                  <a:ext uri="{0D108BD9-81ED-4DB2-BD59-A6C34878D82A}">
+                    <a16:rowId xmlns:a16="http://schemas.microsoft.com/office/drawing/2014/main" val="10007"/>
+                  </a:ext>
+                </a:extLst>
               </a:tr>
               <a:tr h="411480">
                 <a:tc>
@@ -23577,6 +24541,11 @@
                     </a:solidFill>
                   </a:tcPr>
                 </a:tc>
+                <a:extLst>
+                  <a:ext uri="{0D108BD9-81ED-4DB2-BD59-A6C34878D82A}">
+                    <a16:rowId xmlns:a16="http://schemas.microsoft.com/office/drawing/2014/main" val="10008"/>
+                  </a:ext>
+                </a:extLst>
               </a:tr>
             </a:tbl>
           </a:graphicData>
@@ -23591,7 +24560,7 @@
 </file>
 
 <file path=ppt/slides/slide40.xml><?xml version="1.0" encoding="utf-8"?>
-<p:sld xmlns:a="http://schemas.openxmlformats.org/drawingml/2006/main" xmlns:p="http://schemas.openxmlformats.org/presentationml/2006/main" xmlns:r="http://schemas.openxmlformats.org/officeDocument/2006/relationships">
+<p:sld xmlns:a="http://schemas.openxmlformats.org/drawingml/2006/main" xmlns:r="http://schemas.openxmlformats.org/officeDocument/2006/relationships" xmlns:p="http://schemas.openxmlformats.org/presentationml/2006/main">
   <p:cSld>
     <p:spTree>
       <p:nvGrpSpPr>
@@ -23599,7 +24568,14 @@
         <p:cNvGrpSpPr/>
         <p:nvPr/>
       </p:nvGrpSpPr>
-      <p:grpSpPr/>
+      <p:grpSpPr>
+        <a:xfrm>
+          <a:off x="0" y="0"/>
+          <a:ext cx="0" cy="0"/>
+          <a:chOff x="0" y="0"/>
+          <a:chExt cx="0" cy="0"/>
+        </a:xfrm>
+      </p:grpSpPr>
       <p:sp>
         <p:nvSpPr>
           <p:cNvPr id="2" name="Rectangle 1"/>
@@ -23640,6 +24616,7 @@
           <a:lstStyle/>
           <a:p>
             <a:pPr algn="ctr"/>
+            <a:endParaRPr/>
           </a:p>
         </p:txBody>
       </p:sp>
@@ -23987,7 +24964,7 @@
 </file>
 
 <file path=ppt/slides/slide41.xml><?xml version="1.0" encoding="utf-8"?>
-<p:sld xmlns:a="http://schemas.openxmlformats.org/drawingml/2006/main" xmlns:p="http://schemas.openxmlformats.org/presentationml/2006/main" xmlns:r="http://schemas.openxmlformats.org/officeDocument/2006/relationships">
+<p:sld xmlns:a="http://schemas.openxmlformats.org/drawingml/2006/main" xmlns:r="http://schemas.openxmlformats.org/officeDocument/2006/relationships" xmlns:p="http://schemas.openxmlformats.org/presentationml/2006/main">
   <p:cSld>
     <p:spTree>
       <p:nvGrpSpPr>
@@ -23995,7 +24972,14 @@
         <p:cNvGrpSpPr/>
         <p:nvPr/>
       </p:nvGrpSpPr>
-      <p:grpSpPr/>
+      <p:grpSpPr>
+        <a:xfrm>
+          <a:off x="0" y="0"/>
+          <a:ext cx="0" cy="0"/>
+          <a:chOff x="0" y="0"/>
+          <a:chExt cx="0" cy="0"/>
+        </a:xfrm>
+      </p:grpSpPr>
       <p:sp>
         <p:nvSpPr>
           <p:cNvPr id="2" name="Rectangle 1"/>
@@ -24036,6 +25020,7 @@
           <a:lstStyle/>
           <a:p>
             <a:pPr algn="ctr"/>
+            <a:endParaRPr/>
           </a:p>
         </p:txBody>
       </p:sp>
@@ -24419,7 +25404,7 @@
 </file>
 
 <file path=ppt/slides/slide42.xml><?xml version="1.0" encoding="utf-8"?>
-<p:sld xmlns:a="http://schemas.openxmlformats.org/drawingml/2006/main" xmlns:p="http://schemas.openxmlformats.org/presentationml/2006/main" xmlns:r="http://schemas.openxmlformats.org/officeDocument/2006/relationships">
+<p:sld xmlns:a="http://schemas.openxmlformats.org/drawingml/2006/main" xmlns:r="http://schemas.openxmlformats.org/officeDocument/2006/relationships" xmlns:p="http://schemas.openxmlformats.org/presentationml/2006/main">
   <p:cSld>
     <p:spTree>
       <p:nvGrpSpPr>
@@ -24427,7 +25412,14 @@
         <p:cNvGrpSpPr/>
         <p:nvPr/>
       </p:nvGrpSpPr>
-      <p:grpSpPr/>
+      <p:grpSpPr>
+        <a:xfrm>
+          <a:off x="0" y="0"/>
+          <a:ext cx="0" cy="0"/>
+          <a:chOff x="0" y="0"/>
+          <a:chExt cx="0" cy="0"/>
+        </a:xfrm>
+      </p:grpSpPr>
       <p:sp>
         <p:nvSpPr>
           <p:cNvPr id="2" name="Rectangle 1"/>
@@ -24468,6 +25460,7 @@
           <a:lstStyle/>
           <a:p>
             <a:pPr algn="ctr"/>
+            <a:endParaRPr/>
           </a:p>
         </p:txBody>
       </p:sp>
@@ -24815,7 +25808,7 @@
 </file>
 
 <file path=ppt/slides/slide43.xml><?xml version="1.0" encoding="utf-8"?>
-<p:sld xmlns:a="http://schemas.openxmlformats.org/drawingml/2006/main" xmlns:p="http://schemas.openxmlformats.org/presentationml/2006/main" xmlns:r="http://schemas.openxmlformats.org/officeDocument/2006/relationships">
+<p:sld xmlns:a="http://schemas.openxmlformats.org/drawingml/2006/main" xmlns:r="http://schemas.openxmlformats.org/officeDocument/2006/relationships" xmlns:p="http://schemas.openxmlformats.org/presentationml/2006/main">
   <p:cSld>
     <p:spTree>
       <p:nvGrpSpPr>
@@ -24823,7 +25816,14 @@
         <p:cNvGrpSpPr/>
         <p:nvPr/>
       </p:nvGrpSpPr>
-      <p:grpSpPr/>
+      <p:grpSpPr>
+        <a:xfrm>
+          <a:off x="0" y="0"/>
+          <a:ext cx="0" cy="0"/>
+          <a:chOff x="0" y="0"/>
+          <a:chExt cx="0" cy="0"/>
+        </a:xfrm>
+      </p:grpSpPr>
       <p:sp>
         <p:nvSpPr>
           <p:cNvPr id="2" name="Rectangle 1"/>
@@ -24864,6 +25864,7 @@
           <a:lstStyle/>
           <a:p>
             <a:pPr algn="ctr"/>
+            <a:endParaRPr/>
           </a:p>
         </p:txBody>
       </p:sp>
@@ -25015,6 +26016,7 @@
           <a:lstStyle/>
           <a:p>
             <a:pPr algn="ctr"/>
+            <a:endParaRPr/>
           </a:p>
         </p:txBody>
       </p:sp>
@@ -25222,7 +26224,7 @@
 </file>
 
 <file path=ppt/slides/slide44.xml><?xml version="1.0" encoding="utf-8"?>
-<p:sld xmlns:a="http://schemas.openxmlformats.org/drawingml/2006/main" xmlns:p="http://schemas.openxmlformats.org/presentationml/2006/main" xmlns:r="http://schemas.openxmlformats.org/officeDocument/2006/relationships">
+<p:sld xmlns:a="http://schemas.openxmlformats.org/drawingml/2006/main" xmlns:r="http://schemas.openxmlformats.org/officeDocument/2006/relationships" xmlns:p="http://schemas.openxmlformats.org/presentationml/2006/main">
   <p:cSld>
     <p:spTree>
       <p:nvGrpSpPr>
@@ -25230,7 +26232,14 @@
         <p:cNvGrpSpPr/>
         <p:nvPr/>
       </p:nvGrpSpPr>
-      <p:grpSpPr/>
+      <p:grpSpPr>
+        <a:xfrm>
+          <a:off x="0" y="0"/>
+          <a:ext cx="0" cy="0"/>
+          <a:chOff x="0" y="0"/>
+          <a:chExt cx="0" cy="0"/>
+        </a:xfrm>
+      </p:grpSpPr>
       <p:sp>
         <p:nvSpPr>
           <p:cNvPr id="2" name="Rectangle 1"/>
@@ -25271,6 +26280,7 @@
           <a:lstStyle/>
           <a:p>
             <a:pPr algn="ctr"/>
+            <a:endParaRPr/>
           </a:p>
         </p:txBody>
       </p:sp>
@@ -25314,6 +26324,7 @@
           <a:lstStyle/>
           <a:p>
             <a:pPr algn="ctr"/>
+            <a:endParaRPr/>
           </a:p>
         </p:txBody>
       </p:sp>
@@ -25622,7 +26633,7 @@
 </file>
 
 <file path=ppt/slides/slide45.xml><?xml version="1.0" encoding="utf-8"?>
-<p:sld xmlns:a="http://schemas.openxmlformats.org/drawingml/2006/main" xmlns:p="http://schemas.openxmlformats.org/presentationml/2006/main" xmlns:r="http://schemas.openxmlformats.org/officeDocument/2006/relationships">
+<p:sld xmlns:a="http://schemas.openxmlformats.org/drawingml/2006/main" xmlns:r="http://schemas.openxmlformats.org/officeDocument/2006/relationships" xmlns:p="http://schemas.openxmlformats.org/presentationml/2006/main">
   <p:cSld>
     <p:spTree>
       <p:nvGrpSpPr>
@@ -25630,7 +26641,14 @@
         <p:cNvGrpSpPr/>
         <p:nvPr/>
       </p:nvGrpSpPr>
-      <p:grpSpPr/>
+      <p:grpSpPr>
+        <a:xfrm>
+          <a:off x="0" y="0"/>
+          <a:ext cx="0" cy="0"/>
+          <a:chOff x="0" y="0"/>
+          <a:chExt cx="0" cy="0"/>
+        </a:xfrm>
+      </p:grpSpPr>
       <p:sp>
         <p:nvSpPr>
           <p:cNvPr id="2" name="Rectangle 1"/>
@@ -25671,6 +26689,7 @@
           <a:lstStyle/>
           <a:p>
             <a:pPr algn="ctr"/>
+            <a:endParaRPr/>
           </a:p>
         </p:txBody>
       </p:sp>
@@ -25916,7 +26935,7 @@
 </file>
 
 <file path=ppt/slides/slide46.xml><?xml version="1.0" encoding="utf-8"?>
-<p:sld xmlns:a="http://schemas.openxmlformats.org/drawingml/2006/main" xmlns:p="http://schemas.openxmlformats.org/presentationml/2006/main" xmlns:r="http://schemas.openxmlformats.org/officeDocument/2006/relationships">
+<p:sld xmlns:a="http://schemas.openxmlformats.org/drawingml/2006/main" xmlns:r="http://schemas.openxmlformats.org/officeDocument/2006/relationships" xmlns:p="http://schemas.openxmlformats.org/presentationml/2006/main">
   <p:cSld>
     <p:spTree>
       <p:nvGrpSpPr>
@@ -25924,7 +26943,14 @@
         <p:cNvGrpSpPr/>
         <p:nvPr/>
       </p:nvGrpSpPr>
-      <p:grpSpPr/>
+      <p:grpSpPr>
+        <a:xfrm>
+          <a:off x="0" y="0"/>
+          <a:ext cx="0" cy="0"/>
+          <a:chOff x="0" y="0"/>
+          <a:chExt cx="0" cy="0"/>
+        </a:xfrm>
+      </p:grpSpPr>
       <p:sp>
         <p:nvSpPr>
           <p:cNvPr id="2" name="Rectangle 1"/>
@@ -25965,6 +26991,7 @@
           <a:lstStyle/>
           <a:p>
             <a:pPr algn="ctr"/>
+            <a:endParaRPr/>
           </a:p>
         </p:txBody>
       </p:sp>
@@ -26044,7 +27071,7 @@
           </a:fontRef>
         </p:style>
         <p:txBody>
-          <a:bodyPr rtlCol="0" anchor="ctr" wrap="square"/>
+          <a:bodyPr wrap="square" rtlCol="0" anchor="ctr"/>
           <a:lstStyle/>
           <a:p>
             <a:pPr algn="ctr">
@@ -26145,7 +27172,7 @@
 </file>
 
 <file path=ppt/slides/slide47.xml><?xml version="1.0" encoding="utf-8"?>
-<p:sld xmlns:a="http://schemas.openxmlformats.org/drawingml/2006/main" xmlns:p="http://schemas.openxmlformats.org/presentationml/2006/main" xmlns:r="http://schemas.openxmlformats.org/officeDocument/2006/relationships">
+<p:sld xmlns:a="http://schemas.openxmlformats.org/drawingml/2006/main" xmlns:r="http://schemas.openxmlformats.org/officeDocument/2006/relationships" xmlns:p="http://schemas.openxmlformats.org/presentationml/2006/main">
   <p:cSld>
     <p:spTree>
       <p:nvGrpSpPr>
@@ -26153,7 +27180,14 @@
         <p:cNvGrpSpPr/>
         <p:nvPr/>
       </p:nvGrpSpPr>
-      <p:grpSpPr/>
+      <p:grpSpPr>
+        <a:xfrm>
+          <a:off x="0" y="0"/>
+          <a:ext cx="0" cy="0"/>
+          <a:chOff x="0" y="0"/>
+          <a:chExt cx="0" cy="0"/>
+        </a:xfrm>
+      </p:grpSpPr>
       <p:sp>
         <p:nvSpPr>
           <p:cNvPr id="2" name="Rectangle 1"/>
@@ -26194,6 +27228,7 @@
           <a:lstStyle/>
           <a:p>
             <a:pPr algn="ctr"/>
+            <a:endParaRPr/>
           </a:p>
         </p:txBody>
       </p:sp>
@@ -26413,7 +27448,7 @@
 </file>
 
 <file path=ppt/slides/slide48.xml><?xml version="1.0" encoding="utf-8"?>
-<p:sld xmlns:a="http://schemas.openxmlformats.org/drawingml/2006/main" xmlns:p="http://schemas.openxmlformats.org/presentationml/2006/main" xmlns:r="http://schemas.openxmlformats.org/officeDocument/2006/relationships">
+<p:sld xmlns:a="http://schemas.openxmlformats.org/drawingml/2006/main" xmlns:r="http://schemas.openxmlformats.org/officeDocument/2006/relationships" xmlns:p="http://schemas.openxmlformats.org/presentationml/2006/main">
   <p:cSld>
     <p:spTree>
       <p:nvGrpSpPr>
@@ -26421,7 +27456,14 @@
         <p:cNvGrpSpPr/>
         <p:nvPr/>
       </p:nvGrpSpPr>
-      <p:grpSpPr/>
+      <p:grpSpPr>
+        <a:xfrm>
+          <a:off x="0" y="0"/>
+          <a:ext cx="0" cy="0"/>
+          <a:chOff x="0" y="0"/>
+          <a:chExt cx="0" cy="0"/>
+        </a:xfrm>
+      </p:grpSpPr>
       <p:sp>
         <p:nvSpPr>
           <p:cNvPr id="2" name="Rectangle 1"/>
@@ -26462,6 +27504,7 @@
           <a:lstStyle/>
           <a:p>
             <a:pPr algn="ctr"/>
+            <a:endParaRPr/>
           </a:p>
         </p:txBody>
       </p:sp>
@@ -26809,7 +27852,7 @@
 </file>
 
 <file path=ppt/slides/slide49.xml><?xml version="1.0" encoding="utf-8"?>
-<p:sld xmlns:a="http://schemas.openxmlformats.org/drawingml/2006/main" xmlns:p="http://schemas.openxmlformats.org/presentationml/2006/main" xmlns:r="http://schemas.openxmlformats.org/officeDocument/2006/relationships">
+<p:sld xmlns:a="http://schemas.openxmlformats.org/drawingml/2006/main" xmlns:r="http://schemas.openxmlformats.org/officeDocument/2006/relationships" xmlns:p="http://schemas.openxmlformats.org/presentationml/2006/main">
   <p:cSld>
     <p:spTree>
       <p:nvGrpSpPr>
@@ -26817,7 +27860,14 @@
         <p:cNvGrpSpPr/>
         <p:nvPr/>
       </p:nvGrpSpPr>
-      <p:grpSpPr/>
+      <p:grpSpPr>
+        <a:xfrm>
+          <a:off x="0" y="0"/>
+          <a:ext cx="0" cy="0"/>
+          <a:chOff x="0" y="0"/>
+          <a:chExt cx="0" cy="0"/>
+        </a:xfrm>
+      </p:grpSpPr>
       <p:sp>
         <p:nvSpPr>
           <p:cNvPr id="2" name="Rectangle 1"/>
@@ -26858,6 +27908,7 @@
           <a:lstStyle/>
           <a:p>
             <a:pPr algn="ctr"/>
+            <a:endParaRPr/>
           </a:p>
         </p:txBody>
       </p:sp>
@@ -26988,10 +28039,34 @@
                 <a:tableStyleId>{5C22544A-7EE6-4342-B048-85BDC9FD1C3A}</a:tableStyleId>
               </a:tblPr>
               <a:tblGrid>
-                <a:gridCol w="2286000"/>
-                <a:gridCol w="3200400"/>
-                <a:gridCol w="2286000"/>
-                <a:gridCol w="2743200"/>
+                <a:gridCol w="2286000">
+                  <a:extLst>
+                    <a:ext uri="{9D8B030D-6E8A-4147-A177-3AD203B41FA5}">
+                      <a16:colId xmlns:a16="http://schemas.microsoft.com/office/drawing/2014/main" val="20000"/>
+                    </a:ext>
+                  </a:extLst>
+                </a:gridCol>
+                <a:gridCol w="3200400">
+                  <a:extLst>
+                    <a:ext uri="{9D8B030D-6E8A-4147-A177-3AD203B41FA5}">
+                      <a16:colId xmlns:a16="http://schemas.microsoft.com/office/drawing/2014/main" val="20001"/>
+                    </a:ext>
+                  </a:extLst>
+                </a:gridCol>
+                <a:gridCol w="2286000">
+                  <a:extLst>
+                    <a:ext uri="{9D8B030D-6E8A-4147-A177-3AD203B41FA5}">
+                      <a16:colId xmlns:a16="http://schemas.microsoft.com/office/drawing/2014/main" val="20002"/>
+                    </a:ext>
+                  </a:extLst>
+                </a:gridCol>
+                <a:gridCol w="2743200">
+                  <a:extLst>
+                    <a:ext uri="{9D8B030D-6E8A-4147-A177-3AD203B41FA5}">
+                      <a16:colId xmlns:a16="http://schemas.microsoft.com/office/drawing/2014/main" val="20003"/>
+                    </a:ext>
+                  </a:extLst>
+                </a:gridCol>
               </a:tblGrid>
               <a:tr h="411480">
                 <a:tc>
@@ -27114,6 +28189,11 @@
                     </a:solidFill>
                   </a:tcPr>
                 </a:tc>
+                <a:extLst>
+                  <a:ext uri="{0D108BD9-81ED-4DB2-BD59-A6C34878D82A}">
+                    <a16:rowId xmlns:a16="http://schemas.microsoft.com/office/drawing/2014/main" val="10000"/>
+                  </a:ext>
+                </a:extLst>
               </a:tr>
               <a:tr h="411480">
                 <a:tc>
@@ -27236,6 +28316,11 @@
                     </a:solidFill>
                   </a:tcPr>
                 </a:tc>
+                <a:extLst>
+                  <a:ext uri="{0D108BD9-81ED-4DB2-BD59-A6C34878D82A}">
+                    <a16:rowId xmlns:a16="http://schemas.microsoft.com/office/drawing/2014/main" val="10001"/>
+                  </a:ext>
+                </a:extLst>
               </a:tr>
               <a:tr h="411480">
                 <a:tc>
@@ -27358,6 +28443,11 @@
                     </a:solidFill>
                   </a:tcPr>
                 </a:tc>
+                <a:extLst>
+                  <a:ext uri="{0D108BD9-81ED-4DB2-BD59-A6C34878D82A}">
+                    <a16:rowId xmlns:a16="http://schemas.microsoft.com/office/drawing/2014/main" val="10002"/>
+                  </a:ext>
+                </a:extLst>
               </a:tr>
               <a:tr h="411480">
                 <a:tc>
@@ -27480,6 +28570,11 @@
                     </a:solidFill>
                   </a:tcPr>
                 </a:tc>
+                <a:extLst>
+                  <a:ext uri="{0D108BD9-81ED-4DB2-BD59-A6C34878D82A}">
+                    <a16:rowId xmlns:a16="http://schemas.microsoft.com/office/drawing/2014/main" val="10003"/>
+                  </a:ext>
+                </a:extLst>
               </a:tr>
               <a:tr h="411480">
                 <a:tc>
@@ -27602,6 +28697,11 @@
                     </a:solidFill>
                   </a:tcPr>
                 </a:tc>
+                <a:extLst>
+                  <a:ext uri="{0D108BD9-81ED-4DB2-BD59-A6C34878D82A}">
+                    <a16:rowId xmlns:a16="http://schemas.microsoft.com/office/drawing/2014/main" val="10004"/>
+                  </a:ext>
+                </a:extLst>
               </a:tr>
               <a:tr h="411480">
                 <a:tc>
@@ -27724,6 +28824,11 @@
                     </a:solidFill>
                   </a:tcPr>
                 </a:tc>
+                <a:extLst>
+                  <a:ext uri="{0D108BD9-81ED-4DB2-BD59-A6C34878D82A}">
+                    <a16:rowId xmlns:a16="http://schemas.microsoft.com/office/drawing/2014/main" val="10005"/>
+                  </a:ext>
+                </a:extLst>
               </a:tr>
             </a:tbl>
           </a:graphicData>
@@ -27738,7 +28843,7 @@
 </file>
 
 <file path=ppt/slides/slide5.xml><?xml version="1.0" encoding="utf-8"?>
-<p:sld xmlns:a="http://schemas.openxmlformats.org/drawingml/2006/main" xmlns:p="http://schemas.openxmlformats.org/presentationml/2006/main" xmlns:r="http://schemas.openxmlformats.org/officeDocument/2006/relationships">
+<p:sld xmlns:a="http://schemas.openxmlformats.org/drawingml/2006/main" xmlns:r="http://schemas.openxmlformats.org/officeDocument/2006/relationships" xmlns:p="http://schemas.openxmlformats.org/presentationml/2006/main">
   <p:cSld>
     <p:spTree>
       <p:nvGrpSpPr>
@@ -27746,7 +28851,14 @@
         <p:cNvGrpSpPr/>
         <p:nvPr/>
       </p:nvGrpSpPr>
-      <p:grpSpPr/>
+      <p:grpSpPr>
+        <a:xfrm>
+          <a:off x="0" y="0"/>
+          <a:ext cx="0" cy="0"/>
+          <a:chOff x="0" y="0"/>
+          <a:chExt cx="0" cy="0"/>
+        </a:xfrm>
+      </p:grpSpPr>
       <p:sp>
         <p:nvSpPr>
           <p:cNvPr id="2" name="Rectangle 1"/>
@@ -27787,6 +28899,7 @@
           <a:lstStyle/>
           <a:p>
             <a:pPr algn="ctr"/>
+            <a:endParaRPr/>
           </a:p>
         </p:txBody>
       </p:sp>
@@ -27917,10 +29030,34 @@
                 <a:tableStyleId>{5C22544A-7EE6-4342-B048-85BDC9FD1C3A}</a:tableStyleId>
               </a:tblPr>
               <a:tblGrid>
-                <a:gridCol w="2011680"/>
-                <a:gridCol w="1828800"/>
-                <a:gridCol w="5029200"/>
-                <a:gridCol w="1645920"/>
+                <a:gridCol w="2011680">
+                  <a:extLst>
+                    <a:ext uri="{9D8B030D-6E8A-4147-A177-3AD203B41FA5}">
+                      <a16:colId xmlns:a16="http://schemas.microsoft.com/office/drawing/2014/main" val="20000"/>
+                    </a:ext>
+                  </a:extLst>
+                </a:gridCol>
+                <a:gridCol w="1828800">
+                  <a:extLst>
+                    <a:ext uri="{9D8B030D-6E8A-4147-A177-3AD203B41FA5}">
+                      <a16:colId xmlns:a16="http://schemas.microsoft.com/office/drawing/2014/main" val="20001"/>
+                    </a:ext>
+                  </a:extLst>
+                </a:gridCol>
+                <a:gridCol w="5029200">
+                  <a:extLst>
+                    <a:ext uri="{9D8B030D-6E8A-4147-A177-3AD203B41FA5}">
+                      <a16:colId xmlns:a16="http://schemas.microsoft.com/office/drawing/2014/main" val="20002"/>
+                    </a:ext>
+                  </a:extLst>
+                </a:gridCol>
+                <a:gridCol w="1645920">
+                  <a:extLst>
+                    <a:ext uri="{9D8B030D-6E8A-4147-A177-3AD203B41FA5}">
+                      <a16:colId xmlns:a16="http://schemas.microsoft.com/office/drawing/2014/main" val="20003"/>
+                    </a:ext>
+                  </a:extLst>
+                </a:gridCol>
               </a:tblGrid>
               <a:tr h="411480">
                 <a:tc>
@@ -28043,6 +29180,11 @@
                     </a:solidFill>
                   </a:tcPr>
                 </a:tc>
+                <a:extLst>
+                  <a:ext uri="{0D108BD9-81ED-4DB2-BD59-A6C34878D82A}">
+                    <a16:rowId xmlns:a16="http://schemas.microsoft.com/office/drawing/2014/main" val="10000"/>
+                  </a:ext>
+                </a:extLst>
               </a:tr>
               <a:tr h="411480">
                 <a:tc>
@@ -28165,6 +29307,11 @@
                     </a:solidFill>
                   </a:tcPr>
                 </a:tc>
+                <a:extLst>
+                  <a:ext uri="{0D108BD9-81ED-4DB2-BD59-A6C34878D82A}">
+                    <a16:rowId xmlns:a16="http://schemas.microsoft.com/office/drawing/2014/main" val="10001"/>
+                  </a:ext>
+                </a:extLst>
               </a:tr>
               <a:tr h="411480">
                 <a:tc>
@@ -28287,6 +29434,11 @@
                     </a:solidFill>
                   </a:tcPr>
                 </a:tc>
+                <a:extLst>
+                  <a:ext uri="{0D108BD9-81ED-4DB2-BD59-A6C34878D82A}">
+                    <a16:rowId xmlns:a16="http://schemas.microsoft.com/office/drawing/2014/main" val="10002"/>
+                  </a:ext>
+                </a:extLst>
               </a:tr>
               <a:tr h="411480">
                 <a:tc>
@@ -28409,6 +29561,11 @@
                     </a:solidFill>
                   </a:tcPr>
                 </a:tc>
+                <a:extLst>
+                  <a:ext uri="{0D108BD9-81ED-4DB2-BD59-A6C34878D82A}">
+                    <a16:rowId xmlns:a16="http://schemas.microsoft.com/office/drawing/2014/main" val="10003"/>
+                  </a:ext>
+                </a:extLst>
               </a:tr>
               <a:tr h="411480">
                 <a:tc>
@@ -28531,6 +29688,11 @@
                     </a:solidFill>
                   </a:tcPr>
                 </a:tc>
+                <a:extLst>
+                  <a:ext uri="{0D108BD9-81ED-4DB2-BD59-A6C34878D82A}">
+                    <a16:rowId xmlns:a16="http://schemas.microsoft.com/office/drawing/2014/main" val="10004"/>
+                  </a:ext>
+                </a:extLst>
               </a:tr>
               <a:tr h="411480">
                 <a:tc>
@@ -28653,6 +29815,11 @@
                     </a:solidFill>
                   </a:tcPr>
                 </a:tc>
+                <a:extLst>
+                  <a:ext uri="{0D108BD9-81ED-4DB2-BD59-A6C34878D82A}">
+                    <a16:rowId xmlns:a16="http://schemas.microsoft.com/office/drawing/2014/main" val="10005"/>
+                  </a:ext>
+                </a:extLst>
               </a:tr>
             </a:tbl>
           </a:graphicData>
@@ -28703,7 +29870,7 @@
 </file>
 
 <file path=ppt/slides/slide50.xml><?xml version="1.0" encoding="utf-8"?>
-<p:sld xmlns:a="http://schemas.openxmlformats.org/drawingml/2006/main" xmlns:p="http://schemas.openxmlformats.org/presentationml/2006/main" xmlns:r="http://schemas.openxmlformats.org/officeDocument/2006/relationships">
+<p:sld xmlns:a="http://schemas.openxmlformats.org/drawingml/2006/main" xmlns:r="http://schemas.openxmlformats.org/officeDocument/2006/relationships" xmlns:p="http://schemas.openxmlformats.org/presentationml/2006/main">
   <p:cSld>
     <p:spTree>
       <p:nvGrpSpPr>
@@ -28711,7 +29878,14 @@
         <p:cNvGrpSpPr/>
         <p:nvPr/>
       </p:nvGrpSpPr>
-      <p:grpSpPr/>
+      <p:grpSpPr>
+        <a:xfrm>
+          <a:off x="0" y="0"/>
+          <a:ext cx="0" cy="0"/>
+          <a:chOff x="0" y="0"/>
+          <a:chExt cx="0" cy="0"/>
+        </a:xfrm>
+      </p:grpSpPr>
       <p:sp>
         <p:nvSpPr>
           <p:cNvPr id="2" name="Rectangle 1"/>
@@ -28752,6 +29926,7 @@
           <a:lstStyle/>
           <a:p>
             <a:pPr algn="ctr"/>
+            <a:endParaRPr/>
           </a:p>
         </p:txBody>
       </p:sp>
@@ -28882,9 +30057,27 @@
                 <a:tableStyleId>{5C22544A-7EE6-4342-B048-85BDC9FD1C3A}</a:tableStyleId>
               </a:tblPr>
               <a:tblGrid>
-                <a:gridCol w="2286000"/>
-                <a:gridCol w="4114800"/>
-                <a:gridCol w="4114800"/>
+                <a:gridCol w="2286000">
+                  <a:extLst>
+                    <a:ext uri="{9D8B030D-6E8A-4147-A177-3AD203B41FA5}">
+                      <a16:colId xmlns:a16="http://schemas.microsoft.com/office/drawing/2014/main" val="20000"/>
+                    </a:ext>
+                  </a:extLst>
+                </a:gridCol>
+                <a:gridCol w="4114800">
+                  <a:extLst>
+                    <a:ext uri="{9D8B030D-6E8A-4147-A177-3AD203B41FA5}">
+                      <a16:colId xmlns:a16="http://schemas.microsoft.com/office/drawing/2014/main" val="20001"/>
+                    </a:ext>
+                  </a:extLst>
+                </a:gridCol>
+                <a:gridCol w="4114800">
+                  <a:extLst>
+                    <a:ext uri="{9D8B030D-6E8A-4147-A177-3AD203B41FA5}">
+                      <a16:colId xmlns:a16="http://schemas.microsoft.com/office/drawing/2014/main" val="20002"/>
+                    </a:ext>
+                  </a:extLst>
+                </a:gridCol>
               </a:tblGrid>
               <a:tr h="411480">
                 <a:tc>
@@ -28977,6 +30170,11 @@
                     </a:solidFill>
                   </a:tcPr>
                 </a:tc>
+                <a:extLst>
+                  <a:ext uri="{0D108BD9-81ED-4DB2-BD59-A6C34878D82A}">
+                    <a16:rowId xmlns:a16="http://schemas.microsoft.com/office/drawing/2014/main" val="10000"/>
+                  </a:ext>
+                </a:extLst>
               </a:tr>
               <a:tr h="411480">
                 <a:tc>
@@ -29069,6 +30267,11 @@
                     </a:solidFill>
                   </a:tcPr>
                 </a:tc>
+                <a:extLst>
+                  <a:ext uri="{0D108BD9-81ED-4DB2-BD59-A6C34878D82A}">
+                    <a16:rowId xmlns:a16="http://schemas.microsoft.com/office/drawing/2014/main" val="10001"/>
+                  </a:ext>
+                </a:extLst>
               </a:tr>
               <a:tr h="411480">
                 <a:tc>
@@ -29161,6 +30364,11 @@
                     </a:solidFill>
                   </a:tcPr>
                 </a:tc>
+                <a:extLst>
+                  <a:ext uri="{0D108BD9-81ED-4DB2-BD59-A6C34878D82A}">
+                    <a16:rowId xmlns:a16="http://schemas.microsoft.com/office/drawing/2014/main" val="10002"/>
+                  </a:ext>
+                </a:extLst>
               </a:tr>
               <a:tr h="411480">
                 <a:tc>
@@ -29253,6 +30461,11 @@
                     </a:solidFill>
                   </a:tcPr>
                 </a:tc>
+                <a:extLst>
+                  <a:ext uri="{0D108BD9-81ED-4DB2-BD59-A6C34878D82A}">
+                    <a16:rowId xmlns:a16="http://schemas.microsoft.com/office/drawing/2014/main" val="10003"/>
+                  </a:ext>
+                </a:extLst>
               </a:tr>
               <a:tr h="411480">
                 <a:tc>
@@ -29345,6 +30558,11 @@
                     </a:solidFill>
                   </a:tcPr>
                 </a:tc>
+                <a:extLst>
+                  <a:ext uri="{0D108BD9-81ED-4DB2-BD59-A6C34878D82A}">
+                    <a16:rowId xmlns:a16="http://schemas.microsoft.com/office/drawing/2014/main" val="10004"/>
+                  </a:ext>
+                </a:extLst>
               </a:tr>
               <a:tr h="411480">
                 <a:tc>
@@ -29437,6 +30655,11 @@
                     </a:solidFill>
                   </a:tcPr>
                 </a:tc>
+                <a:extLst>
+                  <a:ext uri="{0D108BD9-81ED-4DB2-BD59-A6C34878D82A}">
+                    <a16:rowId xmlns:a16="http://schemas.microsoft.com/office/drawing/2014/main" val="10005"/>
+                  </a:ext>
+                </a:extLst>
               </a:tr>
               <a:tr h="411480">
                 <a:tc>
@@ -29529,6 +30752,11 @@
                     </a:solidFill>
                   </a:tcPr>
                 </a:tc>
+                <a:extLst>
+                  <a:ext uri="{0D108BD9-81ED-4DB2-BD59-A6C34878D82A}">
+                    <a16:rowId xmlns:a16="http://schemas.microsoft.com/office/drawing/2014/main" val="10006"/>
+                  </a:ext>
+                </a:extLst>
               </a:tr>
               <a:tr h="411480">
                 <a:tc>
@@ -29621,6 +30849,11 @@
                     </a:solidFill>
                   </a:tcPr>
                 </a:tc>
+                <a:extLst>
+                  <a:ext uri="{0D108BD9-81ED-4DB2-BD59-A6C34878D82A}">
+                    <a16:rowId xmlns:a16="http://schemas.microsoft.com/office/drawing/2014/main" val="10007"/>
+                  </a:ext>
+                </a:extLst>
               </a:tr>
             </a:tbl>
           </a:graphicData>
@@ -29635,7 +30868,7 @@
 </file>
 
 <file path=ppt/slides/slide51.xml><?xml version="1.0" encoding="utf-8"?>
-<p:sld xmlns:a="http://schemas.openxmlformats.org/drawingml/2006/main" xmlns:p="http://schemas.openxmlformats.org/presentationml/2006/main" xmlns:r="http://schemas.openxmlformats.org/officeDocument/2006/relationships">
+<p:sld xmlns:a="http://schemas.openxmlformats.org/drawingml/2006/main" xmlns:r="http://schemas.openxmlformats.org/officeDocument/2006/relationships" xmlns:p="http://schemas.openxmlformats.org/presentationml/2006/main">
   <p:cSld>
     <p:spTree>
       <p:nvGrpSpPr>
@@ -29643,7 +30876,14 @@
         <p:cNvGrpSpPr/>
         <p:nvPr/>
       </p:nvGrpSpPr>
-      <p:grpSpPr/>
+      <p:grpSpPr>
+        <a:xfrm>
+          <a:off x="0" y="0"/>
+          <a:ext cx="0" cy="0"/>
+          <a:chOff x="0" y="0"/>
+          <a:chExt cx="0" cy="0"/>
+        </a:xfrm>
+      </p:grpSpPr>
       <p:sp>
         <p:nvSpPr>
           <p:cNvPr id="2" name="Rectangle 1"/>
@@ -29684,6 +30924,7 @@
           <a:lstStyle/>
           <a:p>
             <a:pPr algn="ctr"/>
+            <a:endParaRPr/>
           </a:p>
         </p:txBody>
       </p:sp>
@@ -30031,7 +31272,7 @@
 </file>
 
 <file path=ppt/slides/slide52.xml><?xml version="1.0" encoding="utf-8"?>
-<p:sld xmlns:a="http://schemas.openxmlformats.org/drawingml/2006/main" xmlns:p="http://schemas.openxmlformats.org/presentationml/2006/main" xmlns:r="http://schemas.openxmlformats.org/officeDocument/2006/relationships">
+<p:sld xmlns:a="http://schemas.openxmlformats.org/drawingml/2006/main" xmlns:r="http://schemas.openxmlformats.org/officeDocument/2006/relationships" xmlns:p="http://schemas.openxmlformats.org/presentationml/2006/main">
   <p:cSld>
     <p:spTree>
       <p:nvGrpSpPr>
@@ -30039,7 +31280,14 @@
         <p:cNvGrpSpPr/>
         <p:nvPr/>
       </p:nvGrpSpPr>
-      <p:grpSpPr/>
+      <p:grpSpPr>
+        <a:xfrm>
+          <a:off x="0" y="0"/>
+          <a:ext cx="0" cy="0"/>
+          <a:chOff x="0" y="0"/>
+          <a:chExt cx="0" cy="0"/>
+        </a:xfrm>
+      </p:grpSpPr>
       <p:sp>
         <p:nvSpPr>
           <p:cNvPr id="2" name="Rectangle 1"/>
@@ -30080,6 +31328,7 @@
           <a:lstStyle/>
           <a:p>
             <a:pPr algn="ctr"/>
+            <a:endParaRPr/>
           </a:p>
         </p:txBody>
       </p:sp>
@@ -30461,7 +31710,7 @@
 </file>
 
 <file path=ppt/slides/slide53.xml><?xml version="1.0" encoding="utf-8"?>
-<p:sld xmlns:a="http://schemas.openxmlformats.org/drawingml/2006/main" xmlns:p="http://schemas.openxmlformats.org/presentationml/2006/main" xmlns:r="http://schemas.openxmlformats.org/officeDocument/2006/relationships">
+<p:sld xmlns:a="http://schemas.openxmlformats.org/drawingml/2006/main" xmlns:r="http://schemas.openxmlformats.org/officeDocument/2006/relationships" xmlns:p="http://schemas.openxmlformats.org/presentationml/2006/main">
   <p:cSld>
     <p:spTree>
       <p:nvGrpSpPr>
@@ -30469,7 +31718,14 @@
         <p:cNvGrpSpPr/>
         <p:nvPr/>
       </p:nvGrpSpPr>
-      <p:grpSpPr/>
+      <p:grpSpPr>
+        <a:xfrm>
+          <a:off x="0" y="0"/>
+          <a:ext cx="0" cy="0"/>
+          <a:chOff x="0" y="0"/>
+          <a:chExt cx="0" cy="0"/>
+        </a:xfrm>
+      </p:grpSpPr>
       <p:sp>
         <p:nvSpPr>
           <p:cNvPr id="2" name="Rectangle 1"/>
@@ -30510,6 +31766,7 @@
           <a:lstStyle/>
           <a:p>
             <a:pPr algn="ctr"/>
+            <a:endParaRPr/>
           </a:p>
         </p:txBody>
       </p:sp>
@@ -30891,7 +32148,7 @@
 </file>
 
 <file path=ppt/slides/slide54.xml><?xml version="1.0" encoding="utf-8"?>
-<p:sld xmlns:a="http://schemas.openxmlformats.org/drawingml/2006/main" xmlns:p="http://schemas.openxmlformats.org/presentationml/2006/main" xmlns:r="http://schemas.openxmlformats.org/officeDocument/2006/relationships">
+<p:sld xmlns:a="http://schemas.openxmlformats.org/drawingml/2006/main" xmlns:r="http://schemas.openxmlformats.org/officeDocument/2006/relationships" xmlns:p="http://schemas.openxmlformats.org/presentationml/2006/main">
   <p:cSld>
     <p:spTree>
       <p:nvGrpSpPr>
@@ -30899,7 +32156,14 @@
         <p:cNvGrpSpPr/>
         <p:nvPr/>
       </p:nvGrpSpPr>
-      <p:grpSpPr/>
+      <p:grpSpPr>
+        <a:xfrm>
+          <a:off x="0" y="0"/>
+          <a:ext cx="0" cy="0"/>
+          <a:chOff x="0" y="0"/>
+          <a:chExt cx="0" cy="0"/>
+        </a:xfrm>
+      </p:grpSpPr>
       <p:sp>
         <p:nvSpPr>
           <p:cNvPr id="2" name="Rectangle 1"/>
@@ -30940,6 +32204,7 @@
           <a:lstStyle/>
           <a:p>
             <a:pPr algn="ctr"/>
+            <a:endParaRPr/>
           </a:p>
         </p:txBody>
       </p:sp>
@@ -31070,11 +32335,41 @@
                 <a:tableStyleId>{5C22544A-7EE6-4342-B048-85BDC9FD1C3A}</a:tableStyleId>
               </a:tblPr>
               <a:tblGrid>
-                <a:gridCol w="2011680"/>
-                <a:gridCol w="1188720"/>
-                <a:gridCol w="3200400"/>
-                <a:gridCol w="1828800"/>
-                <a:gridCol w="2286000"/>
+                <a:gridCol w="2011680">
+                  <a:extLst>
+                    <a:ext uri="{9D8B030D-6E8A-4147-A177-3AD203B41FA5}">
+                      <a16:colId xmlns:a16="http://schemas.microsoft.com/office/drawing/2014/main" val="20000"/>
+                    </a:ext>
+                  </a:extLst>
+                </a:gridCol>
+                <a:gridCol w="1188720">
+                  <a:extLst>
+                    <a:ext uri="{9D8B030D-6E8A-4147-A177-3AD203B41FA5}">
+                      <a16:colId xmlns:a16="http://schemas.microsoft.com/office/drawing/2014/main" val="20001"/>
+                    </a:ext>
+                  </a:extLst>
+                </a:gridCol>
+                <a:gridCol w="3200400">
+                  <a:extLst>
+                    <a:ext uri="{9D8B030D-6E8A-4147-A177-3AD203B41FA5}">
+                      <a16:colId xmlns:a16="http://schemas.microsoft.com/office/drawing/2014/main" val="20002"/>
+                    </a:ext>
+                  </a:extLst>
+                </a:gridCol>
+                <a:gridCol w="1828800">
+                  <a:extLst>
+                    <a:ext uri="{9D8B030D-6E8A-4147-A177-3AD203B41FA5}">
+                      <a16:colId xmlns:a16="http://schemas.microsoft.com/office/drawing/2014/main" val="20003"/>
+                    </a:ext>
+                  </a:extLst>
+                </a:gridCol>
+                <a:gridCol w="2286000">
+                  <a:extLst>
+                    <a:ext uri="{9D8B030D-6E8A-4147-A177-3AD203B41FA5}">
+                      <a16:colId xmlns:a16="http://schemas.microsoft.com/office/drawing/2014/main" val="20004"/>
+                    </a:ext>
+                  </a:extLst>
+                </a:gridCol>
               </a:tblGrid>
               <a:tr h="411480">
                 <a:tc>
@@ -31227,6 +32522,11 @@
                     </a:solidFill>
                   </a:tcPr>
                 </a:tc>
+                <a:extLst>
+                  <a:ext uri="{0D108BD9-81ED-4DB2-BD59-A6C34878D82A}">
+                    <a16:rowId xmlns:a16="http://schemas.microsoft.com/office/drawing/2014/main" val="10000"/>
+                  </a:ext>
+                </a:extLst>
               </a:tr>
               <a:tr h="411480">
                 <a:tc>
@@ -31379,6 +32679,11 @@
                     </a:solidFill>
                   </a:tcPr>
                 </a:tc>
+                <a:extLst>
+                  <a:ext uri="{0D108BD9-81ED-4DB2-BD59-A6C34878D82A}">
+                    <a16:rowId xmlns:a16="http://schemas.microsoft.com/office/drawing/2014/main" val="10001"/>
+                  </a:ext>
+                </a:extLst>
               </a:tr>
               <a:tr h="411480">
                 <a:tc>
@@ -31531,6 +32836,11 @@
                     </a:solidFill>
                   </a:tcPr>
                 </a:tc>
+                <a:extLst>
+                  <a:ext uri="{0D108BD9-81ED-4DB2-BD59-A6C34878D82A}">
+                    <a16:rowId xmlns:a16="http://schemas.microsoft.com/office/drawing/2014/main" val="10002"/>
+                  </a:ext>
+                </a:extLst>
               </a:tr>
               <a:tr h="411480">
                 <a:tc>
@@ -31683,6 +32993,11 @@
                     </a:solidFill>
                   </a:tcPr>
                 </a:tc>
+                <a:extLst>
+                  <a:ext uri="{0D108BD9-81ED-4DB2-BD59-A6C34878D82A}">
+                    <a16:rowId xmlns:a16="http://schemas.microsoft.com/office/drawing/2014/main" val="10003"/>
+                  </a:ext>
+                </a:extLst>
               </a:tr>
               <a:tr h="411480">
                 <a:tc>
@@ -31835,6 +33150,11 @@
                     </a:solidFill>
                   </a:tcPr>
                 </a:tc>
+                <a:extLst>
+                  <a:ext uri="{0D108BD9-81ED-4DB2-BD59-A6C34878D82A}">
+                    <a16:rowId xmlns:a16="http://schemas.microsoft.com/office/drawing/2014/main" val="10004"/>
+                  </a:ext>
+                </a:extLst>
               </a:tr>
               <a:tr h="411480">
                 <a:tc>
@@ -31987,6 +33307,11 @@
                     </a:solidFill>
                   </a:tcPr>
                 </a:tc>
+                <a:extLst>
+                  <a:ext uri="{0D108BD9-81ED-4DB2-BD59-A6C34878D82A}">
+                    <a16:rowId xmlns:a16="http://schemas.microsoft.com/office/drawing/2014/main" val="10005"/>
+                  </a:ext>
+                </a:extLst>
               </a:tr>
             </a:tbl>
           </a:graphicData>
@@ -32001,7 +33326,7 @@
 </file>
 
 <file path=ppt/slides/slide55.xml><?xml version="1.0" encoding="utf-8"?>
-<p:sld xmlns:a="http://schemas.openxmlformats.org/drawingml/2006/main" xmlns:p="http://schemas.openxmlformats.org/presentationml/2006/main" xmlns:r="http://schemas.openxmlformats.org/officeDocument/2006/relationships">
+<p:sld xmlns:a="http://schemas.openxmlformats.org/drawingml/2006/main" xmlns:r="http://schemas.openxmlformats.org/officeDocument/2006/relationships" xmlns:p="http://schemas.openxmlformats.org/presentationml/2006/main">
   <p:cSld>
     <p:spTree>
       <p:nvGrpSpPr>
@@ -32009,7 +33334,14 @@
         <p:cNvGrpSpPr/>
         <p:nvPr/>
       </p:nvGrpSpPr>
-      <p:grpSpPr/>
+      <p:grpSpPr>
+        <a:xfrm>
+          <a:off x="0" y="0"/>
+          <a:ext cx="0" cy="0"/>
+          <a:chOff x="0" y="0"/>
+          <a:chExt cx="0" cy="0"/>
+        </a:xfrm>
+      </p:grpSpPr>
       <p:sp>
         <p:nvSpPr>
           <p:cNvPr id="2" name="Rectangle 1"/>
@@ -32050,6 +33382,7 @@
           <a:lstStyle/>
           <a:p>
             <a:pPr algn="ctr"/>
+            <a:endParaRPr/>
           </a:p>
         </p:txBody>
       </p:sp>
@@ -32180,12 +33513,48 @@
                 <a:tableStyleId>{5C22544A-7EE6-4342-B048-85BDC9FD1C3A}</a:tableStyleId>
               </a:tblPr>
               <a:tblGrid>
-                <a:gridCol w="2011680"/>
-                <a:gridCol w="1188720"/>
-                <a:gridCol w="1371600"/>
-                <a:gridCol w="1371600"/>
-                <a:gridCol w="1371600"/>
-                <a:gridCol w="3200400"/>
+                <a:gridCol w="2011680">
+                  <a:extLst>
+                    <a:ext uri="{9D8B030D-6E8A-4147-A177-3AD203B41FA5}">
+                      <a16:colId xmlns:a16="http://schemas.microsoft.com/office/drawing/2014/main" val="20000"/>
+                    </a:ext>
+                  </a:extLst>
+                </a:gridCol>
+                <a:gridCol w="1188720">
+                  <a:extLst>
+                    <a:ext uri="{9D8B030D-6E8A-4147-A177-3AD203B41FA5}">
+                      <a16:colId xmlns:a16="http://schemas.microsoft.com/office/drawing/2014/main" val="20001"/>
+                    </a:ext>
+                  </a:extLst>
+                </a:gridCol>
+                <a:gridCol w="1371600">
+                  <a:extLst>
+                    <a:ext uri="{9D8B030D-6E8A-4147-A177-3AD203B41FA5}">
+                      <a16:colId xmlns:a16="http://schemas.microsoft.com/office/drawing/2014/main" val="20002"/>
+                    </a:ext>
+                  </a:extLst>
+                </a:gridCol>
+                <a:gridCol w="1371600">
+                  <a:extLst>
+                    <a:ext uri="{9D8B030D-6E8A-4147-A177-3AD203B41FA5}">
+                      <a16:colId xmlns:a16="http://schemas.microsoft.com/office/drawing/2014/main" val="20003"/>
+                    </a:ext>
+                  </a:extLst>
+                </a:gridCol>
+                <a:gridCol w="1371600">
+                  <a:extLst>
+                    <a:ext uri="{9D8B030D-6E8A-4147-A177-3AD203B41FA5}">
+                      <a16:colId xmlns:a16="http://schemas.microsoft.com/office/drawing/2014/main" val="20004"/>
+                    </a:ext>
+                  </a:extLst>
+                </a:gridCol>
+                <a:gridCol w="3200400">
+                  <a:extLst>
+                    <a:ext uri="{9D8B030D-6E8A-4147-A177-3AD203B41FA5}">
+                      <a16:colId xmlns:a16="http://schemas.microsoft.com/office/drawing/2014/main" val="20005"/>
+                    </a:ext>
+                  </a:extLst>
+                </a:gridCol>
               </a:tblGrid>
               <a:tr h="411480">
                 <a:tc>
@@ -32368,6 +33737,11 @@
                     </a:solidFill>
                   </a:tcPr>
                 </a:tc>
+                <a:extLst>
+                  <a:ext uri="{0D108BD9-81ED-4DB2-BD59-A6C34878D82A}">
+                    <a16:rowId xmlns:a16="http://schemas.microsoft.com/office/drawing/2014/main" val="10000"/>
+                  </a:ext>
+                </a:extLst>
               </a:tr>
               <a:tr h="411480">
                 <a:tc>
@@ -32550,6 +33924,11 @@
                     </a:solidFill>
                   </a:tcPr>
                 </a:tc>
+                <a:extLst>
+                  <a:ext uri="{0D108BD9-81ED-4DB2-BD59-A6C34878D82A}">
+                    <a16:rowId xmlns:a16="http://schemas.microsoft.com/office/drawing/2014/main" val="10001"/>
+                  </a:ext>
+                </a:extLst>
               </a:tr>
               <a:tr h="411480">
                 <a:tc>
@@ -32732,6 +34111,11 @@
                     </a:solidFill>
                   </a:tcPr>
                 </a:tc>
+                <a:extLst>
+                  <a:ext uri="{0D108BD9-81ED-4DB2-BD59-A6C34878D82A}">
+                    <a16:rowId xmlns:a16="http://schemas.microsoft.com/office/drawing/2014/main" val="10002"/>
+                  </a:ext>
+                </a:extLst>
               </a:tr>
               <a:tr h="411480">
                 <a:tc>
@@ -32914,6 +34298,11 @@
                     </a:solidFill>
                   </a:tcPr>
                 </a:tc>
+                <a:extLst>
+                  <a:ext uri="{0D108BD9-81ED-4DB2-BD59-A6C34878D82A}">
+                    <a16:rowId xmlns:a16="http://schemas.microsoft.com/office/drawing/2014/main" val="10003"/>
+                  </a:ext>
+                </a:extLst>
               </a:tr>
               <a:tr h="411480">
                 <a:tc>
@@ -33096,6 +34485,11 @@
                     </a:solidFill>
                   </a:tcPr>
                 </a:tc>
+                <a:extLst>
+                  <a:ext uri="{0D108BD9-81ED-4DB2-BD59-A6C34878D82A}">
+                    <a16:rowId xmlns:a16="http://schemas.microsoft.com/office/drawing/2014/main" val="10004"/>
+                  </a:ext>
+                </a:extLst>
               </a:tr>
             </a:tbl>
           </a:graphicData>
@@ -33146,7 +34540,7 @@
 </file>
 
 <file path=ppt/slides/slide56.xml><?xml version="1.0" encoding="utf-8"?>
-<p:sld xmlns:a="http://schemas.openxmlformats.org/drawingml/2006/main" xmlns:p="http://schemas.openxmlformats.org/presentationml/2006/main" xmlns:r="http://schemas.openxmlformats.org/officeDocument/2006/relationships">
+<p:sld xmlns:a="http://schemas.openxmlformats.org/drawingml/2006/main" xmlns:r="http://schemas.openxmlformats.org/officeDocument/2006/relationships" xmlns:p="http://schemas.openxmlformats.org/presentationml/2006/main">
   <p:cSld>
     <p:spTree>
       <p:nvGrpSpPr>
@@ -33154,7 +34548,14 @@
         <p:cNvGrpSpPr/>
         <p:nvPr/>
       </p:nvGrpSpPr>
-      <p:grpSpPr/>
+      <p:grpSpPr>
+        <a:xfrm>
+          <a:off x="0" y="0"/>
+          <a:ext cx="0" cy="0"/>
+          <a:chOff x="0" y="0"/>
+          <a:chExt cx="0" cy="0"/>
+        </a:xfrm>
+      </p:grpSpPr>
       <p:sp>
         <p:nvSpPr>
           <p:cNvPr id="2" name="Rectangle 1"/>
@@ -33195,6 +34596,7 @@
           <a:lstStyle/>
           <a:p>
             <a:pPr algn="ctr"/>
+            <a:endParaRPr/>
           </a:p>
         </p:txBody>
       </p:sp>
@@ -33325,10 +34727,34 @@
                 <a:tableStyleId>{5C22544A-7EE6-4342-B048-85BDC9FD1C3A}</a:tableStyleId>
               </a:tblPr>
               <a:tblGrid>
-                <a:gridCol w="1645920"/>
-                <a:gridCol w="2926080"/>
-                <a:gridCol w="1188720"/>
-                <a:gridCol w="4754880"/>
+                <a:gridCol w="1645920">
+                  <a:extLst>
+                    <a:ext uri="{9D8B030D-6E8A-4147-A177-3AD203B41FA5}">
+                      <a16:colId xmlns:a16="http://schemas.microsoft.com/office/drawing/2014/main" val="20000"/>
+                    </a:ext>
+                  </a:extLst>
+                </a:gridCol>
+                <a:gridCol w="2926080">
+                  <a:extLst>
+                    <a:ext uri="{9D8B030D-6E8A-4147-A177-3AD203B41FA5}">
+                      <a16:colId xmlns:a16="http://schemas.microsoft.com/office/drawing/2014/main" val="20001"/>
+                    </a:ext>
+                  </a:extLst>
+                </a:gridCol>
+                <a:gridCol w="1188720">
+                  <a:extLst>
+                    <a:ext uri="{9D8B030D-6E8A-4147-A177-3AD203B41FA5}">
+                      <a16:colId xmlns:a16="http://schemas.microsoft.com/office/drawing/2014/main" val="20002"/>
+                    </a:ext>
+                  </a:extLst>
+                </a:gridCol>
+                <a:gridCol w="4754880">
+                  <a:extLst>
+                    <a:ext uri="{9D8B030D-6E8A-4147-A177-3AD203B41FA5}">
+                      <a16:colId xmlns:a16="http://schemas.microsoft.com/office/drawing/2014/main" val="20003"/>
+                    </a:ext>
+                  </a:extLst>
+                </a:gridCol>
               </a:tblGrid>
               <a:tr h="411480">
                 <a:tc>
@@ -33451,6 +34877,11 @@
                     </a:solidFill>
                   </a:tcPr>
                 </a:tc>
+                <a:extLst>
+                  <a:ext uri="{0D108BD9-81ED-4DB2-BD59-A6C34878D82A}">
+                    <a16:rowId xmlns:a16="http://schemas.microsoft.com/office/drawing/2014/main" val="10000"/>
+                  </a:ext>
+                </a:extLst>
               </a:tr>
               <a:tr h="411480">
                 <a:tc>
@@ -33573,6 +35004,11 @@
                     </a:solidFill>
                   </a:tcPr>
                 </a:tc>
+                <a:extLst>
+                  <a:ext uri="{0D108BD9-81ED-4DB2-BD59-A6C34878D82A}">
+                    <a16:rowId xmlns:a16="http://schemas.microsoft.com/office/drawing/2014/main" val="10001"/>
+                  </a:ext>
+                </a:extLst>
               </a:tr>
               <a:tr h="411480">
                 <a:tc>
@@ -33695,6 +35131,11 @@
                     </a:solidFill>
                   </a:tcPr>
                 </a:tc>
+                <a:extLst>
+                  <a:ext uri="{0D108BD9-81ED-4DB2-BD59-A6C34878D82A}">
+                    <a16:rowId xmlns:a16="http://schemas.microsoft.com/office/drawing/2014/main" val="10002"/>
+                  </a:ext>
+                </a:extLst>
               </a:tr>
               <a:tr h="411480">
                 <a:tc>
@@ -33817,6 +35258,11 @@
                     </a:solidFill>
                   </a:tcPr>
                 </a:tc>
+                <a:extLst>
+                  <a:ext uri="{0D108BD9-81ED-4DB2-BD59-A6C34878D82A}">
+                    <a16:rowId xmlns:a16="http://schemas.microsoft.com/office/drawing/2014/main" val="10003"/>
+                  </a:ext>
+                </a:extLst>
               </a:tr>
               <a:tr h="411480">
                 <a:tc>
@@ -33939,6 +35385,11 @@
                     </a:solidFill>
                   </a:tcPr>
                 </a:tc>
+                <a:extLst>
+                  <a:ext uri="{0D108BD9-81ED-4DB2-BD59-A6C34878D82A}">
+                    <a16:rowId xmlns:a16="http://schemas.microsoft.com/office/drawing/2014/main" val="10004"/>
+                  </a:ext>
+                </a:extLst>
               </a:tr>
               <a:tr h="411480">
                 <a:tc>
@@ -34061,6 +35512,11 @@
                     </a:solidFill>
                   </a:tcPr>
                 </a:tc>
+                <a:extLst>
+                  <a:ext uri="{0D108BD9-81ED-4DB2-BD59-A6C34878D82A}">
+                    <a16:rowId xmlns:a16="http://schemas.microsoft.com/office/drawing/2014/main" val="10005"/>
+                  </a:ext>
+                </a:extLst>
               </a:tr>
               <a:tr h="411480">
                 <a:tc>
@@ -34183,6 +35639,11 @@
                     </a:solidFill>
                   </a:tcPr>
                 </a:tc>
+                <a:extLst>
+                  <a:ext uri="{0D108BD9-81ED-4DB2-BD59-A6C34878D82A}">
+                    <a16:rowId xmlns:a16="http://schemas.microsoft.com/office/drawing/2014/main" val="10006"/>
+                  </a:ext>
+                </a:extLst>
               </a:tr>
               <a:tr h="411480">
                 <a:tc>
@@ -34305,6 +35766,11 @@
                     </a:solidFill>
                   </a:tcPr>
                 </a:tc>
+                <a:extLst>
+                  <a:ext uri="{0D108BD9-81ED-4DB2-BD59-A6C34878D82A}">
+                    <a16:rowId xmlns:a16="http://schemas.microsoft.com/office/drawing/2014/main" val="10007"/>
+                  </a:ext>
+                </a:extLst>
               </a:tr>
             </a:tbl>
           </a:graphicData>
@@ -34319,7 +35785,7 @@
 </file>
 
 <file path=ppt/slides/slide57.xml><?xml version="1.0" encoding="utf-8"?>
-<p:sld xmlns:a="http://schemas.openxmlformats.org/drawingml/2006/main" xmlns:p="http://schemas.openxmlformats.org/presentationml/2006/main" xmlns:r="http://schemas.openxmlformats.org/officeDocument/2006/relationships">
+<p:sld xmlns:a="http://schemas.openxmlformats.org/drawingml/2006/main" xmlns:r="http://schemas.openxmlformats.org/officeDocument/2006/relationships" xmlns:p="http://schemas.openxmlformats.org/presentationml/2006/main">
   <p:cSld>
     <p:spTree>
       <p:nvGrpSpPr>
@@ -34327,7 +35793,14 @@
         <p:cNvGrpSpPr/>
         <p:nvPr/>
       </p:nvGrpSpPr>
-      <p:grpSpPr/>
+      <p:grpSpPr>
+        <a:xfrm>
+          <a:off x="0" y="0"/>
+          <a:ext cx="0" cy="0"/>
+          <a:chOff x="0" y="0"/>
+          <a:chExt cx="0" cy="0"/>
+        </a:xfrm>
+      </p:grpSpPr>
       <p:sp>
         <p:nvSpPr>
           <p:cNvPr id="2" name="Rectangle 1"/>
@@ -34368,6 +35841,7 @@
           <a:lstStyle/>
           <a:p>
             <a:pPr algn="ctr"/>
+            <a:endParaRPr/>
           </a:p>
         </p:txBody>
       </p:sp>
@@ -34715,7 +36189,7 @@
 </file>
 
 <file path=ppt/slides/slide58.xml><?xml version="1.0" encoding="utf-8"?>
-<p:sld xmlns:a="http://schemas.openxmlformats.org/drawingml/2006/main" xmlns:p="http://schemas.openxmlformats.org/presentationml/2006/main" xmlns:r="http://schemas.openxmlformats.org/officeDocument/2006/relationships">
+<p:sld xmlns:a="http://schemas.openxmlformats.org/drawingml/2006/main" xmlns:r="http://schemas.openxmlformats.org/officeDocument/2006/relationships" xmlns:p="http://schemas.openxmlformats.org/presentationml/2006/main">
   <p:cSld>
     <p:spTree>
       <p:nvGrpSpPr>
@@ -34723,7 +36197,14 @@
         <p:cNvGrpSpPr/>
         <p:nvPr/>
       </p:nvGrpSpPr>
-      <p:grpSpPr/>
+      <p:grpSpPr>
+        <a:xfrm>
+          <a:off x="0" y="0"/>
+          <a:ext cx="0" cy="0"/>
+          <a:chOff x="0" y="0"/>
+          <a:chExt cx="0" cy="0"/>
+        </a:xfrm>
+      </p:grpSpPr>
       <p:sp>
         <p:nvSpPr>
           <p:cNvPr id="2" name="Rectangle 1"/>
@@ -34764,6 +36245,7 @@
           <a:lstStyle/>
           <a:p>
             <a:pPr algn="ctr"/>
+            <a:endParaRPr/>
           </a:p>
         </p:txBody>
       </p:sp>
@@ -34915,6 +36397,7 @@
           <a:lstStyle/>
           <a:p>
             <a:pPr algn="ctr"/>
+            <a:endParaRPr/>
           </a:p>
         </p:txBody>
       </p:sp>
@@ -35122,7 +36605,7 @@
 </file>
 
 <file path=ppt/slides/slide59.xml><?xml version="1.0" encoding="utf-8"?>
-<p:sld xmlns:a="http://schemas.openxmlformats.org/drawingml/2006/main" xmlns:p="http://schemas.openxmlformats.org/presentationml/2006/main" xmlns:r="http://schemas.openxmlformats.org/officeDocument/2006/relationships">
+<p:sld xmlns:a="http://schemas.openxmlformats.org/drawingml/2006/main" xmlns:r="http://schemas.openxmlformats.org/officeDocument/2006/relationships" xmlns:p="http://schemas.openxmlformats.org/presentationml/2006/main">
   <p:cSld>
     <p:spTree>
       <p:nvGrpSpPr>
@@ -35130,7 +36613,14 @@
         <p:cNvGrpSpPr/>
         <p:nvPr/>
       </p:nvGrpSpPr>
-      <p:grpSpPr/>
+      <p:grpSpPr>
+        <a:xfrm>
+          <a:off x="0" y="0"/>
+          <a:ext cx="0" cy="0"/>
+          <a:chOff x="0" y="0"/>
+          <a:chExt cx="0" cy="0"/>
+        </a:xfrm>
+      </p:grpSpPr>
       <p:sp>
         <p:nvSpPr>
           <p:cNvPr id="2" name="Rectangle 1"/>
@@ -35171,6 +36661,7 @@
           <a:lstStyle/>
           <a:p>
             <a:pPr algn="ctr"/>
+            <a:endParaRPr/>
           </a:p>
         </p:txBody>
       </p:sp>
@@ -35214,6 +36705,7 @@
           <a:lstStyle/>
           <a:p>
             <a:pPr algn="ctr"/>
+            <a:endParaRPr/>
           </a:p>
         </p:txBody>
       </p:sp>
@@ -35522,7 +37014,7 @@
 </file>
 
 <file path=ppt/slides/slide6.xml><?xml version="1.0" encoding="utf-8"?>
-<p:sld xmlns:a="http://schemas.openxmlformats.org/drawingml/2006/main" xmlns:p="http://schemas.openxmlformats.org/presentationml/2006/main" xmlns:r="http://schemas.openxmlformats.org/officeDocument/2006/relationships">
+<p:sld xmlns:a="http://schemas.openxmlformats.org/drawingml/2006/main" xmlns:r="http://schemas.openxmlformats.org/officeDocument/2006/relationships" xmlns:p="http://schemas.openxmlformats.org/presentationml/2006/main">
   <p:cSld>
     <p:spTree>
       <p:nvGrpSpPr>
@@ -35530,7 +37022,14 @@
         <p:cNvGrpSpPr/>
         <p:nvPr/>
       </p:nvGrpSpPr>
-      <p:grpSpPr/>
+      <p:grpSpPr>
+        <a:xfrm>
+          <a:off x="0" y="0"/>
+          <a:ext cx="0" cy="0"/>
+          <a:chOff x="0" y="0"/>
+          <a:chExt cx="0" cy="0"/>
+        </a:xfrm>
+      </p:grpSpPr>
       <p:sp>
         <p:nvSpPr>
           <p:cNvPr id="2" name="Rectangle 1"/>
@@ -35571,6 +37070,7 @@
           <a:lstStyle/>
           <a:p>
             <a:pPr algn="ctr"/>
+            <a:endParaRPr/>
           </a:p>
         </p:txBody>
       </p:sp>
@@ -35852,7 +37352,7 @@
 </file>
 
 <file path=ppt/slides/slide60.xml><?xml version="1.0" encoding="utf-8"?>
-<p:sld xmlns:a="http://schemas.openxmlformats.org/drawingml/2006/main" xmlns:p="http://schemas.openxmlformats.org/presentationml/2006/main" xmlns:r="http://schemas.openxmlformats.org/officeDocument/2006/relationships">
+<p:sld xmlns:a="http://schemas.openxmlformats.org/drawingml/2006/main" xmlns:r="http://schemas.openxmlformats.org/officeDocument/2006/relationships" xmlns:p="http://schemas.openxmlformats.org/presentationml/2006/main">
   <p:cSld>
     <p:spTree>
       <p:nvGrpSpPr>
@@ -35860,7 +37360,14 @@
         <p:cNvGrpSpPr/>
         <p:nvPr/>
       </p:nvGrpSpPr>
-      <p:grpSpPr/>
+      <p:grpSpPr>
+        <a:xfrm>
+          <a:off x="0" y="0"/>
+          <a:ext cx="0" cy="0"/>
+          <a:chOff x="0" y="0"/>
+          <a:chExt cx="0" cy="0"/>
+        </a:xfrm>
+      </p:grpSpPr>
       <p:sp>
         <p:nvSpPr>
           <p:cNvPr id="2" name="Rectangle 1"/>
@@ -35901,6 +37408,7 @@
           <a:lstStyle/>
           <a:p>
             <a:pPr algn="ctr"/>
+            <a:endParaRPr/>
           </a:p>
         </p:txBody>
       </p:sp>
@@ -36146,7 +37654,7 @@
 </file>
 
 <file path=ppt/slides/slide61.xml><?xml version="1.0" encoding="utf-8"?>
-<p:sld xmlns:a="http://schemas.openxmlformats.org/drawingml/2006/main" xmlns:p="http://schemas.openxmlformats.org/presentationml/2006/main" xmlns:r="http://schemas.openxmlformats.org/officeDocument/2006/relationships">
+<p:sld xmlns:a="http://schemas.openxmlformats.org/drawingml/2006/main" xmlns:r="http://schemas.openxmlformats.org/officeDocument/2006/relationships" xmlns:p="http://schemas.openxmlformats.org/presentationml/2006/main">
   <p:cSld>
     <p:spTree>
       <p:nvGrpSpPr>
@@ -36154,7 +37662,14 @@
         <p:cNvGrpSpPr/>
         <p:nvPr/>
       </p:nvGrpSpPr>
-      <p:grpSpPr/>
+      <p:grpSpPr>
+        <a:xfrm>
+          <a:off x="0" y="0"/>
+          <a:ext cx="0" cy="0"/>
+          <a:chOff x="0" y="0"/>
+          <a:chExt cx="0" cy="0"/>
+        </a:xfrm>
+      </p:grpSpPr>
       <p:sp>
         <p:nvSpPr>
           <p:cNvPr id="2" name="Rectangle 1"/>
@@ -36195,6 +37710,7 @@
           <a:lstStyle/>
           <a:p>
             <a:pPr algn="ctr"/>
+            <a:endParaRPr/>
           </a:p>
         </p:txBody>
       </p:sp>
@@ -36274,7 +37790,7 @@
           </a:fontRef>
         </p:style>
         <p:txBody>
-          <a:bodyPr rtlCol="0" anchor="ctr" wrap="square"/>
+          <a:bodyPr wrap="square" rtlCol="0" anchor="ctr"/>
           <a:lstStyle/>
           <a:p>
             <a:pPr algn="ctr">
@@ -36375,7 +37891,7 @@
 </file>
 
 <file path=ppt/slides/slide62.xml><?xml version="1.0" encoding="utf-8"?>
-<p:sld xmlns:a="http://schemas.openxmlformats.org/drawingml/2006/main" xmlns:p="http://schemas.openxmlformats.org/presentationml/2006/main" xmlns:r="http://schemas.openxmlformats.org/officeDocument/2006/relationships">
+<p:sld xmlns:a="http://schemas.openxmlformats.org/drawingml/2006/main" xmlns:r="http://schemas.openxmlformats.org/officeDocument/2006/relationships" xmlns:p="http://schemas.openxmlformats.org/presentationml/2006/main">
   <p:cSld>
     <p:spTree>
       <p:nvGrpSpPr>
@@ -36383,7 +37899,14 @@
         <p:cNvGrpSpPr/>
         <p:nvPr/>
       </p:nvGrpSpPr>
-      <p:grpSpPr/>
+      <p:grpSpPr>
+        <a:xfrm>
+          <a:off x="0" y="0"/>
+          <a:ext cx="0" cy="0"/>
+          <a:chOff x="0" y="0"/>
+          <a:chExt cx="0" cy="0"/>
+        </a:xfrm>
+      </p:grpSpPr>
       <p:sp>
         <p:nvSpPr>
           <p:cNvPr id="2" name="Rectangle 1"/>
@@ -36424,6 +37947,7 @@
           <a:lstStyle/>
           <a:p>
             <a:pPr algn="ctr"/>
+            <a:endParaRPr/>
           </a:p>
         </p:txBody>
       </p:sp>
@@ -36643,7 +38167,7 @@
 </file>
 
 <file path=ppt/slides/slide63.xml><?xml version="1.0" encoding="utf-8"?>
-<p:sld xmlns:a="http://schemas.openxmlformats.org/drawingml/2006/main" xmlns:p="http://schemas.openxmlformats.org/presentationml/2006/main" xmlns:r="http://schemas.openxmlformats.org/officeDocument/2006/relationships">
+<p:sld xmlns:a="http://schemas.openxmlformats.org/drawingml/2006/main" xmlns:r="http://schemas.openxmlformats.org/officeDocument/2006/relationships" xmlns:p="http://schemas.openxmlformats.org/presentationml/2006/main">
   <p:cSld>
     <p:spTree>
       <p:nvGrpSpPr>
@@ -36651,7 +38175,14 @@
         <p:cNvGrpSpPr/>
         <p:nvPr/>
       </p:nvGrpSpPr>
-      <p:grpSpPr/>
+      <p:grpSpPr>
+        <a:xfrm>
+          <a:off x="0" y="0"/>
+          <a:ext cx="0" cy="0"/>
+          <a:chOff x="0" y="0"/>
+          <a:chExt cx="0" cy="0"/>
+        </a:xfrm>
+      </p:grpSpPr>
       <p:sp>
         <p:nvSpPr>
           <p:cNvPr id="2" name="Rectangle 1"/>
@@ -36692,6 +38223,7 @@
           <a:lstStyle/>
           <a:p>
             <a:pPr algn="ctr"/>
+            <a:endParaRPr/>
           </a:p>
         </p:txBody>
       </p:sp>
@@ -36822,9 +38354,27 @@
                 <a:tableStyleId>{5C22544A-7EE6-4342-B048-85BDC9FD1C3A}</a:tableStyleId>
               </a:tblPr>
               <a:tblGrid>
-                <a:gridCol w="2286000"/>
-                <a:gridCol w="2743200"/>
-                <a:gridCol w="5486400"/>
+                <a:gridCol w="2286000">
+                  <a:extLst>
+                    <a:ext uri="{9D8B030D-6E8A-4147-A177-3AD203B41FA5}">
+                      <a16:colId xmlns:a16="http://schemas.microsoft.com/office/drawing/2014/main" val="20000"/>
+                    </a:ext>
+                  </a:extLst>
+                </a:gridCol>
+                <a:gridCol w="2743200">
+                  <a:extLst>
+                    <a:ext uri="{9D8B030D-6E8A-4147-A177-3AD203B41FA5}">
+                      <a16:colId xmlns:a16="http://schemas.microsoft.com/office/drawing/2014/main" val="20001"/>
+                    </a:ext>
+                  </a:extLst>
+                </a:gridCol>
+                <a:gridCol w="5486400">
+                  <a:extLst>
+                    <a:ext uri="{9D8B030D-6E8A-4147-A177-3AD203B41FA5}">
+                      <a16:colId xmlns:a16="http://schemas.microsoft.com/office/drawing/2014/main" val="20002"/>
+                    </a:ext>
+                  </a:extLst>
+                </a:gridCol>
               </a:tblGrid>
               <a:tr h="411480">
                 <a:tc>
@@ -36917,6 +38467,11 @@
                     </a:solidFill>
                   </a:tcPr>
                 </a:tc>
+                <a:extLst>
+                  <a:ext uri="{0D108BD9-81ED-4DB2-BD59-A6C34878D82A}">
+                    <a16:rowId xmlns:a16="http://schemas.microsoft.com/office/drawing/2014/main" val="10000"/>
+                  </a:ext>
+                </a:extLst>
               </a:tr>
               <a:tr h="411480">
                 <a:tc>
@@ -37009,6 +38564,11 @@
                     </a:solidFill>
                   </a:tcPr>
                 </a:tc>
+                <a:extLst>
+                  <a:ext uri="{0D108BD9-81ED-4DB2-BD59-A6C34878D82A}">
+                    <a16:rowId xmlns:a16="http://schemas.microsoft.com/office/drawing/2014/main" val="10001"/>
+                  </a:ext>
+                </a:extLst>
               </a:tr>
               <a:tr h="411480">
                 <a:tc>
@@ -37101,6 +38661,11 @@
                     </a:solidFill>
                   </a:tcPr>
                 </a:tc>
+                <a:extLst>
+                  <a:ext uri="{0D108BD9-81ED-4DB2-BD59-A6C34878D82A}">
+                    <a16:rowId xmlns:a16="http://schemas.microsoft.com/office/drawing/2014/main" val="10002"/>
+                  </a:ext>
+                </a:extLst>
               </a:tr>
               <a:tr h="411480">
                 <a:tc>
@@ -37193,6 +38758,11 @@
                     </a:solidFill>
                   </a:tcPr>
                 </a:tc>
+                <a:extLst>
+                  <a:ext uri="{0D108BD9-81ED-4DB2-BD59-A6C34878D82A}">
+                    <a16:rowId xmlns:a16="http://schemas.microsoft.com/office/drawing/2014/main" val="10003"/>
+                  </a:ext>
+                </a:extLst>
               </a:tr>
               <a:tr h="411480">
                 <a:tc>
@@ -37285,6 +38855,11 @@
                     </a:solidFill>
                   </a:tcPr>
                 </a:tc>
+                <a:extLst>
+                  <a:ext uri="{0D108BD9-81ED-4DB2-BD59-A6C34878D82A}">
+                    <a16:rowId xmlns:a16="http://schemas.microsoft.com/office/drawing/2014/main" val="10004"/>
+                  </a:ext>
+                </a:extLst>
               </a:tr>
               <a:tr h="411480">
                 <a:tc>
@@ -37377,6 +38952,11 @@
                     </a:solidFill>
                   </a:tcPr>
                 </a:tc>
+                <a:extLst>
+                  <a:ext uri="{0D108BD9-81ED-4DB2-BD59-A6C34878D82A}">
+                    <a16:rowId xmlns:a16="http://schemas.microsoft.com/office/drawing/2014/main" val="10005"/>
+                  </a:ext>
+                </a:extLst>
               </a:tr>
               <a:tr h="411480">
                 <a:tc>
@@ -37469,6 +39049,11 @@
                     </a:solidFill>
                   </a:tcPr>
                 </a:tc>
+                <a:extLst>
+                  <a:ext uri="{0D108BD9-81ED-4DB2-BD59-A6C34878D82A}">
+                    <a16:rowId xmlns:a16="http://schemas.microsoft.com/office/drawing/2014/main" val="10006"/>
+                  </a:ext>
+                </a:extLst>
               </a:tr>
               <a:tr h="411480">
                 <a:tc>
@@ -37561,6 +39146,11 @@
                     </a:solidFill>
                   </a:tcPr>
                 </a:tc>
+                <a:extLst>
+                  <a:ext uri="{0D108BD9-81ED-4DB2-BD59-A6C34878D82A}">
+                    <a16:rowId xmlns:a16="http://schemas.microsoft.com/office/drawing/2014/main" val="10007"/>
+                  </a:ext>
+                </a:extLst>
               </a:tr>
               <a:tr h="411480">
                 <a:tc>
@@ -37653,6 +39243,11 @@
                     </a:solidFill>
                   </a:tcPr>
                 </a:tc>
+                <a:extLst>
+                  <a:ext uri="{0D108BD9-81ED-4DB2-BD59-A6C34878D82A}">
+                    <a16:rowId xmlns:a16="http://schemas.microsoft.com/office/drawing/2014/main" val="10008"/>
+                  </a:ext>
+                </a:extLst>
               </a:tr>
             </a:tbl>
           </a:graphicData>
@@ -37667,7 +39262,7 @@
 </file>
 
 <file path=ppt/slides/slide64.xml><?xml version="1.0" encoding="utf-8"?>
-<p:sld xmlns:a="http://schemas.openxmlformats.org/drawingml/2006/main" xmlns:p="http://schemas.openxmlformats.org/presentationml/2006/main" xmlns:r="http://schemas.openxmlformats.org/officeDocument/2006/relationships">
+<p:sld xmlns:a="http://schemas.openxmlformats.org/drawingml/2006/main" xmlns:r="http://schemas.openxmlformats.org/officeDocument/2006/relationships" xmlns:p="http://schemas.openxmlformats.org/presentationml/2006/main">
   <p:cSld>
     <p:spTree>
       <p:nvGrpSpPr>
@@ -37675,7 +39270,14 @@
         <p:cNvGrpSpPr/>
         <p:nvPr/>
       </p:nvGrpSpPr>
-      <p:grpSpPr/>
+      <p:grpSpPr>
+        <a:xfrm>
+          <a:off x="0" y="0"/>
+          <a:ext cx="0" cy="0"/>
+          <a:chOff x="0" y="0"/>
+          <a:chExt cx="0" cy="0"/>
+        </a:xfrm>
+      </p:grpSpPr>
       <p:sp>
         <p:nvSpPr>
           <p:cNvPr id="2" name="Rectangle 1"/>
@@ -37716,6 +39318,7 @@
           <a:lstStyle/>
           <a:p>
             <a:pPr algn="ctr"/>
+            <a:endParaRPr/>
           </a:p>
         </p:txBody>
       </p:sp>
@@ -38063,7 +39666,7 @@
 </file>
 
 <file path=ppt/slides/slide65.xml><?xml version="1.0" encoding="utf-8"?>
-<p:sld xmlns:a="http://schemas.openxmlformats.org/drawingml/2006/main" xmlns:p="http://schemas.openxmlformats.org/presentationml/2006/main" xmlns:r="http://schemas.openxmlformats.org/officeDocument/2006/relationships">
+<p:sld xmlns:a="http://schemas.openxmlformats.org/drawingml/2006/main" xmlns:r="http://schemas.openxmlformats.org/officeDocument/2006/relationships" xmlns:p="http://schemas.openxmlformats.org/presentationml/2006/main">
   <p:cSld>
     <p:spTree>
       <p:nvGrpSpPr>
@@ -38071,7 +39674,14 @@
         <p:cNvGrpSpPr/>
         <p:nvPr/>
       </p:nvGrpSpPr>
-      <p:grpSpPr/>
+      <p:grpSpPr>
+        <a:xfrm>
+          <a:off x="0" y="0"/>
+          <a:ext cx="0" cy="0"/>
+          <a:chOff x="0" y="0"/>
+          <a:chExt cx="0" cy="0"/>
+        </a:xfrm>
+      </p:grpSpPr>
       <p:sp>
         <p:nvSpPr>
           <p:cNvPr id="2" name="Rectangle 1"/>
@@ -38112,6 +39722,7 @@
           <a:lstStyle/>
           <a:p>
             <a:pPr algn="ctr"/>
+            <a:endParaRPr/>
           </a:p>
         </p:txBody>
       </p:sp>
@@ -38459,7 +40070,7 @@
 </file>
 
 <file path=ppt/slides/slide66.xml><?xml version="1.0" encoding="utf-8"?>
-<p:sld xmlns:a="http://schemas.openxmlformats.org/drawingml/2006/main" xmlns:p="http://schemas.openxmlformats.org/presentationml/2006/main" xmlns:r="http://schemas.openxmlformats.org/officeDocument/2006/relationships">
+<p:sld xmlns:a="http://schemas.openxmlformats.org/drawingml/2006/main" xmlns:r="http://schemas.openxmlformats.org/officeDocument/2006/relationships" xmlns:p="http://schemas.openxmlformats.org/presentationml/2006/main">
   <p:cSld>
     <p:spTree>
       <p:nvGrpSpPr>
@@ -38467,7 +40078,14 @@
         <p:cNvGrpSpPr/>
         <p:nvPr/>
       </p:nvGrpSpPr>
-      <p:grpSpPr/>
+      <p:grpSpPr>
+        <a:xfrm>
+          <a:off x="0" y="0"/>
+          <a:ext cx="0" cy="0"/>
+          <a:chOff x="0" y="0"/>
+          <a:chExt cx="0" cy="0"/>
+        </a:xfrm>
+      </p:grpSpPr>
       <p:sp>
         <p:nvSpPr>
           <p:cNvPr id="2" name="Rectangle 1"/>
@@ -38508,6 +40126,7 @@
           <a:lstStyle/>
           <a:p>
             <a:pPr algn="ctr"/>
+            <a:endParaRPr/>
           </a:p>
         </p:txBody>
       </p:sp>
@@ -38638,10 +40257,34 @@
                 <a:tableStyleId>{5C22544A-7EE6-4342-B048-85BDC9FD1C3A}</a:tableStyleId>
               </a:tblPr>
               <a:tblGrid>
-                <a:gridCol w="1828800"/>
-                <a:gridCol w="3200400"/>
-                <a:gridCol w="3200400"/>
-                <a:gridCol w="2286000"/>
+                <a:gridCol w="1828800">
+                  <a:extLst>
+                    <a:ext uri="{9D8B030D-6E8A-4147-A177-3AD203B41FA5}">
+                      <a16:colId xmlns:a16="http://schemas.microsoft.com/office/drawing/2014/main" val="20000"/>
+                    </a:ext>
+                  </a:extLst>
+                </a:gridCol>
+                <a:gridCol w="3200400">
+                  <a:extLst>
+                    <a:ext uri="{9D8B030D-6E8A-4147-A177-3AD203B41FA5}">
+                      <a16:colId xmlns:a16="http://schemas.microsoft.com/office/drawing/2014/main" val="20001"/>
+                    </a:ext>
+                  </a:extLst>
+                </a:gridCol>
+                <a:gridCol w="3200400">
+                  <a:extLst>
+                    <a:ext uri="{9D8B030D-6E8A-4147-A177-3AD203B41FA5}">
+                      <a16:colId xmlns:a16="http://schemas.microsoft.com/office/drawing/2014/main" val="20002"/>
+                    </a:ext>
+                  </a:extLst>
+                </a:gridCol>
+                <a:gridCol w="2286000">
+                  <a:extLst>
+                    <a:ext uri="{9D8B030D-6E8A-4147-A177-3AD203B41FA5}">
+                      <a16:colId xmlns:a16="http://schemas.microsoft.com/office/drawing/2014/main" val="20003"/>
+                    </a:ext>
+                  </a:extLst>
+                </a:gridCol>
               </a:tblGrid>
               <a:tr h="411480">
                 <a:tc>
@@ -38764,6 +40407,11 @@
                     </a:solidFill>
                   </a:tcPr>
                 </a:tc>
+                <a:extLst>
+                  <a:ext uri="{0D108BD9-81ED-4DB2-BD59-A6C34878D82A}">
+                    <a16:rowId xmlns:a16="http://schemas.microsoft.com/office/drawing/2014/main" val="10000"/>
+                  </a:ext>
+                </a:extLst>
               </a:tr>
               <a:tr h="411480">
                 <a:tc>
@@ -38886,6 +40534,11 @@
                     </a:solidFill>
                   </a:tcPr>
                 </a:tc>
+                <a:extLst>
+                  <a:ext uri="{0D108BD9-81ED-4DB2-BD59-A6C34878D82A}">
+                    <a16:rowId xmlns:a16="http://schemas.microsoft.com/office/drawing/2014/main" val="10001"/>
+                  </a:ext>
+                </a:extLst>
               </a:tr>
               <a:tr h="411480">
                 <a:tc>
@@ -39008,6 +40661,11 @@
                     </a:solidFill>
                   </a:tcPr>
                 </a:tc>
+                <a:extLst>
+                  <a:ext uri="{0D108BD9-81ED-4DB2-BD59-A6C34878D82A}">
+                    <a16:rowId xmlns:a16="http://schemas.microsoft.com/office/drawing/2014/main" val="10002"/>
+                  </a:ext>
+                </a:extLst>
               </a:tr>
               <a:tr h="411480">
                 <a:tc>
@@ -39130,6 +40788,11 @@
                     </a:solidFill>
                   </a:tcPr>
                 </a:tc>
+                <a:extLst>
+                  <a:ext uri="{0D108BD9-81ED-4DB2-BD59-A6C34878D82A}">
+                    <a16:rowId xmlns:a16="http://schemas.microsoft.com/office/drawing/2014/main" val="10003"/>
+                  </a:ext>
+                </a:extLst>
               </a:tr>
               <a:tr h="411480">
                 <a:tc>
@@ -39252,6 +40915,11 @@
                     </a:solidFill>
                   </a:tcPr>
                 </a:tc>
+                <a:extLst>
+                  <a:ext uri="{0D108BD9-81ED-4DB2-BD59-A6C34878D82A}">
+                    <a16:rowId xmlns:a16="http://schemas.microsoft.com/office/drawing/2014/main" val="10004"/>
+                  </a:ext>
+                </a:extLst>
               </a:tr>
               <a:tr h="411480">
                 <a:tc>
@@ -39374,6 +41042,11 @@
                     </a:solidFill>
                   </a:tcPr>
                 </a:tc>
+                <a:extLst>
+                  <a:ext uri="{0D108BD9-81ED-4DB2-BD59-A6C34878D82A}">
+                    <a16:rowId xmlns:a16="http://schemas.microsoft.com/office/drawing/2014/main" val="10005"/>
+                  </a:ext>
+                </a:extLst>
               </a:tr>
               <a:tr h="411480">
                 <a:tc>
@@ -39496,6 +41169,11 @@
                     </a:solidFill>
                   </a:tcPr>
                 </a:tc>
+                <a:extLst>
+                  <a:ext uri="{0D108BD9-81ED-4DB2-BD59-A6C34878D82A}">
+                    <a16:rowId xmlns:a16="http://schemas.microsoft.com/office/drawing/2014/main" val="10006"/>
+                  </a:ext>
+                </a:extLst>
               </a:tr>
               <a:tr h="411480">
                 <a:tc>
@@ -39618,6 +41296,11 @@
                     </a:solidFill>
                   </a:tcPr>
                 </a:tc>
+                <a:extLst>
+                  <a:ext uri="{0D108BD9-81ED-4DB2-BD59-A6C34878D82A}">
+                    <a16:rowId xmlns:a16="http://schemas.microsoft.com/office/drawing/2014/main" val="10007"/>
+                  </a:ext>
+                </a:extLst>
               </a:tr>
               <a:tr h="411480">
                 <a:tc>
@@ -39740,6 +41423,11 @@
                     </a:solidFill>
                   </a:tcPr>
                 </a:tc>
+                <a:extLst>
+                  <a:ext uri="{0D108BD9-81ED-4DB2-BD59-A6C34878D82A}">
+                    <a16:rowId xmlns:a16="http://schemas.microsoft.com/office/drawing/2014/main" val="10008"/>
+                  </a:ext>
+                </a:extLst>
               </a:tr>
             </a:tbl>
           </a:graphicData>
@@ -39754,7 +41442,7 @@
 </file>
 
 <file path=ppt/slides/slide67.xml><?xml version="1.0" encoding="utf-8"?>
-<p:sld xmlns:a="http://schemas.openxmlformats.org/drawingml/2006/main" xmlns:p="http://schemas.openxmlformats.org/presentationml/2006/main" xmlns:r="http://schemas.openxmlformats.org/officeDocument/2006/relationships">
+<p:sld xmlns:a="http://schemas.openxmlformats.org/drawingml/2006/main" xmlns:r="http://schemas.openxmlformats.org/officeDocument/2006/relationships" xmlns:p="http://schemas.openxmlformats.org/presentationml/2006/main">
   <p:cSld>
     <p:spTree>
       <p:nvGrpSpPr>
@@ -39762,7 +41450,14 @@
         <p:cNvGrpSpPr/>
         <p:nvPr/>
       </p:nvGrpSpPr>
-      <p:grpSpPr/>
+      <p:grpSpPr>
+        <a:xfrm>
+          <a:off x="0" y="0"/>
+          <a:ext cx="0" cy="0"/>
+          <a:chOff x="0" y="0"/>
+          <a:chExt cx="0" cy="0"/>
+        </a:xfrm>
+      </p:grpSpPr>
       <p:sp>
         <p:nvSpPr>
           <p:cNvPr id="2" name="Rectangle 1"/>
@@ -39803,6 +41498,7 @@
           <a:lstStyle/>
           <a:p>
             <a:pPr algn="ctr"/>
+            <a:endParaRPr/>
           </a:p>
         </p:txBody>
       </p:sp>
@@ -40150,7 +41846,7 @@
 </file>
 
 <file path=ppt/slides/slide68.xml><?xml version="1.0" encoding="utf-8"?>
-<p:sld xmlns:a="http://schemas.openxmlformats.org/drawingml/2006/main" xmlns:p="http://schemas.openxmlformats.org/presentationml/2006/main" xmlns:r="http://schemas.openxmlformats.org/officeDocument/2006/relationships">
+<p:sld xmlns:a="http://schemas.openxmlformats.org/drawingml/2006/main" xmlns:r="http://schemas.openxmlformats.org/officeDocument/2006/relationships" xmlns:p="http://schemas.openxmlformats.org/presentationml/2006/main">
   <p:cSld>
     <p:spTree>
       <p:nvGrpSpPr>
@@ -40158,7 +41854,14 @@
         <p:cNvGrpSpPr/>
         <p:nvPr/>
       </p:nvGrpSpPr>
-      <p:grpSpPr/>
+      <p:grpSpPr>
+        <a:xfrm>
+          <a:off x="0" y="0"/>
+          <a:ext cx="0" cy="0"/>
+          <a:chOff x="0" y="0"/>
+          <a:chExt cx="0" cy="0"/>
+        </a:xfrm>
+      </p:grpSpPr>
       <p:sp>
         <p:nvSpPr>
           <p:cNvPr id="2" name="Rectangle 1"/>
@@ -40199,6 +41902,7 @@
           <a:lstStyle/>
           <a:p>
             <a:pPr algn="ctr"/>
+            <a:endParaRPr/>
           </a:p>
         </p:txBody>
       </p:sp>
@@ -40580,7 +42284,7 @@
 </file>
 
 <file path=ppt/slides/slide69.xml><?xml version="1.0" encoding="utf-8"?>
-<p:sld xmlns:a="http://schemas.openxmlformats.org/drawingml/2006/main" xmlns:p="http://schemas.openxmlformats.org/presentationml/2006/main" xmlns:r="http://schemas.openxmlformats.org/officeDocument/2006/relationships">
+<p:sld xmlns:a="http://schemas.openxmlformats.org/drawingml/2006/main" xmlns:r="http://schemas.openxmlformats.org/officeDocument/2006/relationships" xmlns:p="http://schemas.openxmlformats.org/presentationml/2006/main">
   <p:cSld>
     <p:spTree>
       <p:nvGrpSpPr>
@@ -40588,7 +42292,14 @@
         <p:cNvGrpSpPr/>
         <p:nvPr/>
       </p:nvGrpSpPr>
-      <p:grpSpPr/>
+      <p:grpSpPr>
+        <a:xfrm>
+          <a:off x="0" y="0"/>
+          <a:ext cx="0" cy="0"/>
+          <a:chOff x="0" y="0"/>
+          <a:chExt cx="0" cy="0"/>
+        </a:xfrm>
+      </p:grpSpPr>
       <p:sp>
         <p:nvSpPr>
           <p:cNvPr id="2" name="Rectangle 1"/>
@@ -40629,6 +42340,7 @@
           <a:lstStyle/>
           <a:p>
             <a:pPr algn="ctr"/>
+            <a:endParaRPr/>
           </a:p>
         </p:txBody>
       </p:sp>
@@ -40759,12 +42471,48 @@
                 <a:tableStyleId>{5C22544A-7EE6-4342-B048-85BDC9FD1C3A}</a:tableStyleId>
               </a:tblPr>
               <a:tblGrid>
-                <a:gridCol w="1828800"/>
-                <a:gridCol w="2011680"/>
-                <a:gridCol w="1828800"/>
-                <a:gridCol w="914400"/>
-                <a:gridCol w="1645920"/>
-                <a:gridCol w="2286000"/>
+                <a:gridCol w="1828800">
+                  <a:extLst>
+                    <a:ext uri="{9D8B030D-6E8A-4147-A177-3AD203B41FA5}">
+                      <a16:colId xmlns:a16="http://schemas.microsoft.com/office/drawing/2014/main" val="20000"/>
+                    </a:ext>
+                  </a:extLst>
+                </a:gridCol>
+                <a:gridCol w="2011680">
+                  <a:extLst>
+                    <a:ext uri="{9D8B030D-6E8A-4147-A177-3AD203B41FA5}">
+                      <a16:colId xmlns:a16="http://schemas.microsoft.com/office/drawing/2014/main" val="20001"/>
+                    </a:ext>
+                  </a:extLst>
+                </a:gridCol>
+                <a:gridCol w="1828800">
+                  <a:extLst>
+                    <a:ext uri="{9D8B030D-6E8A-4147-A177-3AD203B41FA5}">
+                      <a16:colId xmlns:a16="http://schemas.microsoft.com/office/drawing/2014/main" val="20002"/>
+                    </a:ext>
+                  </a:extLst>
+                </a:gridCol>
+                <a:gridCol w="914400">
+                  <a:extLst>
+                    <a:ext uri="{9D8B030D-6E8A-4147-A177-3AD203B41FA5}">
+                      <a16:colId xmlns:a16="http://schemas.microsoft.com/office/drawing/2014/main" val="20003"/>
+                    </a:ext>
+                  </a:extLst>
+                </a:gridCol>
+                <a:gridCol w="1645920">
+                  <a:extLst>
+                    <a:ext uri="{9D8B030D-6E8A-4147-A177-3AD203B41FA5}">
+                      <a16:colId xmlns:a16="http://schemas.microsoft.com/office/drawing/2014/main" val="20004"/>
+                    </a:ext>
+                  </a:extLst>
+                </a:gridCol>
+                <a:gridCol w="2286000">
+                  <a:extLst>
+                    <a:ext uri="{9D8B030D-6E8A-4147-A177-3AD203B41FA5}">
+                      <a16:colId xmlns:a16="http://schemas.microsoft.com/office/drawing/2014/main" val="20005"/>
+                    </a:ext>
+                  </a:extLst>
+                </a:gridCol>
               </a:tblGrid>
               <a:tr h="411480">
                 <a:tc>
@@ -40947,6 +42695,11 @@
                     </a:solidFill>
                   </a:tcPr>
                 </a:tc>
+                <a:extLst>
+                  <a:ext uri="{0D108BD9-81ED-4DB2-BD59-A6C34878D82A}">
+                    <a16:rowId xmlns:a16="http://schemas.microsoft.com/office/drawing/2014/main" val="10000"/>
+                  </a:ext>
+                </a:extLst>
               </a:tr>
               <a:tr h="411480">
                 <a:tc>
@@ -41129,6 +42882,11 @@
                     </a:solidFill>
                   </a:tcPr>
                 </a:tc>
+                <a:extLst>
+                  <a:ext uri="{0D108BD9-81ED-4DB2-BD59-A6C34878D82A}">
+                    <a16:rowId xmlns:a16="http://schemas.microsoft.com/office/drawing/2014/main" val="10001"/>
+                  </a:ext>
+                </a:extLst>
               </a:tr>
               <a:tr h="411480">
                 <a:tc>
@@ -41311,6 +43069,11 @@
                     </a:solidFill>
                   </a:tcPr>
                 </a:tc>
+                <a:extLst>
+                  <a:ext uri="{0D108BD9-81ED-4DB2-BD59-A6C34878D82A}">
+                    <a16:rowId xmlns:a16="http://schemas.microsoft.com/office/drawing/2014/main" val="10002"/>
+                  </a:ext>
+                </a:extLst>
               </a:tr>
               <a:tr h="411480">
                 <a:tc>
@@ -41493,6 +43256,11 @@
                     </a:solidFill>
                   </a:tcPr>
                 </a:tc>
+                <a:extLst>
+                  <a:ext uri="{0D108BD9-81ED-4DB2-BD59-A6C34878D82A}">
+                    <a16:rowId xmlns:a16="http://schemas.microsoft.com/office/drawing/2014/main" val="10003"/>
+                  </a:ext>
+                </a:extLst>
               </a:tr>
             </a:tbl>
           </a:graphicData>
@@ -41666,7 +43434,7 @@
 </file>
 
 <file path=ppt/slides/slide7.xml><?xml version="1.0" encoding="utf-8"?>
-<p:sld xmlns:a="http://schemas.openxmlformats.org/drawingml/2006/main" xmlns:p="http://schemas.openxmlformats.org/presentationml/2006/main" xmlns:r="http://schemas.openxmlformats.org/officeDocument/2006/relationships">
+<p:sld xmlns:a="http://schemas.openxmlformats.org/drawingml/2006/main" xmlns:r="http://schemas.openxmlformats.org/officeDocument/2006/relationships" xmlns:p="http://schemas.openxmlformats.org/presentationml/2006/main">
   <p:cSld>
     <p:spTree>
       <p:nvGrpSpPr>
@@ -41674,7 +43442,14 @@
         <p:cNvGrpSpPr/>
         <p:nvPr/>
       </p:nvGrpSpPr>
-      <p:grpSpPr/>
+      <p:grpSpPr>
+        <a:xfrm>
+          <a:off x="0" y="0"/>
+          <a:ext cx="0" cy="0"/>
+          <a:chOff x="0" y="0"/>
+          <a:chExt cx="0" cy="0"/>
+        </a:xfrm>
+      </p:grpSpPr>
       <p:sp>
         <p:nvSpPr>
           <p:cNvPr id="2" name="Rectangle 1"/>
@@ -41715,6 +43490,7 @@
           <a:lstStyle/>
           <a:p>
             <a:pPr algn="ctr"/>
+            <a:endParaRPr/>
           </a:p>
         </p:txBody>
       </p:sp>
@@ -41881,9 +43657,27 @@
                 <a:tableStyleId>{5C22544A-7EE6-4342-B048-85BDC9FD1C3A}</a:tableStyleId>
               </a:tblPr>
               <a:tblGrid>
-                <a:gridCol w="2286000"/>
-                <a:gridCol w="3200400"/>
-                <a:gridCol w="5029200"/>
+                <a:gridCol w="2286000">
+                  <a:extLst>
+                    <a:ext uri="{9D8B030D-6E8A-4147-A177-3AD203B41FA5}">
+                      <a16:colId xmlns:a16="http://schemas.microsoft.com/office/drawing/2014/main" val="20000"/>
+                    </a:ext>
+                  </a:extLst>
+                </a:gridCol>
+                <a:gridCol w="3200400">
+                  <a:extLst>
+                    <a:ext uri="{9D8B030D-6E8A-4147-A177-3AD203B41FA5}">
+                      <a16:colId xmlns:a16="http://schemas.microsoft.com/office/drawing/2014/main" val="20001"/>
+                    </a:ext>
+                  </a:extLst>
+                </a:gridCol>
+                <a:gridCol w="5029200">
+                  <a:extLst>
+                    <a:ext uri="{9D8B030D-6E8A-4147-A177-3AD203B41FA5}">
+                      <a16:colId xmlns:a16="http://schemas.microsoft.com/office/drawing/2014/main" val="20002"/>
+                    </a:ext>
+                  </a:extLst>
+                </a:gridCol>
               </a:tblGrid>
               <a:tr h="411480">
                 <a:tc>
@@ -41976,6 +43770,11 @@
                     </a:solidFill>
                   </a:tcPr>
                 </a:tc>
+                <a:extLst>
+                  <a:ext uri="{0D108BD9-81ED-4DB2-BD59-A6C34878D82A}">
+                    <a16:rowId xmlns:a16="http://schemas.microsoft.com/office/drawing/2014/main" val="10000"/>
+                  </a:ext>
+                </a:extLst>
               </a:tr>
               <a:tr h="411480">
                 <a:tc>
@@ -42068,6 +43867,11 @@
                     </a:solidFill>
                   </a:tcPr>
                 </a:tc>
+                <a:extLst>
+                  <a:ext uri="{0D108BD9-81ED-4DB2-BD59-A6C34878D82A}">
+                    <a16:rowId xmlns:a16="http://schemas.microsoft.com/office/drawing/2014/main" val="10001"/>
+                  </a:ext>
+                </a:extLst>
               </a:tr>
               <a:tr h="411480">
                 <a:tc>
@@ -42160,6 +43964,11 @@
                     </a:solidFill>
                   </a:tcPr>
                 </a:tc>
+                <a:extLst>
+                  <a:ext uri="{0D108BD9-81ED-4DB2-BD59-A6C34878D82A}">
+                    <a16:rowId xmlns:a16="http://schemas.microsoft.com/office/drawing/2014/main" val="10002"/>
+                  </a:ext>
+                </a:extLst>
               </a:tr>
               <a:tr h="411480">
                 <a:tc>
@@ -42252,6 +44061,11 @@
                     </a:solidFill>
                   </a:tcPr>
                 </a:tc>
+                <a:extLst>
+                  <a:ext uri="{0D108BD9-81ED-4DB2-BD59-A6C34878D82A}">
+                    <a16:rowId xmlns:a16="http://schemas.microsoft.com/office/drawing/2014/main" val="10003"/>
+                  </a:ext>
+                </a:extLst>
               </a:tr>
               <a:tr h="411480">
                 <a:tc>
@@ -42344,6 +44158,11 @@
                     </a:solidFill>
                   </a:tcPr>
                 </a:tc>
+                <a:extLst>
+                  <a:ext uri="{0D108BD9-81ED-4DB2-BD59-A6C34878D82A}">
+                    <a16:rowId xmlns:a16="http://schemas.microsoft.com/office/drawing/2014/main" val="10004"/>
+                  </a:ext>
+                </a:extLst>
               </a:tr>
               <a:tr h="411480">
                 <a:tc>
@@ -42436,6 +44255,11 @@
                     </a:solidFill>
                   </a:tcPr>
                 </a:tc>
+                <a:extLst>
+                  <a:ext uri="{0D108BD9-81ED-4DB2-BD59-A6C34878D82A}">
+                    <a16:rowId xmlns:a16="http://schemas.microsoft.com/office/drawing/2014/main" val="10005"/>
+                  </a:ext>
+                </a:extLst>
               </a:tr>
             </a:tbl>
           </a:graphicData>
@@ -42450,7 +44274,7 @@
 </file>
 
 <file path=ppt/slides/slide70.xml><?xml version="1.0" encoding="utf-8"?>
-<p:sld xmlns:a="http://schemas.openxmlformats.org/drawingml/2006/main" xmlns:p="http://schemas.openxmlformats.org/presentationml/2006/main" xmlns:r="http://schemas.openxmlformats.org/officeDocument/2006/relationships">
+<p:sld xmlns:a="http://schemas.openxmlformats.org/drawingml/2006/main" xmlns:r="http://schemas.openxmlformats.org/officeDocument/2006/relationships" xmlns:p="http://schemas.openxmlformats.org/presentationml/2006/main">
   <p:cSld>
     <p:spTree>
       <p:nvGrpSpPr>
@@ -42458,7 +44282,14 @@
         <p:cNvGrpSpPr/>
         <p:nvPr/>
       </p:nvGrpSpPr>
-      <p:grpSpPr/>
+      <p:grpSpPr>
+        <a:xfrm>
+          <a:off x="0" y="0"/>
+          <a:ext cx="0" cy="0"/>
+          <a:chOff x="0" y="0"/>
+          <a:chExt cx="0" cy="0"/>
+        </a:xfrm>
+      </p:grpSpPr>
       <p:sp>
         <p:nvSpPr>
           <p:cNvPr id="2" name="Rectangle 1"/>
@@ -42499,6 +44330,7 @@
           <a:lstStyle/>
           <a:p>
             <a:pPr algn="ctr"/>
+            <a:endParaRPr/>
           </a:p>
         </p:txBody>
       </p:sp>
@@ -42629,10 +44461,34 @@
                 <a:tableStyleId>{5C22544A-7EE6-4342-B048-85BDC9FD1C3A}</a:tableStyleId>
               </a:tblPr>
               <a:tblGrid>
-                <a:gridCol w="2103120"/>
-                <a:gridCol w="1828800"/>
-                <a:gridCol w="3657600"/>
-                <a:gridCol w="2926080"/>
+                <a:gridCol w="2103120">
+                  <a:extLst>
+                    <a:ext uri="{9D8B030D-6E8A-4147-A177-3AD203B41FA5}">
+                      <a16:colId xmlns:a16="http://schemas.microsoft.com/office/drawing/2014/main" val="20000"/>
+                    </a:ext>
+                  </a:extLst>
+                </a:gridCol>
+                <a:gridCol w="1828800">
+                  <a:extLst>
+                    <a:ext uri="{9D8B030D-6E8A-4147-A177-3AD203B41FA5}">
+                      <a16:colId xmlns:a16="http://schemas.microsoft.com/office/drawing/2014/main" val="20001"/>
+                    </a:ext>
+                  </a:extLst>
+                </a:gridCol>
+                <a:gridCol w="3657600">
+                  <a:extLst>
+                    <a:ext uri="{9D8B030D-6E8A-4147-A177-3AD203B41FA5}">
+                      <a16:colId xmlns:a16="http://schemas.microsoft.com/office/drawing/2014/main" val="20002"/>
+                    </a:ext>
+                  </a:extLst>
+                </a:gridCol>
+                <a:gridCol w="2926080">
+                  <a:extLst>
+                    <a:ext uri="{9D8B030D-6E8A-4147-A177-3AD203B41FA5}">
+                      <a16:colId xmlns:a16="http://schemas.microsoft.com/office/drawing/2014/main" val="20003"/>
+                    </a:ext>
+                  </a:extLst>
+                </a:gridCol>
               </a:tblGrid>
               <a:tr h="411480">
                 <a:tc>
@@ -42755,6 +44611,11 @@
                     </a:solidFill>
                   </a:tcPr>
                 </a:tc>
+                <a:extLst>
+                  <a:ext uri="{0D108BD9-81ED-4DB2-BD59-A6C34878D82A}">
+                    <a16:rowId xmlns:a16="http://schemas.microsoft.com/office/drawing/2014/main" val="10000"/>
+                  </a:ext>
+                </a:extLst>
               </a:tr>
               <a:tr h="411480">
                 <a:tc>
@@ -42877,6 +44738,11 @@
                     </a:solidFill>
                   </a:tcPr>
                 </a:tc>
+                <a:extLst>
+                  <a:ext uri="{0D108BD9-81ED-4DB2-BD59-A6C34878D82A}">
+                    <a16:rowId xmlns:a16="http://schemas.microsoft.com/office/drawing/2014/main" val="10001"/>
+                  </a:ext>
+                </a:extLst>
               </a:tr>
               <a:tr h="411480">
                 <a:tc>
@@ -42999,6 +44865,11 @@
                     </a:solidFill>
                   </a:tcPr>
                 </a:tc>
+                <a:extLst>
+                  <a:ext uri="{0D108BD9-81ED-4DB2-BD59-A6C34878D82A}">
+                    <a16:rowId xmlns:a16="http://schemas.microsoft.com/office/drawing/2014/main" val="10002"/>
+                  </a:ext>
+                </a:extLst>
               </a:tr>
               <a:tr h="411480">
                 <a:tc>
@@ -43121,6 +44992,11 @@
                     </a:solidFill>
                   </a:tcPr>
                 </a:tc>
+                <a:extLst>
+                  <a:ext uri="{0D108BD9-81ED-4DB2-BD59-A6C34878D82A}">
+                    <a16:rowId xmlns:a16="http://schemas.microsoft.com/office/drawing/2014/main" val="10003"/>
+                  </a:ext>
+                </a:extLst>
               </a:tr>
               <a:tr h="411480">
                 <a:tc>
@@ -43243,6 +45119,11 @@
                     </a:solidFill>
                   </a:tcPr>
                 </a:tc>
+                <a:extLst>
+                  <a:ext uri="{0D108BD9-81ED-4DB2-BD59-A6C34878D82A}">
+                    <a16:rowId xmlns:a16="http://schemas.microsoft.com/office/drawing/2014/main" val="10004"/>
+                  </a:ext>
+                </a:extLst>
               </a:tr>
             </a:tbl>
           </a:graphicData>
@@ -43305,7 +45186,7 @@
 </file>
 
 <file path=ppt/slides/slide71.xml><?xml version="1.0" encoding="utf-8"?>
-<p:sld xmlns:a="http://schemas.openxmlformats.org/drawingml/2006/main" xmlns:p="http://schemas.openxmlformats.org/presentationml/2006/main" xmlns:r="http://schemas.openxmlformats.org/officeDocument/2006/relationships">
+<p:sld xmlns:a="http://schemas.openxmlformats.org/drawingml/2006/main" xmlns:r="http://schemas.openxmlformats.org/officeDocument/2006/relationships" xmlns:p="http://schemas.openxmlformats.org/presentationml/2006/main">
   <p:cSld>
     <p:spTree>
       <p:nvGrpSpPr>
@@ -43313,7 +45194,14 @@
         <p:cNvGrpSpPr/>
         <p:nvPr/>
       </p:nvGrpSpPr>
-      <p:grpSpPr/>
+      <p:grpSpPr>
+        <a:xfrm>
+          <a:off x="0" y="0"/>
+          <a:ext cx="0" cy="0"/>
+          <a:chOff x="0" y="0"/>
+          <a:chExt cx="0" cy="0"/>
+        </a:xfrm>
+      </p:grpSpPr>
       <p:sp>
         <p:nvSpPr>
           <p:cNvPr id="2" name="Rectangle 1"/>
@@ -43354,6 +45242,7 @@
           <a:lstStyle/>
           <a:p>
             <a:pPr algn="ctr"/>
+            <a:endParaRPr/>
           </a:p>
         </p:txBody>
       </p:sp>
@@ -43701,7 +45590,7 @@
 </file>
 
 <file path=ppt/slides/slide72.xml><?xml version="1.0" encoding="utf-8"?>
-<p:sld xmlns:a="http://schemas.openxmlformats.org/drawingml/2006/main" xmlns:p="http://schemas.openxmlformats.org/presentationml/2006/main" xmlns:r="http://schemas.openxmlformats.org/officeDocument/2006/relationships">
+<p:sld xmlns:a="http://schemas.openxmlformats.org/drawingml/2006/main" xmlns:r="http://schemas.openxmlformats.org/officeDocument/2006/relationships" xmlns:p="http://schemas.openxmlformats.org/presentationml/2006/main">
   <p:cSld>
     <p:spTree>
       <p:nvGrpSpPr>
@@ -43709,7 +45598,14 @@
         <p:cNvGrpSpPr/>
         <p:nvPr/>
       </p:nvGrpSpPr>
-      <p:grpSpPr/>
+      <p:grpSpPr>
+        <a:xfrm>
+          <a:off x="0" y="0"/>
+          <a:ext cx="0" cy="0"/>
+          <a:chOff x="0" y="0"/>
+          <a:chExt cx="0" cy="0"/>
+        </a:xfrm>
+      </p:grpSpPr>
       <p:sp>
         <p:nvSpPr>
           <p:cNvPr id="2" name="Rectangle 1"/>
@@ -43750,6 +45646,7 @@
           <a:lstStyle/>
           <a:p>
             <a:pPr algn="ctr"/>
+            <a:endParaRPr/>
           </a:p>
         </p:txBody>
       </p:sp>
@@ -43880,12 +45777,48 @@
                 <a:tableStyleId>{5C22544A-7EE6-4342-B048-85BDC9FD1C3A}</a:tableStyleId>
               </a:tblPr>
               <a:tblGrid>
-                <a:gridCol w="1371600"/>
-                <a:gridCol w="1371600"/>
-                <a:gridCol w="1828800"/>
-                <a:gridCol w="1828800"/>
-                <a:gridCol w="1371600"/>
-                <a:gridCol w="2743200"/>
+                <a:gridCol w="1371600">
+                  <a:extLst>
+                    <a:ext uri="{9D8B030D-6E8A-4147-A177-3AD203B41FA5}">
+                      <a16:colId xmlns:a16="http://schemas.microsoft.com/office/drawing/2014/main" val="20000"/>
+                    </a:ext>
+                  </a:extLst>
+                </a:gridCol>
+                <a:gridCol w="1371600">
+                  <a:extLst>
+                    <a:ext uri="{9D8B030D-6E8A-4147-A177-3AD203B41FA5}">
+                      <a16:colId xmlns:a16="http://schemas.microsoft.com/office/drawing/2014/main" val="20001"/>
+                    </a:ext>
+                  </a:extLst>
+                </a:gridCol>
+                <a:gridCol w="1828800">
+                  <a:extLst>
+                    <a:ext uri="{9D8B030D-6E8A-4147-A177-3AD203B41FA5}">
+                      <a16:colId xmlns:a16="http://schemas.microsoft.com/office/drawing/2014/main" val="20002"/>
+                    </a:ext>
+                  </a:extLst>
+                </a:gridCol>
+                <a:gridCol w="1828800">
+                  <a:extLst>
+                    <a:ext uri="{9D8B030D-6E8A-4147-A177-3AD203B41FA5}">
+                      <a16:colId xmlns:a16="http://schemas.microsoft.com/office/drawing/2014/main" val="20003"/>
+                    </a:ext>
+                  </a:extLst>
+                </a:gridCol>
+                <a:gridCol w="1371600">
+                  <a:extLst>
+                    <a:ext uri="{9D8B030D-6E8A-4147-A177-3AD203B41FA5}">
+                      <a16:colId xmlns:a16="http://schemas.microsoft.com/office/drawing/2014/main" val="20004"/>
+                    </a:ext>
+                  </a:extLst>
+                </a:gridCol>
+                <a:gridCol w="2743200">
+                  <a:extLst>
+                    <a:ext uri="{9D8B030D-6E8A-4147-A177-3AD203B41FA5}">
+                      <a16:colId xmlns:a16="http://schemas.microsoft.com/office/drawing/2014/main" val="20005"/>
+                    </a:ext>
+                  </a:extLst>
+                </a:gridCol>
               </a:tblGrid>
               <a:tr h="411480">
                 <a:tc>
@@ -44068,6 +46001,11 @@
                     </a:solidFill>
                   </a:tcPr>
                 </a:tc>
+                <a:extLst>
+                  <a:ext uri="{0D108BD9-81ED-4DB2-BD59-A6C34878D82A}">
+                    <a16:rowId xmlns:a16="http://schemas.microsoft.com/office/drawing/2014/main" val="10000"/>
+                  </a:ext>
+                </a:extLst>
               </a:tr>
               <a:tr h="411480">
                 <a:tc>
@@ -44250,6 +46188,11 @@
                     </a:solidFill>
                   </a:tcPr>
                 </a:tc>
+                <a:extLst>
+                  <a:ext uri="{0D108BD9-81ED-4DB2-BD59-A6C34878D82A}">
+                    <a16:rowId xmlns:a16="http://schemas.microsoft.com/office/drawing/2014/main" val="10001"/>
+                  </a:ext>
+                </a:extLst>
               </a:tr>
               <a:tr h="411480">
                 <a:tc>
@@ -44432,6 +46375,11 @@
                     </a:solidFill>
                   </a:tcPr>
                 </a:tc>
+                <a:extLst>
+                  <a:ext uri="{0D108BD9-81ED-4DB2-BD59-A6C34878D82A}">
+                    <a16:rowId xmlns:a16="http://schemas.microsoft.com/office/drawing/2014/main" val="10002"/>
+                  </a:ext>
+                </a:extLst>
               </a:tr>
               <a:tr h="411480">
                 <a:tc>
@@ -44614,6 +46562,11 @@
                     </a:solidFill>
                   </a:tcPr>
                 </a:tc>
+                <a:extLst>
+                  <a:ext uri="{0D108BD9-81ED-4DB2-BD59-A6C34878D82A}">
+                    <a16:rowId xmlns:a16="http://schemas.microsoft.com/office/drawing/2014/main" val="10003"/>
+                  </a:ext>
+                </a:extLst>
               </a:tr>
               <a:tr h="411480">
                 <a:tc>
@@ -44796,6 +46749,11 @@
                     </a:solidFill>
                   </a:tcPr>
                 </a:tc>
+                <a:extLst>
+                  <a:ext uri="{0D108BD9-81ED-4DB2-BD59-A6C34878D82A}">
+                    <a16:rowId xmlns:a16="http://schemas.microsoft.com/office/drawing/2014/main" val="10004"/>
+                  </a:ext>
+                </a:extLst>
               </a:tr>
               <a:tr h="411480">
                 <a:tc>
@@ -44978,6 +46936,11 @@
                     </a:solidFill>
                   </a:tcPr>
                 </a:tc>
+                <a:extLst>
+                  <a:ext uri="{0D108BD9-81ED-4DB2-BD59-A6C34878D82A}">
+                    <a16:rowId xmlns:a16="http://schemas.microsoft.com/office/drawing/2014/main" val="10005"/>
+                  </a:ext>
+                </a:extLst>
               </a:tr>
             </a:tbl>
           </a:graphicData>
@@ -45083,7 +47046,7 @@
 </file>
 
 <file path=ppt/slides/slide73.xml><?xml version="1.0" encoding="utf-8"?>
-<p:sld xmlns:a="http://schemas.openxmlformats.org/drawingml/2006/main" xmlns:p="http://schemas.openxmlformats.org/presentationml/2006/main" xmlns:r="http://schemas.openxmlformats.org/officeDocument/2006/relationships">
+<p:sld xmlns:a="http://schemas.openxmlformats.org/drawingml/2006/main" xmlns:r="http://schemas.openxmlformats.org/officeDocument/2006/relationships" xmlns:p="http://schemas.openxmlformats.org/presentationml/2006/main">
   <p:cSld>
     <p:spTree>
       <p:nvGrpSpPr>
@@ -45091,7 +47054,14 @@
         <p:cNvGrpSpPr/>
         <p:nvPr/>
       </p:nvGrpSpPr>
-      <p:grpSpPr/>
+      <p:grpSpPr>
+        <a:xfrm>
+          <a:off x="0" y="0"/>
+          <a:ext cx="0" cy="0"/>
+          <a:chOff x="0" y="0"/>
+          <a:chExt cx="0" cy="0"/>
+        </a:xfrm>
+      </p:grpSpPr>
       <p:sp>
         <p:nvSpPr>
           <p:cNvPr id="2" name="Rectangle 1"/>
@@ -45132,6 +47102,7 @@
           <a:lstStyle/>
           <a:p>
             <a:pPr algn="ctr"/>
+            <a:endParaRPr/>
           </a:p>
         </p:txBody>
       </p:sp>
@@ -45262,10 +47233,34 @@
                 <a:tableStyleId>{5C22544A-7EE6-4342-B048-85BDC9FD1C3A}</a:tableStyleId>
               </a:tblPr>
               <a:tblGrid>
-                <a:gridCol w="1371600"/>
-                <a:gridCol w="2286000"/>
-                <a:gridCol w="1188720"/>
-                <a:gridCol w="5669280"/>
+                <a:gridCol w="1371600">
+                  <a:extLst>
+                    <a:ext uri="{9D8B030D-6E8A-4147-A177-3AD203B41FA5}">
+                      <a16:colId xmlns:a16="http://schemas.microsoft.com/office/drawing/2014/main" val="20000"/>
+                    </a:ext>
+                  </a:extLst>
+                </a:gridCol>
+                <a:gridCol w="2286000">
+                  <a:extLst>
+                    <a:ext uri="{9D8B030D-6E8A-4147-A177-3AD203B41FA5}">
+                      <a16:colId xmlns:a16="http://schemas.microsoft.com/office/drawing/2014/main" val="20001"/>
+                    </a:ext>
+                  </a:extLst>
+                </a:gridCol>
+                <a:gridCol w="1188720">
+                  <a:extLst>
+                    <a:ext uri="{9D8B030D-6E8A-4147-A177-3AD203B41FA5}">
+                      <a16:colId xmlns:a16="http://schemas.microsoft.com/office/drawing/2014/main" val="20002"/>
+                    </a:ext>
+                  </a:extLst>
+                </a:gridCol>
+                <a:gridCol w="5669280">
+                  <a:extLst>
+                    <a:ext uri="{9D8B030D-6E8A-4147-A177-3AD203B41FA5}">
+                      <a16:colId xmlns:a16="http://schemas.microsoft.com/office/drawing/2014/main" val="20003"/>
+                    </a:ext>
+                  </a:extLst>
+                </a:gridCol>
               </a:tblGrid>
               <a:tr h="411480">
                 <a:tc>
@@ -45388,6 +47383,11 @@
                     </a:solidFill>
                   </a:tcPr>
                 </a:tc>
+                <a:extLst>
+                  <a:ext uri="{0D108BD9-81ED-4DB2-BD59-A6C34878D82A}">
+                    <a16:rowId xmlns:a16="http://schemas.microsoft.com/office/drawing/2014/main" val="10000"/>
+                  </a:ext>
+                </a:extLst>
               </a:tr>
               <a:tr h="411480">
                 <a:tc>
@@ -45510,6 +47510,11 @@
                     </a:solidFill>
                   </a:tcPr>
                 </a:tc>
+                <a:extLst>
+                  <a:ext uri="{0D108BD9-81ED-4DB2-BD59-A6C34878D82A}">
+                    <a16:rowId xmlns:a16="http://schemas.microsoft.com/office/drawing/2014/main" val="10001"/>
+                  </a:ext>
+                </a:extLst>
               </a:tr>
               <a:tr h="411480">
                 <a:tc>
@@ -45632,6 +47637,11 @@
                     </a:solidFill>
                   </a:tcPr>
                 </a:tc>
+                <a:extLst>
+                  <a:ext uri="{0D108BD9-81ED-4DB2-BD59-A6C34878D82A}">
+                    <a16:rowId xmlns:a16="http://schemas.microsoft.com/office/drawing/2014/main" val="10002"/>
+                  </a:ext>
+                </a:extLst>
               </a:tr>
               <a:tr h="411480">
                 <a:tc>
@@ -45754,6 +47764,11 @@
                     </a:solidFill>
                   </a:tcPr>
                 </a:tc>
+                <a:extLst>
+                  <a:ext uri="{0D108BD9-81ED-4DB2-BD59-A6C34878D82A}">
+                    <a16:rowId xmlns:a16="http://schemas.microsoft.com/office/drawing/2014/main" val="10003"/>
+                  </a:ext>
+                </a:extLst>
               </a:tr>
               <a:tr h="411480">
                 <a:tc>
@@ -45876,6 +47891,11 @@
                     </a:solidFill>
                   </a:tcPr>
                 </a:tc>
+                <a:extLst>
+                  <a:ext uri="{0D108BD9-81ED-4DB2-BD59-A6C34878D82A}">
+                    <a16:rowId xmlns:a16="http://schemas.microsoft.com/office/drawing/2014/main" val="10004"/>
+                  </a:ext>
+                </a:extLst>
               </a:tr>
             </a:tbl>
           </a:graphicData>
@@ -46015,7 +48035,7 @@
 </file>
 
 <file path=ppt/slides/slide74.xml><?xml version="1.0" encoding="utf-8"?>
-<p:sld xmlns:a="http://schemas.openxmlformats.org/drawingml/2006/main" xmlns:p="http://schemas.openxmlformats.org/presentationml/2006/main" xmlns:r="http://schemas.openxmlformats.org/officeDocument/2006/relationships">
+<p:sld xmlns:a="http://schemas.openxmlformats.org/drawingml/2006/main" xmlns:r="http://schemas.openxmlformats.org/officeDocument/2006/relationships" xmlns:p="http://schemas.openxmlformats.org/presentationml/2006/main">
   <p:cSld>
     <p:spTree>
       <p:nvGrpSpPr>
@@ -46023,7 +48043,14 @@
         <p:cNvGrpSpPr/>
         <p:nvPr/>
       </p:nvGrpSpPr>
-      <p:grpSpPr/>
+      <p:grpSpPr>
+        <a:xfrm>
+          <a:off x="0" y="0"/>
+          <a:ext cx="0" cy="0"/>
+          <a:chOff x="0" y="0"/>
+          <a:chExt cx="0" cy="0"/>
+        </a:xfrm>
+      </p:grpSpPr>
       <p:sp>
         <p:nvSpPr>
           <p:cNvPr id="2" name="Rectangle 1"/>
@@ -46064,6 +48091,7 @@
           <a:lstStyle/>
           <a:p>
             <a:pPr algn="ctr"/>
+            <a:endParaRPr/>
           </a:p>
         </p:txBody>
       </p:sp>
@@ -46215,6 +48243,7 @@
           <a:lstStyle/>
           <a:p>
             <a:pPr algn="ctr"/>
+            <a:endParaRPr/>
           </a:p>
         </p:txBody>
       </p:sp>
@@ -46422,7 +48451,7 @@
 </file>
 
 <file path=ppt/slides/slide75.xml><?xml version="1.0" encoding="utf-8"?>
-<p:sld xmlns:a="http://schemas.openxmlformats.org/drawingml/2006/main" xmlns:p="http://schemas.openxmlformats.org/presentationml/2006/main" xmlns:r="http://schemas.openxmlformats.org/officeDocument/2006/relationships">
+<p:sld xmlns:a="http://schemas.openxmlformats.org/drawingml/2006/main" xmlns:r="http://schemas.openxmlformats.org/officeDocument/2006/relationships" xmlns:p="http://schemas.openxmlformats.org/presentationml/2006/main">
   <p:cSld>
     <p:spTree>
       <p:nvGrpSpPr>
@@ -46430,7 +48459,14 @@
         <p:cNvGrpSpPr/>
         <p:nvPr/>
       </p:nvGrpSpPr>
-      <p:grpSpPr/>
+      <p:grpSpPr>
+        <a:xfrm>
+          <a:off x="0" y="0"/>
+          <a:ext cx="0" cy="0"/>
+          <a:chOff x="0" y="0"/>
+          <a:chExt cx="0" cy="0"/>
+        </a:xfrm>
+      </p:grpSpPr>
       <p:sp>
         <p:nvSpPr>
           <p:cNvPr id="2" name="Rectangle 1"/>
@@ -46471,6 +48507,7 @@
           <a:lstStyle/>
           <a:p>
             <a:pPr algn="ctr"/>
+            <a:endParaRPr/>
           </a:p>
         </p:txBody>
       </p:sp>
@@ -46514,6 +48551,7 @@
           <a:lstStyle/>
           <a:p>
             <a:pPr algn="ctr"/>
+            <a:endParaRPr/>
           </a:p>
         </p:txBody>
       </p:sp>
@@ -46852,7 +48890,7 @@
 </file>
 
 <file path=ppt/slides/slide76.xml><?xml version="1.0" encoding="utf-8"?>
-<p:sld xmlns:a="http://schemas.openxmlformats.org/drawingml/2006/main" xmlns:p="http://schemas.openxmlformats.org/presentationml/2006/main" xmlns:r="http://schemas.openxmlformats.org/officeDocument/2006/relationships">
+<p:sld xmlns:a="http://schemas.openxmlformats.org/drawingml/2006/main" xmlns:r="http://schemas.openxmlformats.org/officeDocument/2006/relationships" xmlns:p="http://schemas.openxmlformats.org/presentationml/2006/main">
   <p:cSld>
     <p:spTree>
       <p:nvGrpSpPr>
@@ -46860,7 +48898,14 @@
         <p:cNvGrpSpPr/>
         <p:nvPr/>
       </p:nvGrpSpPr>
-      <p:grpSpPr/>
+      <p:grpSpPr>
+        <a:xfrm>
+          <a:off x="0" y="0"/>
+          <a:ext cx="0" cy="0"/>
+          <a:chOff x="0" y="0"/>
+          <a:chExt cx="0" cy="0"/>
+        </a:xfrm>
+      </p:grpSpPr>
       <p:sp>
         <p:nvSpPr>
           <p:cNvPr id="2" name="Rectangle 1"/>
@@ -46901,6 +48946,7 @@
           <a:lstStyle/>
           <a:p>
             <a:pPr algn="ctr"/>
+            <a:endParaRPr/>
           </a:p>
         </p:txBody>
       </p:sp>
@@ -47146,7 +49192,7 @@
 </file>
 
 <file path=ppt/slides/slide77.xml><?xml version="1.0" encoding="utf-8"?>
-<p:sld xmlns:a="http://schemas.openxmlformats.org/drawingml/2006/main" xmlns:p="http://schemas.openxmlformats.org/presentationml/2006/main" xmlns:r="http://schemas.openxmlformats.org/officeDocument/2006/relationships">
+<p:sld xmlns:a="http://schemas.openxmlformats.org/drawingml/2006/main" xmlns:r="http://schemas.openxmlformats.org/officeDocument/2006/relationships" xmlns:p="http://schemas.openxmlformats.org/presentationml/2006/main">
   <p:cSld>
     <p:spTree>
       <p:nvGrpSpPr>
@@ -47154,7 +49200,14 @@
         <p:cNvGrpSpPr/>
         <p:nvPr/>
       </p:nvGrpSpPr>
-      <p:grpSpPr/>
+      <p:grpSpPr>
+        <a:xfrm>
+          <a:off x="0" y="0"/>
+          <a:ext cx="0" cy="0"/>
+          <a:chOff x="0" y="0"/>
+          <a:chExt cx="0" cy="0"/>
+        </a:xfrm>
+      </p:grpSpPr>
       <p:sp>
         <p:nvSpPr>
           <p:cNvPr id="2" name="Rectangle 1"/>
@@ -47195,6 +49248,7 @@
           <a:lstStyle/>
           <a:p>
             <a:pPr algn="ctr"/>
+            <a:endParaRPr/>
           </a:p>
         </p:txBody>
       </p:sp>
@@ -47274,7 +49328,7 @@
           </a:fontRef>
         </p:style>
         <p:txBody>
-          <a:bodyPr rtlCol="0" anchor="ctr" wrap="square"/>
+          <a:bodyPr wrap="square" rtlCol="0" anchor="ctr"/>
           <a:lstStyle/>
           <a:p>
             <a:pPr algn="ctr">
@@ -47375,7 +49429,7 @@
 </file>
 
 <file path=ppt/slides/slide78.xml><?xml version="1.0" encoding="utf-8"?>
-<p:sld xmlns:a="http://schemas.openxmlformats.org/drawingml/2006/main" xmlns:p="http://schemas.openxmlformats.org/presentationml/2006/main" xmlns:r="http://schemas.openxmlformats.org/officeDocument/2006/relationships">
+<p:sld xmlns:a="http://schemas.openxmlformats.org/drawingml/2006/main" xmlns:r="http://schemas.openxmlformats.org/officeDocument/2006/relationships" xmlns:p="http://schemas.openxmlformats.org/presentationml/2006/main">
   <p:cSld>
     <p:spTree>
       <p:nvGrpSpPr>
@@ -47383,7 +49437,14 @@
         <p:cNvGrpSpPr/>
         <p:nvPr/>
       </p:nvGrpSpPr>
-      <p:grpSpPr/>
+      <p:grpSpPr>
+        <a:xfrm>
+          <a:off x="0" y="0"/>
+          <a:ext cx="0" cy="0"/>
+          <a:chOff x="0" y="0"/>
+          <a:chExt cx="0" cy="0"/>
+        </a:xfrm>
+      </p:grpSpPr>
       <p:sp>
         <p:nvSpPr>
           <p:cNvPr id="2" name="Rectangle 1"/>
@@ -47424,6 +49485,7 @@
           <a:lstStyle/>
           <a:p>
             <a:pPr algn="ctr"/>
+            <a:endParaRPr/>
           </a:p>
         </p:txBody>
       </p:sp>
@@ -47643,7 +49705,7 @@
 </file>
 
 <file path=ppt/slides/slide79.xml><?xml version="1.0" encoding="utf-8"?>
-<p:sld xmlns:a="http://schemas.openxmlformats.org/drawingml/2006/main" xmlns:p="http://schemas.openxmlformats.org/presentationml/2006/main" xmlns:r="http://schemas.openxmlformats.org/officeDocument/2006/relationships">
+<p:sld xmlns:a="http://schemas.openxmlformats.org/drawingml/2006/main" xmlns:r="http://schemas.openxmlformats.org/officeDocument/2006/relationships" xmlns:p="http://schemas.openxmlformats.org/presentationml/2006/main">
   <p:cSld>
     <p:spTree>
       <p:nvGrpSpPr>
@@ -47651,7 +49713,14 @@
         <p:cNvGrpSpPr/>
         <p:nvPr/>
       </p:nvGrpSpPr>
-      <p:grpSpPr/>
+      <p:grpSpPr>
+        <a:xfrm>
+          <a:off x="0" y="0"/>
+          <a:ext cx="0" cy="0"/>
+          <a:chOff x="0" y="0"/>
+          <a:chExt cx="0" cy="0"/>
+        </a:xfrm>
+      </p:grpSpPr>
       <p:sp>
         <p:nvSpPr>
           <p:cNvPr id="2" name="Rectangle 1"/>
@@ -47692,6 +49761,7 @@
           <a:lstStyle/>
           <a:p>
             <a:pPr algn="ctr"/>
+            <a:endParaRPr/>
           </a:p>
         </p:txBody>
       </p:sp>
@@ -48039,7 +50109,7 @@
 </file>
 
 <file path=ppt/slides/slide8.xml><?xml version="1.0" encoding="utf-8"?>
-<p:sld xmlns:a="http://schemas.openxmlformats.org/drawingml/2006/main" xmlns:p="http://schemas.openxmlformats.org/presentationml/2006/main" xmlns:r="http://schemas.openxmlformats.org/officeDocument/2006/relationships">
+<p:sld xmlns:a="http://schemas.openxmlformats.org/drawingml/2006/main" xmlns:r="http://schemas.openxmlformats.org/officeDocument/2006/relationships" xmlns:p="http://schemas.openxmlformats.org/presentationml/2006/main">
   <p:cSld>
     <p:spTree>
       <p:nvGrpSpPr>
@@ -48047,7 +50117,14 @@
         <p:cNvGrpSpPr/>
         <p:nvPr/>
       </p:nvGrpSpPr>
-      <p:grpSpPr/>
+      <p:grpSpPr>
+        <a:xfrm>
+          <a:off x="0" y="0"/>
+          <a:ext cx="0" cy="0"/>
+          <a:chOff x="0" y="0"/>
+          <a:chExt cx="0" cy="0"/>
+        </a:xfrm>
+      </p:grpSpPr>
       <p:sp>
         <p:nvSpPr>
           <p:cNvPr id="2" name="Rectangle 1"/>
@@ -48088,6 +50165,7 @@
           <a:lstStyle/>
           <a:p>
             <a:pPr algn="ctr"/>
+            <a:endParaRPr/>
           </a:p>
         </p:txBody>
       </p:sp>
@@ -48435,7 +50513,7 @@
 </file>
 
 <file path=ppt/slides/slide80.xml><?xml version="1.0" encoding="utf-8"?>
-<p:sld xmlns:a="http://schemas.openxmlformats.org/drawingml/2006/main" xmlns:p="http://schemas.openxmlformats.org/presentationml/2006/main" xmlns:r="http://schemas.openxmlformats.org/officeDocument/2006/relationships">
+<p:sld xmlns:a="http://schemas.openxmlformats.org/drawingml/2006/main" xmlns:r="http://schemas.openxmlformats.org/officeDocument/2006/relationships" xmlns:p="http://schemas.openxmlformats.org/presentationml/2006/main">
   <p:cSld>
     <p:spTree>
       <p:nvGrpSpPr>
@@ -48443,7 +50521,14 @@
         <p:cNvGrpSpPr/>
         <p:nvPr/>
       </p:nvGrpSpPr>
-      <p:grpSpPr/>
+      <p:grpSpPr>
+        <a:xfrm>
+          <a:off x="0" y="0"/>
+          <a:ext cx="0" cy="0"/>
+          <a:chOff x="0" y="0"/>
+          <a:chExt cx="0" cy="0"/>
+        </a:xfrm>
+      </p:grpSpPr>
       <p:sp>
         <p:nvSpPr>
           <p:cNvPr id="2" name="Rectangle 1"/>
@@ -48484,6 +50569,7 @@
           <a:lstStyle/>
           <a:p>
             <a:pPr algn="ctr"/>
+            <a:endParaRPr/>
           </a:p>
         </p:txBody>
       </p:sp>
@@ -48865,7 +50951,7 @@
 </file>
 
 <file path=ppt/slides/slide81.xml><?xml version="1.0" encoding="utf-8"?>
-<p:sld xmlns:a="http://schemas.openxmlformats.org/drawingml/2006/main" xmlns:p="http://schemas.openxmlformats.org/presentationml/2006/main" xmlns:r="http://schemas.openxmlformats.org/officeDocument/2006/relationships">
+<p:sld xmlns:a="http://schemas.openxmlformats.org/drawingml/2006/main" xmlns:r="http://schemas.openxmlformats.org/officeDocument/2006/relationships" xmlns:p="http://schemas.openxmlformats.org/presentationml/2006/main">
   <p:cSld>
     <p:spTree>
       <p:nvGrpSpPr>
@@ -48873,7 +50959,14 @@
         <p:cNvGrpSpPr/>
         <p:nvPr/>
       </p:nvGrpSpPr>
-      <p:grpSpPr/>
+      <p:grpSpPr>
+        <a:xfrm>
+          <a:off x="0" y="0"/>
+          <a:ext cx="0" cy="0"/>
+          <a:chOff x="0" y="0"/>
+          <a:chExt cx="0" cy="0"/>
+        </a:xfrm>
+      </p:grpSpPr>
       <p:sp>
         <p:nvSpPr>
           <p:cNvPr id="2" name="Rectangle 1"/>
@@ -48914,6 +51007,7 @@
           <a:lstStyle/>
           <a:p>
             <a:pPr algn="ctr"/>
+            <a:endParaRPr/>
           </a:p>
         </p:txBody>
       </p:sp>
@@ -49261,7 +51355,7 @@
 </file>
 
 <file path=ppt/slides/slide82.xml><?xml version="1.0" encoding="utf-8"?>
-<p:sld xmlns:a="http://schemas.openxmlformats.org/drawingml/2006/main" xmlns:p="http://schemas.openxmlformats.org/presentationml/2006/main" xmlns:r="http://schemas.openxmlformats.org/officeDocument/2006/relationships">
+<p:sld xmlns:a="http://schemas.openxmlformats.org/drawingml/2006/main" xmlns:r="http://schemas.openxmlformats.org/officeDocument/2006/relationships" xmlns:p="http://schemas.openxmlformats.org/presentationml/2006/main">
   <p:cSld>
     <p:spTree>
       <p:nvGrpSpPr>
@@ -49269,7 +51363,14 @@
         <p:cNvGrpSpPr/>
         <p:nvPr/>
       </p:nvGrpSpPr>
-      <p:grpSpPr/>
+      <p:grpSpPr>
+        <a:xfrm>
+          <a:off x="0" y="0"/>
+          <a:ext cx="0" cy="0"/>
+          <a:chOff x="0" y="0"/>
+          <a:chExt cx="0" cy="0"/>
+        </a:xfrm>
+      </p:grpSpPr>
       <p:sp>
         <p:nvSpPr>
           <p:cNvPr id="2" name="Rectangle 1"/>
@@ -49310,6 +51411,7 @@
           <a:lstStyle/>
           <a:p>
             <a:pPr algn="ctr"/>
+            <a:endParaRPr/>
           </a:p>
         </p:txBody>
       </p:sp>
@@ -49440,9 +51542,27 @@
                 <a:tableStyleId>{5C22544A-7EE6-4342-B048-85BDC9FD1C3A}</a:tableStyleId>
               </a:tblPr>
               <a:tblGrid>
-                <a:gridCol w="1828800"/>
-                <a:gridCol w="4572000"/>
-                <a:gridCol w="4114800"/>
+                <a:gridCol w="1828800">
+                  <a:extLst>
+                    <a:ext uri="{9D8B030D-6E8A-4147-A177-3AD203B41FA5}">
+                      <a16:colId xmlns:a16="http://schemas.microsoft.com/office/drawing/2014/main" val="20000"/>
+                    </a:ext>
+                  </a:extLst>
+                </a:gridCol>
+                <a:gridCol w="4572000">
+                  <a:extLst>
+                    <a:ext uri="{9D8B030D-6E8A-4147-A177-3AD203B41FA5}">
+                      <a16:colId xmlns:a16="http://schemas.microsoft.com/office/drawing/2014/main" val="20001"/>
+                    </a:ext>
+                  </a:extLst>
+                </a:gridCol>
+                <a:gridCol w="4114800">
+                  <a:extLst>
+                    <a:ext uri="{9D8B030D-6E8A-4147-A177-3AD203B41FA5}">
+                      <a16:colId xmlns:a16="http://schemas.microsoft.com/office/drawing/2014/main" val="20002"/>
+                    </a:ext>
+                  </a:extLst>
+                </a:gridCol>
               </a:tblGrid>
               <a:tr h="411480">
                 <a:tc>
@@ -49535,6 +51655,11 @@
                     </a:solidFill>
                   </a:tcPr>
                 </a:tc>
+                <a:extLst>
+                  <a:ext uri="{0D108BD9-81ED-4DB2-BD59-A6C34878D82A}">
+                    <a16:rowId xmlns:a16="http://schemas.microsoft.com/office/drawing/2014/main" val="10000"/>
+                  </a:ext>
+                </a:extLst>
               </a:tr>
               <a:tr h="411480">
                 <a:tc>
@@ -49627,6 +51752,11 @@
                     </a:solidFill>
                   </a:tcPr>
                 </a:tc>
+                <a:extLst>
+                  <a:ext uri="{0D108BD9-81ED-4DB2-BD59-A6C34878D82A}">
+                    <a16:rowId xmlns:a16="http://schemas.microsoft.com/office/drawing/2014/main" val="10001"/>
+                  </a:ext>
+                </a:extLst>
               </a:tr>
               <a:tr h="411480">
                 <a:tc>
@@ -49719,6 +51849,11 @@
                     </a:solidFill>
                   </a:tcPr>
                 </a:tc>
+                <a:extLst>
+                  <a:ext uri="{0D108BD9-81ED-4DB2-BD59-A6C34878D82A}">
+                    <a16:rowId xmlns:a16="http://schemas.microsoft.com/office/drawing/2014/main" val="10002"/>
+                  </a:ext>
+                </a:extLst>
               </a:tr>
               <a:tr h="411480">
                 <a:tc>
@@ -49811,6 +51946,11 @@
                     </a:solidFill>
                   </a:tcPr>
                 </a:tc>
+                <a:extLst>
+                  <a:ext uri="{0D108BD9-81ED-4DB2-BD59-A6C34878D82A}">
+                    <a16:rowId xmlns:a16="http://schemas.microsoft.com/office/drawing/2014/main" val="10003"/>
+                  </a:ext>
+                </a:extLst>
               </a:tr>
               <a:tr h="411480">
                 <a:tc>
@@ -49903,6 +52043,11 @@
                     </a:solidFill>
                   </a:tcPr>
                 </a:tc>
+                <a:extLst>
+                  <a:ext uri="{0D108BD9-81ED-4DB2-BD59-A6C34878D82A}">
+                    <a16:rowId xmlns:a16="http://schemas.microsoft.com/office/drawing/2014/main" val="10004"/>
+                  </a:ext>
+                </a:extLst>
               </a:tr>
               <a:tr h="411480">
                 <a:tc>
@@ -49995,6 +52140,11 @@
                     </a:solidFill>
                   </a:tcPr>
                 </a:tc>
+                <a:extLst>
+                  <a:ext uri="{0D108BD9-81ED-4DB2-BD59-A6C34878D82A}">
+                    <a16:rowId xmlns:a16="http://schemas.microsoft.com/office/drawing/2014/main" val="10005"/>
+                  </a:ext>
+                </a:extLst>
               </a:tr>
               <a:tr h="411480">
                 <a:tc>
@@ -50087,6 +52237,11 @@
                     </a:solidFill>
                   </a:tcPr>
                 </a:tc>
+                <a:extLst>
+                  <a:ext uri="{0D108BD9-81ED-4DB2-BD59-A6C34878D82A}">
+                    <a16:rowId xmlns:a16="http://schemas.microsoft.com/office/drawing/2014/main" val="10006"/>
+                  </a:ext>
+                </a:extLst>
               </a:tr>
               <a:tr h="411480">
                 <a:tc>
@@ -50179,6 +52334,11 @@
                     </a:solidFill>
                   </a:tcPr>
                 </a:tc>
+                <a:extLst>
+                  <a:ext uri="{0D108BD9-81ED-4DB2-BD59-A6C34878D82A}">
+                    <a16:rowId xmlns:a16="http://schemas.microsoft.com/office/drawing/2014/main" val="10007"/>
+                  </a:ext>
+                </a:extLst>
               </a:tr>
               <a:tr h="411480">
                 <a:tc>
@@ -50271,6 +52431,11 @@
                     </a:solidFill>
                   </a:tcPr>
                 </a:tc>
+                <a:extLst>
+                  <a:ext uri="{0D108BD9-81ED-4DB2-BD59-A6C34878D82A}">
+                    <a16:rowId xmlns:a16="http://schemas.microsoft.com/office/drawing/2014/main" val="10008"/>
+                  </a:ext>
+                </a:extLst>
               </a:tr>
             </a:tbl>
           </a:graphicData>
@@ -50285,7 +52450,7 @@
 </file>
 
 <file path=ppt/slides/slide83.xml><?xml version="1.0" encoding="utf-8"?>
-<p:sld xmlns:a="http://schemas.openxmlformats.org/drawingml/2006/main" xmlns:p="http://schemas.openxmlformats.org/presentationml/2006/main" xmlns:r="http://schemas.openxmlformats.org/officeDocument/2006/relationships">
+<p:sld xmlns:a="http://schemas.openxmlformats.org/drawingml/2006/main" xmlns:r="http://schemas.openxmlformats.org/officeDocument/2006/relationships" xmlns:p="http://schemas.openxmlformats.org/presentationml/2006/main">
   <p:cSld>
     <p:spTree>
       <p:nvGrpSpPr>
@@ -50293,7 +52458,14 @@
         <p:cNvGrpSpPr/>
         <p:nvPr/>
       </p:nvGrpSpPr>
-      <p:grpSpPr/>
+      <p:grpSpPr>
+        <a:xfrm>
+          <a:off x="0" y="0"/>
+          <a:ext cx="0" cy="0"/>
+          <a:chOff x="0" y="0"/>
+          <a:chExt cx="0" cy="0"/>
+        </a:xfrm>
+      </p:grpSpPr>
       <p:sp>
         <p:nvSpPr>
           <p:cNvPr id="2" name="Rectangle 1"/>
@@ -50334,6 +52506,7 @@
           <a:lstStyle/>
           <a:p>
             <a:pPr algn="ctr"/>
+            <a:endParaRPr/>
           </a:p>
         </p:txBody>
       </p:sp>
@@ -50681,7 +52854,7 @@
 </file>
 
 <file path=ppt/slides/slide84.xml><?xml version="1.0" encoding="utf-8"?>
-<p:sld xmlns:a="http://schemas.openxmlformats.org/drawingml/2006/main" xmlns:p="http://schemas.openxmlformats.org/presentationml/2006/main" xmlns:r="http://schemas.openxmlformats.org/officeDocument/2006/relationships">
+<p:sld xmlns:a="http://schemas.openxmlformats.org/drawingml/2006/main" xmlns:r="http://schemas.openxmlformats.org/officeDocument/2006/relationships" xmlns:p="http://schemas.openxmlformats.org/presentationml/2006/main">
   <p:cSld>
     <p:spTree>
       <p:nvGrpSpPr>
@@ -50689,7 +52862,14 @@
         <p:cNvGrpSpPr/>
         <p:nvPr/>
       </p:nvGrpSpPr>
-      <p:grpSpPr/>
+      <p:grpSpPr>
+        <a:xfrm>
+          <a:off x="0" y="0"/>
+          <a:ext cx="0" cy="0"/>
+          <a:chOff x="0" y="0"/>
+          <a:chExt cx="0" cy="0"/>
+        </a:xfrm>
+      </p:grpSpPr>
       <p:sp>
         <p:nvSpPr>
           <p:cNvPr id="2" name="Rectangle 1"/>
@@ -50730,6 +52910,7 @@
           <a:lstStyle/>
           <a:p>
             <a:pPr algn="ctr"/>
+            <a:endParaRPr/>
           </a:p>
         </p:txBody>
       </p:sp>
@@ -51113,7 +53294,7 @@
 </file>
 
 <file path=ppt/slides/slide85.xml><?xml version="1.0" encoding="utf-8"?>
-<p:sld xmlns:a="http://schemas.openxmlformats.org/drawingml/2006/main" xmlns:p="http://schemas.openxmlformats.org/presentationml/2006/main" xmlns:r="http://schemas.openxmlformats.org/officeDocument/2006/relationships">
+<p:sld xmlns:a="http://schemas.openxmlformats.org/drawingml/2006/main" xmlns:r="http://schemas.openxmlformats.org/officeDocument/2006/relationships" xmlns:p="http://schemas.openxmlformats.org/presentationml/2006/main">
   <p:cSld>
     <p:spTree>
       <p:nvGrpSpPr>
@@ -51121,7 +53302,14 @@
         <p:cNvGrpSpPr/>
         <p:nvPr/>
       </p:nvGrpSpPr>
-      <p:grpSpPr/>
+      <p:grpSpPr>
+        <a:xfrm>
+          <a:off x="0" y="0"/>
+          <a:ext cx="0" cy="0"/>
+          <a:chOff x="0" y="0"/>
+          <a:chExt cx="0" cy="0"/>
+        </a:xfrm>
+      </p:grpSpPr>
       <p:sp>
         <p:nvSpPr>
           <p:cNvPr id="2" name="Rectangle 1"/>
@@ -51162,6 +53350,7 @@
           <a:lstStyle/>
           <a:p>
             <a:pPr algn="ctr"/>
+            <a:endParaRPr/>
           </a:p>
         </p:txBody>
       </p:sp>
@@ -51292,10 +53481,34 @@
                 <a:tableStyleId>{5C22544A-7EE6-4342-B048-85BDC9FD1C3A}</a:tableStyleId>
               </a:tblPr>
               <a:tblGrid>
-                <a:gridCol w="1828800"/>
-                <a:gridCol w="2926080"/>
-                <a:gridCol w="3200400"/>
-                <a:gridCol w="2560320"/>
+                <a:gridCol w="1828800">
+                  <a:extLst>
+                    <a:ext uri="{9D8B030D-6E8A-4147-A177-3AD203B41FA5}">
+                      <a16:colId xmlns:a16="http://schemas.microsoft.com/office/drawing/2014/main" val="20000"/>
+                    </a:ext>
+                  </a:extLst>
+                </a:gridCol>
+                <a:gridCol w="2926080">
+                  <a:extLst>
+                    <a:ext uri="{9D8B030D-6E8A-4147-A177-3AD203B41FA5}">
+                      <a16:colId xmlns:a16="http://schemas.microsoft.com/office/drawing/2014/main" val="20001"/>
+                    </a:ext>
+                  </a:extLst>
+                </a:gridCol>
+                <a:gridCol w="3200400">
+                  <a:extLst>
+                    <a:ext uri="{9D8B030D-6E8A-4147-A177-3AD203B41FA5}">
+                      <a16:colId xmlns:a16="http://schemas.microsoft.com/office/drawing/2014/main" val="20002"/>
+                    </a:ext>
+                  </a:extLst>
+                </a:gridCol>
+                <a:gridCol w="2560320">
+                  <a:extLst>
+                    <a:ext uri="{9D8B030D-6E8A-4147-A177-3AD203B41FA5}">
+                      <a16:colId xmlns:a16="http://schemas.microsoft.com/office/drawing/2014/main" val="20003"/>
+                    </a:ext>
+                  </a:extLst>
+                </a:gridCol>
               </a:tblGrid>
               <a:tr h="411480">
                 <a:tc>
@@ -51418,6 +53631,11 @@
                     </a:solidFill>
                   </a:tcPr>
                 </a:tc>
+                <a:extLst>
+                  <a:ext uri="{0D108BD9-81ED-4DB2-BD59-A6C34878D82A}">
+                    <a16:rowId xmlns:a16="http://schemas.microsoft.com/office/drawing/2014/main" val="10000"/>
+                  </a:ext>
+                </a:extLst>
               </a:tr>
               <a:tr h="411480">
                 <a:tc>
@@ -51540,6 +53758,11 @@
                     </a:solidFill>
                   </a:tcPr>
                 </a:tc>
+                <a:extLst>
+                  <a:ext uri="{0D108BD9-81ED-4DB2-BD59-A6C34878D82A}">
+                    <a16:rowId xmlns:a16="http://schemas.microsoft.com/office/drawing/2014/main" val="10001"/>
+                  </a:ext>
+                </a:extLst>
               </a:tr>
               <a:tr h="411480">
                 <a:tc>
@@ -51662,6 +53885,11 @@
                     </a:solidFill>
                   </a:tcPr>
                 </a:tc>
+                <a:extLst>
+                  <a:ext uri="{0D108BD9-81ED-4DB2-BD59-A6C34878D82A}">
+                    <a16:rowId xmlns:a16="http://schemas.microsoft.com/office/drawing/2014/main" val="10002"/>
+                  </a:ext>
+                </a:extLst>
               </a:tr>
               <a:tr h="411480">
                 <a:tc>
@@ -51784,6 +54012,11 @@
                     </a:solidFill>
                   </a:tcPr>
                 </a:tc>
+                <a:extLst>
+                  <a:ext uri="{0D108BD9-81ED-4DB2-BD59-A6C34878D82A}">
+                    <a16:rowId xmlns:a16="http://schemas.microsoft.com/office/drawing/2014/main" val="10003"/>
+                  </a:ext>
+                </a:extLst>
               </a:tr>
               <a:tr h="411480">
                 <a:tc>
@@ -51906,6 +54139,11 @@
                     </a:solidFill>
                   </a:tcPr>
                 </a:tc>
+                <a:extLst>
+                  <a:ext uri="{0D108BD9-81ED-4DB2-BD59-A6C34878D82A}">
+                    <a16:rowId xmlns:a16="http://schemas.microsoft.com/office/drawing/2014/main" val="10004"/>
+                  </a:ext>
+                </a:extLst>
               </a:tr>
               <a:tr h="411480">
                 <a:tc>
@@ -52028,6 +54266,11 @@
                     </a:solidFill>
                   </a:tcPr>
                 </a:tc>
+                <a:extLst>
+                  <a:ext uri="{0D108BD9-81ED-4DB2-BD59-A6C34878D82A}">
+                    <a16:rowId xmlns:a16="http://schemas.microsoft.com/office/drawing/2014/main" val="10005"/>
+                  </a:ext>
+                </a:extLst>
               </a:tr>
               <a:tr h="411480">
                 <a:tc>
@@ -52150,6 +54393,11 @@
                     </a:solidFill>
                   </a:tcPr>
                 </a:tc>
+                <a:extLst>
+                  <a:ext uri="{0D108BD9-81ED-4DB2-BD59-A6C34878D82A}">
+                    <a16:rowId xmlns:a16="http://schemas.microsoft.com/office/drawing/2014/main" val="10006"/>
+                  </a:ext>
+                </a:extLst>
               </a:tr>
               <a:tr h="411480">
                 <a:tc>
@@ -52272,6 +54520,11 @@
                     </a:solidFill>
                   </a:tcPr>
                 </a:tc>
+                <a:extLst>
+                  <a:ext uri="{0D108BD9-81ED-4DB2-BD59-A6C34878D82A}">
+                    <a16:rowId xmlns:a16="http://schemas.microsoft.com/office/drawing/2014/main" val="10007"/>
+                  </a:ext>
+                </a:extLst>
               </a:tr>
             </a:tbl>
           </a:graphicData>
@@ -52286,7 +54539,7 @@
 </file>
 
 <file path=ppt/slides/slide86.xml><?xml version="1.0" encoding="utf-8"?>
-<p:sld xmlns:a="http://schemas.openxmlformats.org/drawingml/2006/main" xmlns:p="http://schemas.openxmlformats.org/presentationml/2006/main" xmlns:r="http://schemas.openxmlformats.org/officeDocument/2006/relationships">
+<p:sld xmlns:a="http://schemas.openxmlformats.org/drawingml/2006/main" xmlns:r="http://schemas.openxmlformats.org/officeDocument/2006/relationships" xmlns:p="http://schemas.openxmlformats.org/presentationml/2006/main">
   <p:cSld>
     <p:spTree>
       <p:nvGrpSpPr>
@@ -52294,7 +54547,14 @@
         <p:cNvGrpSpPr/>
         <p:nvPr/>
       </p:nvGrpSpPr>
-      <p:grpSpPr/>
+      <p:grpSpPr>
+        <a:xfrm>
+          <a:off x="0" y="0"/>
+          <a:ext cx="0" cy="0"/>
+          <a:chOff x="0" y="0"/>
+          <a:chExt cx="0" cy="0"/>
+        </a:xfrm>
+      </p:grpSpPr>
       <p:sp>
         <p:nvSpPr>
           <p:cNvPr id="2" name="Rectangle 1"/>
@@ -52335,6 +54595,7 @@
           <a:lstStyle/>
           <a:p>
             <a:pPr algn="ctr"/>
+            <a:endParaRPr/>
           </a:p>
         </p:txBody>
       </p:sp>
@@ -52682,7 +54943,7 @@
 </file>
 
 <file path=ppt/slides/slide87.xml><?xml version="1.0" encoding="utf-8"?>
-<p:sld xmlns:a="http://schemas.openxmlformats.org/drawingml/2006/main" xmlns:p="http://schemas.openxmlformats.org/presentationml/2006/main" xmlns:r="http://schemas.openxmlformats.org/officeDocument/2006/relationships">
+<p:sld xmlns:a="http://schemas.openxmlformats.org/drawingml/2006/main" xmlns:r="http://schemas.openxmlformats.org/officeDocument/2006/relationships" xmlns:p="http://schemas.openxmlformats.org/presentationml/2006/main">
   <p:cSld>
     <p:spTree>
       <p:nvGrpSpPr>
@@ -52690,7 +54951,14 @@
         <p:cNvGrpSpPr/>
         <p:nvPr/>
       </p:nvGrpSpPr>
-      <p:grpSpPr/>
+      <p:grpSpPr>
+        <a:xfrm>
+          <a:off x="0" y="0"/>
+          <a:ext cx="0" cy="0"/>
+          <a:chOff x="0" y="0"/>
+          <a:chExt cx="0" cy="0"/>
+        </a:xfrm>
+      </p:grpSpPr>
       <p:sp>
         <p:nvSpPr>
           <p:cNvPr id="2" name="Rectangle 1"/>
@@ -52731,6 +54999,7 @@
           <a:lstStyle/>
           <a:p>
             <a:pPr algn="ctr"/>
+            <a:endParaRPr/>
           </a:p>
         </p:txBody>
       </p:sp>
@@ -52861,10 +55130,34 @@
                 <a:tableStyleId>{5C22544A-7EE6-4342-B048-85BDC9FD1C3A}</a:tableStyleId>
               </a:tblPr>
               <a:tblGrid>
-                <a:gridCol w="1188720"/>
-                <a:gridCol w="1188720"/>
-                <a:gridCol w="2743200"/>
-                <a:gridCol w="5394960"/>
+                <a:gridCol w="1188720">
+                  <a:extLst>
+                    <a:ext uri="{9D8B030D-6E8A-4147-A177-3AD203B41FA5}">
+                      <a16:colId xmlns:a16="http://schemas.microsoft.com/office/drawing/2014/main" val="20000"/>
+                    </a:ext>
+                  </a:extLst>
+                </a:gridCol>
+                <a:gridCol w="1188720">
+                  <a:extLst>
+                    <a:ext uri="{9D8B030D-6E8A-4147-A177-3AD203B41FA5}">
+                      <a16:colId xmlns:a16="http://schemas.microsoft.com/office/drawing/2014/main" val="20001"/>
+                    </a:ext>
+                  </a:extLst>
+                </a:gridCol>
+                <a:gridCol w="2743200">
+                  <a:extLst>
+                    <a:ext uri="{9D8B030D-6E8A-4147-A177-3AD203B41FA5}">
+                      <a16:colId xmlns:a16="http://schemas.microsoft.com/office/drawing/2014/main" val="20002"/>
+                    </a:ext>
+                  </a:extLst>
+                </a:gridCol>
+                <a:gridCol w="5394960">
+                  <a:extLst>
+                    <a:ext uri="{9D8B030D-6E8A-4147-A177-3AD203B41FA5}">
+                      <a16:colId xmlns:a16="http://schemas.microsoft.com/office/drawing/2014/main" val="20003"/>
+                    </a:ext>
+                  </a:extLst>
+                </a:gridCol>
               </a:tblGrid>
               <a:tr h="411480">
                 <a:tc>
@@ -52987,6 +55280,11 @@
                     </a:solidFill>
                   </a:tcPr>
                 </a:tc>
+                <a:extLst>
+                  <a:ext uri="{0D108BD9-81ED-4DB2-BD59-A6C34878D82A}">
+                    <a16:rowId xmlns:a16="http://schemas.microsoft.com/office/drawing/2014/main" val="10000"/>
+                  </a:ext>
+                </a:extLst>
               </a:tr>
               <a:tr h="411480">
                 <a:tc>
@@ -53109,6 +55407,11 @@
                     </a:solidFill>
                   </a:tcPr>
                 </a:tc>
+                <a:extLst>
+                  <a:ext uri="{0D108BD9-81ED-4DB2-BD59-A6C34878D82A}">
+                    <a16:rowId xmlns:a16="http://schemas.microsoft.com/office/drawing/2014/main" val="10001"/>
+                  </a:ext>
+                </a:extLst>
               </a:tr>
               <a:tr h="411480">
                 <a:tc>
@@ -53231,6 +55534,11 @@
                     </a:solidFill>
                   </a:tcPr>
                 </a:tc>
+                <a:extLst>
+                  <a:ext uri="{0D108BD9-81ED-4DB2-BD59-A6C34878D82A}">
+                    <a16:rowId xmlns:a16="http://schemas.microsoft.com/office/drawing/2014/main" val="10002"/>
+                  </a:ext>
+                </a:extLst>
               </a:tr>
               <a:tr h="411480">
                 <a:tc>
@@ -53353,6 +55661,11 @@
                     </a:solidFill>
                   </a:tcPr>
                 </a:tc>
+                <a:extLst>
+                  <a:ext uri="{0D108BD9-81ED-4DB2-BD59-A6C34878D82A}">
+                    <a16:rowId xmlns:a16="http://schemas.microsoft.com/office/drawing/2014/main" val="10003"/>
+                  </a:ext>
+                </a:extLst>
               </a:tr>
               <a:tr h="411480">
                 <a:tc>
@@ -53475,6 +55788,11 @@
                     </a:solidFill>
                   </a:tcPr>
                 </a:tc>
+                <a:extLst>
+                  <a:ext uri="{0D108BD9-81ED-4DB2-BD59-A6C34878D82A}">
+                    <a16:rowId xmlns:a16="http://schemas.microsoft.com/office/drawing/2014/main" val="10004"/>
+                  </a:ext>
+                </a:extLst>
               </a:tr>
             </a:tbl>
           </a:graphicData>
@@ -53529,7 +55847,7 @@
 </file>
 
 <file path=ppt/slides/slide88.xml><?xml version="1.0" encoding="utf-8"?>
-<p:sld xmlns:a="http://schemas.openxmlformats.org/drawingml/2006/main" xmlns:p="http://schemas.openxmlformats.org/presentationml/2006/main" xmlns:r="http://schemas.openxmlformats.org/officeDocument/2006/relationships">
+<p:sld xmlns:a="http://schemas.openxmlformats.org/drawingml/2006/main" xmlns:r="http://schemas.openxmlformats.org/officeDocument/2006/relationships" xmlns:p="http://schemas.openxmlformats.org/presentationml/2006/main">
   <p:cSld>
     <p:spTree>
       <p:nvGrpSpPr>
@@ -53537,7 +55855,14 @@
         <p:cNvGrpSpPr/>
         <p:nvPr/>
       </p:nvGrpSpPr>
-      <p:grpSpPr/>
+      <p:grpSpPr>
+        <a:xfrm>
+          <a:off x="0" y="0"/>
+          <a:ext cx="0" cy="0"/>
+          <a:chOff x="0" y="0"/>
+          <a:chExt cx="0" cy="0"/>
+        </a:xfrm>
+      </p:grpSpPr>
       <p:sp>
         <p:nvSpPr>
           <p:cNvPr id="2" name="Rectangle 1"/>
@@ -53578,6 +55903,7 @@
           <a:lstStyle/>
           <a:p>
             <a:pPr algn="ctr"/>
+            <a:endParaRPr/>
           </a:p>
         </p:txBody>
       </p:sp>
@@ -53708,10 +56034,34 @@
                 <a:tableStyleId>{5C22544A-7EE6-4342-B048-85BDC9FD1C3A}</a:tableStyleId>
               </a:tblPr>
               <a:tblGrid>
-                <a:gridCol w="2286000"/>
-                <a:gridCol w="3200400"/>
-                <a:gridCol w="1371600"/>
-                <a:gridCol w="3657600"/>
+                <a:gridCol w="2286000">
+                  <a:extLst>
+                    <a:ext uri="{9D8B030D-6E8A-4147-A177-3AD203B41FA5}">
+                      <a16:colId xmlns:a16="http://schemas.microsoft.com/office/drawing/2014/main" val="20000"/>
+                    </a:ext>
+                  </a:extLst>
+                </a:gridCol>
+                <a:gridCol w="3200400">
+                  <a:extLst>
+                    <a:ext uri="{9D8B030D-6E8A-4147-A177-3AD203B41FA5}">
+                      <a16:colId xmlns:a16="http://schemas.microsoft.com/office/drawing/2014/main" val="20001"/>
+                    </a:ext>
+                  </a:extLst>
+                </a:gridCol>
+                <a:gridCol w="1371600">
+                  <a:extLst>
+                    <a:ext uri="{9D8B030D-6E8A-4147-A177-3AD203B41FA5}">
+                      <a16:colId xmlns:a16="http://schemas.microsoft.com/office/drawing/2014/main" val="20002"/>
+                    </a:ext>
+                  </a:extLst>
+                </a:gridCol>
+                <a:gridCol w="3657600">
+                  <a:extLst>
+                    <a:ext uri="{9D8B030D-6E8A-4147-A177-3AD203B41FA5}">
+                      <a16:colId xmlns:a16="http://schemas.microsoft.com/office/drawing/2014/main" val="20003"/>
+                    </a:ext>
+                  </a:extLst>
+                </a:gridCol>
               </a:tblGrid>
               <a:tr h="411480">
                 <a:tc>
@@ -53834,6 +56184,11 @@
                     </a:solidFill>
                   </a:tcPr>
                 </a:tc>
+                <a:extLst>
+                  <a:ext uri="{0D108BD9-81ED-4DB2-BD59-A6C34878D82A}">
+                    <a16:rowId xmlns:a16="http://schemas.microsoft.com/office/drawing/2014/main" val="10000"/>
+                  </a:ext>
+                </a:extLst>
               </a:tr>
               <a:tr h="411480">
                 <a:tc>
@@ -53956,6 +56311,11 @@
                     </a:solidFill>
                   </a:tcPr>
                 </a:tc>
+                <a:extLst>
+                  <a:ext uri="{0D108BD9-81ED-4DB2-BD59-A6C34878D82A}">
+                    <a16:rowId xmlns:a16="http://schemas.microsoft.com/office/drawing/2014/main" val="10001"/>
+                  </a:ext>
+                </a:extLst>
               </a:tr>
               <a:tr h="411480">
                 <a:tc>
@@ -54078,6 +56438,11 @@
                     </a:solidFill>
                   </a:tcPr>
                 </a:tc>
+                <a:extLst>
+                  <a:ext uri="{0D108BD9-81ED-4DB2-BD59-A6C34878D82A}">
+                    <a16:rowId xmlns:a16="http://schemas.microsoft.com/office/drawing/2014/main" val="10002"/>
+                  </a:ext>
+                </a:extLst>
               </a:tr>
               <a:tr h="411480">
                 <a:tc>
@@ -54200,6 +56565,11 @@
                     </a:solidFill>
                   </a:tcPr>
                 </a:tc>
+                <a:extLst>
+                  <a:ext uri="{0D108BD9-81ED-4DB2-BD59-A6C34878D82A}">
+                    <a16:rowId xmlns:a16="http://schemas.microsoft.com/office/drawing/2014/main" val="10003"/>
+                  </a:ext>
+                </a:extLst>
               </a:tr>
               <a:tr h="411480">
                 <a:tc>
@@ -54322,6 +56692,11 @@
                     </a:solidFill>
                   </a:tcPr>
                 </a:tc>
+                <a:extLst>
+                  <a:ext uri="{0D108BD9-81ED-4DB2-BD59-A6C34878D82A}">
+                    <a16:rowId xmlns:a16="http://schemas.microsoft.com/office/drawing/2014/main" val="10004"/>
+                  </a:ext>
+                </a:extLst>
               </a:tr>
               <a:tr h="411480">
                 <a:tc>
@@ -54444,6 +56819,11 @@
                     </a:solidFill>
                   </a:tcPr>
                 </a:tc>
+                <a:extLst>
+                  <a:ext uri="{0D108BD9-81ED-4DB2-BD59-A6C34878D82A}">
+                    <a16:rowId xmlns:a16="http://schemas.microsoft.com/office/drawing/2014/main" val="10005"/>
+                  </a:ext>
+                </a:extLst>
               </a:tr>
             </a:tbl>
           </a:graphicData>
@@ -54494,7 +56874,7 @@
 </file>
 
 <file path=ppt/slides/slide89.xml><?xml version="1.0" encoding="utf-8"?>
-<p:sld xmlns:a="http://schemas.openxmlformats.org/drawingml/2006/main" xmlns:p="http://schemas.openxmlformats.org/presentationml/2006/main" xmlns:r="http://schemas.openxmlformats.org/officeDocument/2006/relationships">
+<p:sld xmlns:a="http://schemas.openxmlformats.org/drawingml/2006/main" xmlns:r="http://schemas.openxmlformats.org/officeDocument/2006/relationships" xmlns:p="http://schemas.openxmlformats.org/presentationml/2006/main">
   <p:cSld>
     <p:spTree>
       <p:nvGrpSpPr>
@@ -54502,7 +56882,14 @@
         <p:cNvGrpSpPr/>
         <p:nvPr/>
       </p:nvGrpSpPr>
-      <p:grpSpPr/>
+      <p:grpSpPr>
+        <a:xfrm>
+          <a:off x="0" y="0"/>
+          <a:ext cx="0" cy="0"/>
+          <a:chOff x="0" y="0"/>
+          <a:chExt cx="0" cy="0"/>
+        </a:xfrm>
+      </p:grpSpPr>
       <p:sp>
         <p:nvSpPr>
           <p:cNvPr id="2" name="Rectangle 1"/>
@@ -54543,6 +56930,7 @@
           <a:lstStyle/>
           <a:p>
             <a:pPr algn="ctr"/>
+            <a:endParaRPr/>
           </a:p>
         </p:txBody>
       </p:sp>
@@ -54673,9 +57061,27 @@
                 <a:tableStyleId>{5C22544A-7EE6-4342-B048-85BDC9FD1C3A}</a:tableStyleId>
               </a:tblPr>
               <a:tblGrid>
-                <a:gridCol w="2560320"/>
-                <a:gridCol w="2286000"/>
-                <a:gridCol w="5669280"/>
+                <a:gridCol w="2560320">
+                  <a:extLst>
+                    <a:ext uri="{9D8B030D-6E8A-4147-A177-3AD203B41FA5}">
+                      <a16:colId xmlns:a16="http://schemas.microsoft.com/office/drawing/2014/main" val="20000"/>
+                    </a:ext>
+                  </a:extLst>
+                </a:gridCol>
+                <a:gridCol w="2286000">
+                  <a:extLst>
+                    <a:ext uri="{9D8B030D-6E8A-4147-A177-3AD203B41FA5}">
+                      <a16:colId xmlns:a16="http://schemas.microsoft.com/office/drawing/2014/main" val="20001"/>
+                    </a:ext>
+                  </a:extLst>
+                </a:gridCol>
+                <a:gridCol w="5669280">
+                  <a:extLst>
+                    <a:ext uri="{9D8B030D-6E8A-4147-A177-3AD203B41FA5}">
+                      <a16:colId xmlns:a16="http://schemas.microsoft.com/office/drawing/2014/main" val="20002"/>
+                    </a:ext>
+                  </a:extLst>
+                </a:gridCol>
               </a:tblGrid>
               <a:tr h="411480">
                 <a:tc>
@@ -54768,6 +57174,11 @@
                     </a:solidFill>
                   </a:tcPr>
                 </a:tc>
+                <a:extLst>
+                  <a:ext uri="{0D108BD9-81ED-4DB2-BD59-A6C34878D82A}">
+                    <a16:rowId xmlns:a16="http://schemas.microsoft.com/office/drawing/2014/main" val="10000"/>
+                  </a:ext>
+                </a:extLst>
               </a:tr>
               <a:tr h="411480">
                 <a:tc>
@@ -54860,6 +57271,11 @@
                     </a:solidFill>
                   </a:tcPr>
                 </a:tc>
+                <a:extLst>
+                  <a:ext uri="{0D108BD9-81ED-4DB2-BD59-A6C34878D82A}">
+                    <a16:rowId xmlns:a16="http://schemas.microsoft.com/office/drawing/2014/main" val="10001"/>
+                  </a:ext>
+                </a:extLst>
               </a:tr>
               <a:tr h="411480">
                 <a:tc>
@@ -54952,6 +57368,11 @@
                     </a:solidFill>
                   </a:tcPr>
                 </a:tc>
+                <a:extLst>
+                  <a:ext uri="{0D108BD9-81ED-4DB2-BD59-A6C34878D82A}">
+                    <a16:rowId xmlns:a16="http://schemas.microsoft.com/office/drawing/2014/main" val="10002"/>
+                  </a:ext>
+                </a:extLst>
               </a:tr>
               <a:tr h="411480">
                 <a:tc>
@@ -55044,6 +57465,11 @@
                     </a:solidFill>
                   </a:tcPr>
                 </a:tc>
+                <a:extLst>
+                  <a:ext uri="{0D108BD9-81ED-4DB2-BD59-A6C34878D82A}">
+                    <a16:rowId xmlns:a16="http://schemas.microsoft.com/office/drawing/2014/main" val="10003"/>
+                  </a:ext>
+                </a:extLst>
               </a:tr>
               <a:tr h="411480">
                 <a:tc>
@@ -55136,6 +57562,11 @@
                     </a:solidFill>
                   </a:tcPr>
                 </a:tc>
+                <a:extLst>
+                  <a:ext uri="{0D108BD9-81ED-4DB2-BD59-A6C34878D82A}">
+                    <a16:rowId xmlns:a16="http://schemas.microsoft.com/office/drawing/2014/main" val="10004"/>
+                  </a:ext>
+                </a:extLst>
               </a:tr>
               <a:tr h="411480">
                 <a:tc>
@@ -55228,6 +57659,11 @@
                     </a:solidFill>
                   </a:tcPr>
                 </a:tc>
+                <a:extLst>
+                  <a:ext uri="{0D108BD9-81ED-4DB2-BD59-A6C34878D82A}">
+                    <a16:rowId xmlns:a16="http://schemas.microsoft.com/office/drawing/2014/main" val="10005"/>
+                  </a:ext>
+                </a:extLst>
               </a:tr>
               <a:tr h="411480">
                 <a:tc>
@@ -55320,6 +57756,11 @@
                     </a:solidFill>
                   </a:tcPr>
                 </a:tc>
+                <a:extLst>
+                  <a:ext uri="{0D108BD9-81ED-4DB2-BD59-A6C34878D82A}">
+                    <a16:rowId xmlns:a16="http://schemas.microsoft.com/office/drawing/2014/main" val="10006"/>
+                  </a:ext>
+                </a:extLst>
               </a:tr>
             </a:tbl>
           </a:graphicData>
@@ -55334,7 +57775,7 @@
 </file>
 
 <file path=ppt/slides/slide9.xml><?xml version="1.0" encoding="utf-8"?>
-<p:sld xmlns:a="http://schemas.openxmlformats.org/drawingml/2006/main" xmlns:p="http://schemas.openxmlformats.org/presentationml/2006/main" xmlns:r="http://schemas.openxmlformats.org/officeDocument/2006/relationships">
+<p:sld xmlns:a="http://schemas.openxmlformats.org/drawingml/2006/main" xmlns:r="http://schemas.openxmlformats.org/officeDocument/2006/relationships" xmlns:p="http://schemas.openxmlformats.org/presentationml/2006/main">
   <p:cSld>
     <p:spTree>
       <p:nvGrpSpPr>
@@ -55342,7 +57783,14 @@
         <p:cNvGrpSpPr/>
         <p:nvPr/>
       </p:nvGrpSpPr>
-      <p:grpSpPr/>
+      <p:grpSpPr>
+        <a:xfrm>
+          <a:off x="0" y="0"/>
+          <a:ext cx="0" cy="0"/>
+          <a:chOff x="0" y="0"/>
+          <a:chExt cx="0" cy="0"/>
+        </a:xfrm>
+      </p:grpSpPr>
       <p:sp>
         <p:nvSpPr>
           <p:cNvPr id="2" name="Rectangle 1"/>
@@ -55383,6 +57831,7 @@
           <a:lstStyle/>
           <a:p>
             <a:pPr algn="ctr"/>
+            <a:endParaRPr/>
           </a:p>
         </p:txBody>
       </p:sp>
@@ -55462,7 +57911,7 @@
           </a:fontRef>
         </p:style>
         <p:txBody>
-          <a:bodyPr rtlCol="0" anchor="ctr" wrap="square"/>
+          <a:bodyPr wrap="square" rtlCol="0" anchor="ctr"/>
           <a:lstStyle/>
           <a:p>
             <a:pPr algn="ctr">
@@ -55563,7 +58012,7 @@
 </file>
 
 <file path=ppt/slides/slide90.xml><?xml version="1.0" encoding="utf-8"?>
-<p:sld xmlns:a="http://schemas.openxmlformats.org/drawingml/2006/main" xmlns:p="http://schemas.openxmlformats.org/presentationml/2006/main" xmlns:r="http://schemas.openxmlformats.org/officeDocument/2006/relationships">
+<p:sld xmlns:a="http://schemas.openxmlformats.org/drawingml/2006/main" xmlns:r="http://schemas.openxmlformats.org/officeDocument/2006/relationships" xmlns:p="http://schemas.openxmlformats.org/presentationml/2006/main">
   <p:cSld>
     <p:spTree>
       <p:nvGrpSpPr>
@@ -55571,7 +58020,14 @@
         <p:cNvGrpSpPr/>
         <p:nvPr/>
       </p:nvGrpSpPr>
-      <p:grpSpPr/>
+      <p:grpSpPr>
+        <a:xfrm>
+          <a:off x="0" y="0"/>
+          <a:ext cx="0" cy="0"/>
+          <a:chOff x="0" y="0"/>
+          <a:chExt cx="0" cy="0"/>
+        </a:xfrm>
+      </p:grpSpPr>
       <p:sp>
         <p:nvSpPr>
           <p:cNvPr id="2" name="Rectangle 1"/>
@@ -55612,6 +58068,7 @@
           <a:lstStyle/>
           <a:p>
             <a:pPr algn="ctr"/>
+            <a:endParaRPr/>
           </a:p>
         </p:txBody>
       </p:sp>
@@ -55763,6 +58220,7 @@
           <a:lstStyle/>
           <a:p>
             <a:pPr algn="ctr"/>
+            <a:endParaRPr/>
           </a:p>
         </p:txBody>
       </p:sp>
@@ -55970,7 +58428,7 @@
 </file>
 
 <file path=ppt/slides/slide91.xml><?xml version="1.0" encoding="utf-8"?>
-<p:sld xmlns:a="http://schemas.openxmlformats.org/drawingml/2006/main" xmlns:p="http://schemas.openxmlformats.org/presentationml/2006/main" xmlns:r="http://schemas.openxmlformats.org/officeDocument/2006/relationships">
+<p:sld xmlns:a="http://schemas.openxmlformats.org/drawingml/2006/main" xmlns:r="http://schemas.openxmlformats.org/officeDocument/2006/relationships" xmlns:p="http://schemas.openxmlformats.org/presentationml/2006/main">
   <p:cSld>
     <p:spTree>
       <p:nvGrpSpPr>
@@ -55978,7 +58436,14 @@
         <p:cNvGrpSpPr/>
         <p:nvPr/>
       </p:nvGrpSpPr>
-      <p:grpSpPr/>
+      <p:grpSpPr>
+        <a:xfrm>
+          <a:off x="0" y="0"/>
+          <a:ext cx="0" cy="0"/>
+          <a:chOff x="0" y="0"/>
+          <a:chExt cx="0" cy="0"/>
+        </a:xfrm>
+      </p:grpSpPr>
       <p:sp>
         <p:nvSpPr>
           <p:cNvPr id="2" name="Rectangle 1"/>
@@ -56019,6 +58484,7 @@
           <a:lstStyle/>
           <a:p>
             <a:pPr algn="ctr"/>
+            <a:endParaRPr/>
           </a:p>
         </p:txBody>
       </p:sp>
@@ -56062,6 +58528,7 @@
           <a:lstStyle/>
           <a:p>
             <a:pPr algn="ctr"/>
+            <a:endParaRPr/>
           </a:p>
         </p:txBody>
       </p:sp>
@@ -56355,7 +58822,7 @@
 </file>
 
 <file path=ppt/slides/slide92.xml><?xml version="1.0" encoding="utf-8"?>
-<p:sld xmlns:a="http://schemas.openxmlformats.org/drawingml/2006/main" xmlns:p="http://schemas.openxmlformats.org/presentationml/2006/main" xmlns:r="http://schemas.openxmlformats.org/officeDocument/2006/relationships">
+<p:sld xmlns:a="http://schemas.openxmlformats.org/drawingml/2006/main" xmlns:r="http://schemas.openxmlformats.org/officeDocument/2006/relationships" xmlns:p="http://schemas.openxmlformats.org/presentationml/2006/main">
   <p:cSld>
     <p:spTree>
       <p:nvGrpSpPr>
@@ -56363,7 +58830,14 @@
         <p:cNvGrpSpPr/>
         <p:nvPr/>
       </p:nvGrpSpPr>
-      <p:grpSpPr/>
+      <p:grpSpPr>
+        <a:xfrm>
+          <a:off x="0" y="0"/>
+          <a:ext cx="0" cy="0"/>
+          <a:chOff x="0" y="0"/>
+          <a:chExt cx="0" cy="0"/>
+        </a:xfrm>
+      </p:grpSpPr>
       <p:sp>
         <p:nvSpPr>
           <p:cNvPr id="2" name="Rectangle 1"/>
@@ -56404,6 +58878,7 @@
           <a:lstStyle/>
           <a:p>
             <a:pPr algn="ctr"/>
+            <a:endParaRPr/>
           </a:p>
         </p:txBody>
       </p:sp>
@@ -56649,7 +59124,7 @@
 </file>
 
 <file path=ppt/slides/slide93.xml><?xml version="1.0" encoding="utf-8"?>
-<p:sld xmlns:a="http://schemas.openxmlformats.org/drawingml/2006/main" xmlns:p="http://schemas.openxmlformats.org/presentationml/2006/main" xmlns:r="http://schemas.openxmlformats.org/officeDocument/2006/relationships">
+<p:sld xmlns:a="http://schemas.openxmlformats.org/drawingml/2006/main" xmlns:r="http://schemas.openxmlformats.org/officeDocument/2006/relationships" xmlns:p="http://schemas.openxmlformats.org/presentationml/2006/main">
   <p:cSld>
     <p:spTree>
       <p:nvGrpSpPr>
@@ -56657,7 +59132,14 @@
         <p:cNvGrpSpPr/>
         <p:nvPr/>
       </p:nvGrpSpPr>
-      <p:grpSpPr/>
+      <p:grpSpPr>
+        <a:xfrm>
+          <a:off x="0" y="0"/>
+          <a:ext cx="0" cy="0"/>
+          <a:chOff x="0" y="0"/>
+          <a:chExt cx="0" cy="0"/>
+        </a:xfrm>
+      </p:grpSpPr>
       <p:sp>
         <p:nvSpPr>
           <p:cNvPr id="2" name="Rectangle 1"/>
@@ -56698,6 +59180,7 @@
           <a:lstStyle/>
           <a:p>
             <a:pPr algn="ctr"/>
+            <a:endParaRPr/>
           </a:p>
         </p:txBody>
       </p:sp>
@@ -56864,9 +59347,27 @@
                 <a:tableStyleId>{5C22544A-7EE6-4342-B048-85BDC9FD1C3A}</a:tableStyleId>
               </a:tblPr>
               <a:tblGrid>
-                <a:gridCol w="2286000"/>
-                <a:gridCol w="1828800"/>
-                <a:gridCol w="6400800"/>
+                <a:gridCol w="2286000">
+                  <a:extLst>
+                    <a:ext uri="{9D8B030D-6E8A-4147-A177-3AD203B41FA5}">
+                      <a16:colId xmlns:a16="http://schemas.microsoft.com/office/drawing/2014/main" val="20000"/>
+                    </a:ext>
+                  </a:extLst>
+                </a:gridCol>
+                <a:gridCol w="1828800">
+                  <a:extLst>
+                    <a:ext uri="{9D8B030D-6E8A-4147-A177-3AD203B41FA5}">
+                      <a16:colId xmlns:a16="http://schemas.microsoft.com/office/drawing/2014/main" val="20001"/>
+                    </a:ext>
+                  </a:extLst>
+                </a:gridCol>
+                <a:gridCol w="6400800">
+                  <a:extLst>
+                    <a:ext uri="{9D8B030D-6E8A-4147-A177-3AD203B41FA5}">
+                      <a16:colId xmlns:a16="http://schemas.microsoft.com/office/drawing/2014/main" val="20002"/>
+                    </a:ext>
+                  </a:extLst>
+                </a:gridCol>
               </a:tblGrid>
               <a:tr h="411480">
                 <a:tc>
@@ -56959,6 +59460,11 @@
                     </a:solidFill>
                   </a:tcPr>
                 </a:tc>
+                <a:extLst>
+                  <a:ext uri="{0D108BD9-81ED-4DB2-BD59-A6C34878D82A}">
+                    <a16:rowId xmlns:a16="http://schemas.microsoft.com/office/drawing/2014/main" val="10000"/>
+                  </a:ext>
+                </a:extLst>
               </a:tr>
               <a:tr h="411480">
                 <a:tc>
@@ -57051,6 +59557,11 @@
                     </a:solidFill>
                   </a:tcPr>
                 </a:tc>
+                <a:extLst>
+                  <a:ext uri="{0D108BD9-81ED-4DB2-BD59-A6C34878D82A}">
+                    <a16:rowId xmlns:a16="http://schemas.microsoft.com/office/drawing/2014/main" val="10001"/>
+                  </a:ext>
+                </a:extLst>
               </a:tr>
               <a:tr h="411480">
                 <a:tc>
@@ -57143,6 +59654,11 @@
                     </a:solidFill>
                   </a:tcPr>
                 </a:tc>
+                <a:extLst>
+                  <a:ext uri="{0D108BD9-81ED-4DB2-BD59-A6C34878D82A}">
+                    <a16:rowId xmlns:a16="http://schemas.microsoft.com/office/drawing/2014/main" val="10002"/>
+                  </a:ext>
+                </a:extLst>
               </a:tr>
               <a:tr h="411480">
                 <a:tc>
@@ -57235,6 +59751,11 @@
                     </a:solidFill>
                   </a:tcPr>
                 </a:tc>
+                <a:extLst>
+                  <a:ext uri="{0D108BD9-81ED-4DB2-BD59-A6C34878D82A}">
+                    <a16:rowId xmlns:a16="http://schemas.microsoft.com/office/drawing/2014/main" val="10003"/>
+                  </a:ext>
+                </a:extLst>
               </a:tr>
               <a:tr h="411480">
                 <a:tc>
@@ -57327,6 +59848,11 @@
                     </a:solidFill>
                   </a:tcPr>
                 </a:tc>
+                <a:extLst>
+                  <a:ext uri="{0D108BD9-81ED-4DB2-BD59-A6C34878D82A}">
+                    <a16:rowId xmlns:a16="http://schemas.microsoft.com/office/drawing/2014/main" val="10004"/>
+                  </a:ext>
+                </a:extLst>
               </a:tr>
               <a:tr h="411480">
                 <a:tc>
@@ -57419,6 +59945,11 @@
                     </a:solidFill>
                   </a:tcPr>
                 </a:tc>
+                <a:extLst>
+                  <a:ext uri="{0D108BD9-81ED-4DB2-BD59-A6C34878D82A}">
+                    <a16:rowId xmlns:a16="http://schemas.microsoft.com/office/drawing/2014/main" val="10005"/>
+                  </a:ext>
+                </a:extLst>
               </a:tr>
             </a:tbl>
           </a:graphicData>
@@ -57469,7 +60000,7 @@
 </file>
 
 <file path=ppt/slides/slide94.xml><?xml version="1.0" encoding="utf-8"?>
-<p:sld xmlns:a="http://schemas.openxmlformats.org/drawingml/2006/main" xmlns:p="http://schemas.openxmlformats.org/presentationml/2006/main" xmlns:r="http://schemas.openxmlformats.org/officeDocument/2006/relationships">
+<p:sld xmlns:a="http://schemas.openxmlformats.org/drawingml/2006/main" xmlns:r="http://schemas.openxmlformats.org/officeDocument/2006/relationships" xmlns:p="http://schemas.openxmlformats.org/presentationml/2006/main">
   <p:cSld>
     <p:spTree>
       <p:nvGrpSpPr>
@@ -57477,7 +60008,14 @@
         <p:cNvGrpSpPr/>
         <p:nvPr/>
       </p:nvGrpSpPr>
-      <p:grpSpPr/>
+      <p:grpSpPr>
+        <a:xfrm>
+          <a:off x="0" y="0"/>
+          <a:ext cx="0" cy="0"/>
+          <a:chOff x="0" y="0"/>
+          <a:chExt cx="0" cy="0"/>
+        </a:xfrm>
+      </p:grpSpPr>
       <p:sp>
         <p:nvSpPr>
           <p:cNvPr id="2" name="Rectangle 1"/>
@@ -57518,6 +60056,7 @@
           <a:lstStyle/>
           <a:p>
             <a:pPr algn="ctr"/>
+            <a:endParaRPr/>
           </a:p>
         </p:txBody>
       </p:sp>
@@ -57899,7 +60438,7 @@
 </file>
 
 <file path=ppt/slides/slide95.xml><?xml version="1.0" encoding="utf-8"?>
-<p:sld xmlns:a="http://schemas.openxmlformats.org/drawingml/2006/main" xmlns:p="http://schemas.openxmlformats.org/presentationml/2006/main" xmlns:r="http://schemas.openxmlformats.org/officeDocument/2006/relationships">
+<p:sld xmlns:a="http://schemas.openxmlformats.org/drawingml/2006/main" xmlns:r="http://schemas.openxmlformats.org/officeDocument/2006/relationships" xmlns:p="http://schemas.openxmlformats.org/presentationml/2006/main">
   <p:cSld>
     <p:spTree>
       <p:nvGrpSpPr>
@@ -57907,7 +60446,14 @@
         <p:cNvGrpSpPr/>
         <p:nvPr/>
       </p:nvGrpSpPr>
-      <p:grpSpPr/>
+      <p:grpSpPr>
+        <a:xfrm>
+          <a:off x="0" y="0"/>
+          <a:ext cx="0" cy="0"/>
+          <a:chOff x="0" y="0"/>
+          <a:chExt cx="0" cy="0"/>
+        </a:xfrm>
+      </p:grpSpPr>
       <p:sp>
         <p:nvSpPr>
           <p:cNvPr id="2" name="Rectangle 1"/>
@@ -57948,6 +60494,7 @@
           <a:lstStyle/>
           <a:p>
             <a:pPr algn="ctr"/>
+            <a:endParaRPr/>
           </a:p>
         </p:txBody>
       </p:sp>
@@ -58363,7 +60910,7 @@
 </file>
 
 <file path=ppt/slides/slide96.xml><?xml version="1.0" encoding="utf-8"?>
-<p:sld xmlns:a="http://schemas.openxmlformats.org/drawingml/2006/main" xmlns:p="http://schemas.openxmlformats.org/presentationml/2006/main" xmlns:r="http://schemas.openxmlformats.org/officeDocument/2006/relationships">
+<p:sld xmlns:a="http://schemas.openxmlformats.org/drawingml/2006/main" xmlns:r="http://schemas.openxmlformats.org/officeDocument/2006/relationships" xmlns:p="http://schemas.openxmlformats.org/presentationml/2006/main">
   <p:cSld>
     <p:spTree>
       <p:nvGrpSpPr>
@@ -58371,7 +60918,14 @@
         <p:cNvGrpSpPr/>
         <p:nvPr/>
       </p:nvGrpSpPr>
-      <p:grpSpPr/>
+      <p:grpSpPr>
+        <a:xfrm>
+          <a:off x="0" y="0"/>
+          <a:ext cx="0" cy="0"/>
+          <a:chOff x="0" y="0"/>
+          <a:chExt cx="0" cy="0"/>
+        </a:xfrm>
+      </p:grpSpPr>
       <p:sp>
         <p:nvSpPr>
           <p:cNvPr id="2" name="Rectangle 1"/>
@@ -58412,6 +60966,7 @@
           <a:lstStyle/>
           <a:p>
             <a:pPr algn="ctr"/>
+            <a:endParaRPr/>
           </a:p>
         </p:txBody>
       </p:sp>
@@ -58559,7 +61114,7 @@
           </a:fontRef>
         </p:style>
         <p:txBody>
-          <a:bodyPr rtlCol="0" anchor="ctr" wrap="square"/>
+          <a:bodyPr wrap="square" rtlCol="0" anchor="ctr"/>
           <a:lstStyle/>
           <a:p>
             <a:pPr algn="ctr"/>
@@ -58620,7 +61175,7 @@
           </a:fontRef>
         </p:style>
         <p:txBody>
-          <a:bodyPr rtlCol="0" anchor="ctr" wrap="square"/>
+          <a:bodyPr wrap="square" rtlCol="0" anchor="ctr"/>
           <a:lstStyle/>
           <a:p>
             <a:pPr algn="ctr"/>
@@ -58681,7 +61236,7 @@
           </a:fontRef>
         </p:style>
         <p:txBody>
-          <a:bodyPr rtlCol="0" anchor="ctr" wrap="square"/>
+          <a:bodyPr wrap="square" rtlCol="0" anchor="ctr"/>
           <a:lstStyle/>
           <a:p>
             <a:pPr algn="ctr"/>
@@ -58715,7 +61270,7 @@
 </file>
 
 <file path=ppt/slides/slide97.xml><?xml version="1.0" encoding="utf-8"?>
-<p:sld xmlns:a="http://schemas.openxmlformats.org/drawingml/2006/main" xmlns:p="http://schemas.openxmlformats.org/presentationml/2006/main" xmlns:r="http://schemas.openxmlformats.org/officeDocument/2006/relationships">
+<p:sld xmlns:a="http://schemas.openxmlformats.org/drawingml/2006/main" xmlns:r="http://schemas.openxmlformats.org/officeDocument/2006/relationships" xmlns:p="http://schemas.openxmlformats.org/presentationml/2006/main">
   <p:cSld>
     <p:spTree>
       <p:nvGrpSpPr>
@@ -58723,7 +61278,14 @@
         <p:cNvGrpSpPr/>
         <p:nvPr/>
       </p:nvGrpSpPr>
-      <p:grpSpPr/>
+      <p:grpSpPr>
+        <a:xfrm>
+          <a:off x="0" y="0"/>
+          <a:ext cx="0" cy="0"/>
+          <a:chOff x="0" y="0"/>
+          <a:chExt cx="0" cy="0"/>
+        </a:xfrm>
+      </p:grpSpPr>
       <p:sp>
         <p:nvSpPr>
           <p:cNvPr id="2" name="Rectangle 1"/>
@@ -58764,6 +61326,7 @@
           <a:lstStyle/>
           <a:p>
             <a:pPr algn="ctr"/>
+            <a:endParaRPr/>
           </a:p>
         </p:txBody>
       </p:sp>
@@ -58807,6 +61370,7 @@
           <a:lstStyle/>
           <a:p>
             <a:pPr algn="ctr"/>
+            <a:endParaRPr/>
           </a:p>
         </p:txBody>
       </p:sp>
